--- a/photo thuc tap tot nghiep/thuyet trinh/ThuyetTrinhTTTNPhanDuc.pptx
+++ b/photo thuc tap tot nghiep/thuyet trinh/ThuyetTrinhTTTNPhanDuc.pptx
@@ -1,27 +1,122 @@
 
 <file path=ppt/presentation.xml><?xml version="1.0" encoding="utf-8"?>
-<p:presentation xmlns:a="http://schemas.openxmlformats.org/drawingml/2006/main" xmlns:p="http://schemas.openxmlformats.org/presentationml/2006/main" xmlns:r="http://schemas.openxmlformats.org/officeDocument/2006/relationships" xmlns:p14="http://schemas.microsoft.com/office/powerpoint/2010/main" xmlns:p15="http://schemas.microsoft.com/office/powerpoint/2012/main" xmlns:mc="http://schemas.openxmlformats.org/markup-compatibility/2006">
+<p:presentation xmlns:a="http://schemas.openxmlformats.org/drawingml/2006/main" xmlns:r="http://schemas.openxmlformats.org/officeDocument/2006/relationships" xmlns:p="http://schemas.openxmlformats.org/presentationml/2006/main">
   <p:sldMasterIdLst>
-    <p:sldMasterId id="2147483648" r:id="rId2"/>
-    <p:sldMasterId id="2147483661" r:id="rId3"/>
+    <p:sldMasterId id="2147483648" r:id="rId1"/>
+    <p:sldMasterId id="2147483661" r:id="rId2"/>
   </p:sldMasterIdLst>
   <p:sldIdLst>
-    <p:sldId id="256" r:id="rId4"/>
-    <p:sldId id="257" r:id="rId5"/>
-    <p:sldId id="258" r:id="rId6"/>
-    <p:sldId id="259" r:id="rId7"/>
-    <p:sldId id="260" r:id="rId8"/>
-    <p:sldId id="261" r:id="rId9"/>
-    <p:sldId id="262" r:id="rId10"/>
-    <p:sldId id="263" r:id="rId11"/>
+    <p:sldId id="256" r:id="rId3"/>
+    <p:sldId id="257" r:id="rId4"/>
+    <p:sldId id="258" r:id="rId5"/>
+    <p:sldId id="259" r:id="rId6"/>
+    <p:sldId id="260" r:id="rId7"/>
+    <p:sldId id="261" r:id="rId8"/>
+    <p:sldId id="262" r:id="rId9"/>
+    <p:sldId id="263" r:id="rId10"/>
   </p:sldIdLst>
   <p:sldSz cx="12192000" cy="6858000"/>
   <p:notesSz cx="7559675" cy="10691813"/>
+  <p:defaultTextStyle>
+    <a:defPPr>
+      <a:defRPr lang="en-US"/>
+    </a:defPPr>
+    <a:lvl1pPr marL="0" algn="l" defTabSz="914400" rtl="0" eaLnBrk="1" latinLnBrk="0" hangingPunct="1">
+      <a:defRPr sz="1800" kern="1200">
+        <a:solidFill>
+          <a:schemeClr val="tx1"/>
+        </a:solidFill>
+        <a:latin typeface="+mn-lt"/>
+        <a:ea typeface="+mn-ea"/>
+        <a:cs typeface="+mn-cs"/>
+      </a:defRPr>
+    </a:lvl1pPr>
+    <a:lvl2pPr marL="457200" algn="l" defTabSz="914400" rtl="0" eaLnBrk="1" latinLnBrk="0" hangingPunct="1">
+      <a:defRPr sz="1800" kern="1200">
+        <a:solidFill>
+          <a:schemeClr val="tx1"/>
+        </a:solidFill>
+        <a:latin typeface="+mn-lt"/>
+        <a:ea typeface="+mn-ea"/>
+        <a:cs typeface="+mn-cs"/>
+      </a:defRPr>
+    </a:lvl2pPr>
+    <a:lvl3pPr marL="914400" algn="l" defTabSz="914400" rtl="0" eaLnBrk="1" latinLnBrk="0" hangingPunct="1">
+      <a:defRPr sz="1800" kern="1200">
+        <a:solidFill>
+          <a:schemeClr val="tx1"/>
+        </a:solidFill>
+        <a:latin typeface="+mn-lt"/>
+        <a:ea typeface="+mn-ea"/>
+        <a:cs typeface="+mn-cs"/>
+      </a:defRPr>
+    </a:lvl3pPr>
+    <a:lvl4pPr marL="1371600" algn="l" defTabSz="914400" rtl="0" eaLnBrk="1" latinLnBrk="0" hangingPunct="1">
+      <a:defRPr sz="1800" kern="1200">
+        <a:solidFill>
+          <a:schemeClr val="tx1"/>
+        </a:solidFill>
+        <a:latin typeface="+mn-lt"/>
+        <a:ea typeface="+mn-ea"/>
+        <a:cs typeface="+mn-cs"/>
+      </a:defRPr>
+    </a:lvl4pPr>
+    <a:lvl5pPr marL="1828800" algn="l" defTabSz="914400" rtl="0" eaLnBrk="1" latinLnBrk="0" hangingPunct="1">
+      <a:defRPr sz="1800" kern="1200">
+        <a:solidFill>
+          <a:schemeClr val="tx1"/>
+        </a:solidFill>
+        <a:latin typeface="+mn-lt"/>
+        <a:ea typeface="+mn-ea"/>
+        <a:cs typeface="+mn-cs"/>
+      </a:defRPr>
+    </a:lvl5pPr>
+    <a:lvl6pPr marL="2286000" algn="l" defTabSz="914400" rtl="0" eaLnBrk="1" latinLnBrk="0" hangingPunct="1">
+      <a:defRPr sz="1800" kern="1200">
+        <a:solidFill>
+          <a:schemeClr val="tx1"/>
+        </a:solidFill>
+        <a:latin typeface="+mn-lt"/>
+        <a:ea typeface="+mn-ea"/>
+        <a:cs typeface="+mn-cs"/>
+      </a:defRPr>
+    </a:lvl6pPr>
+    <a:lvl7pPr marL="2743200" algn="l" defTabSz="914400" rtl="0" eaLnBrk="1" latinLnBrk="0" hangingPunct="1">
+      <a:defRPr sz="1800" kern="1200">
+        <a:solidFill>
+          <a:schemeClr val="tx1"/>
+        </a:solidFill>
+        <a:latin typeface="+mn-lt"/>
+        <a:ea typeface="+mn-ea"/>
+        <a:cs typeface="+mn-cs"/>
+      </a:defRPr>
+    </a:lvl7pPr>
+    <a:lvl8pPr marL="3200400" algn="l" defTabSz="914400" rtl="0" eaLnBrk="1" latinLnBrk="0" hangingPunct="1">
+      <a:defRPr sz="1800" kern="1200">
+        <a:solidFill>
+          <a:schemeClr val="tx1"/>
+        </a:solidFill>
+        <a:latin typeface="+mn-lt"/>
+        <a:ea typeface="+mn-ea"/>
+        <a:cs typeface="+mn-cs"/>
+      </a:defRPr>
+    </a:lvl8pPr>
+    <a:lvl9pPr marL="3657600" algn="l" defTabSz="914400" rtl="0" eaLnBrk="1" latinLnBrk="0" hangingPunct="1">
+      <a:defRPr sz="1800" kern="1200">
+        <a:solidFill>
+          <a:schemeClr val="tx1"/>
+        </a:solidFill>
+        <a:latin typeface="+mn-lt"/>
+        <a:ea typeface="+mn-ea"/>
+        <a:cs typeface="+mn-cs"/>
+      </a:defRPr>
+    </a:lvl9pPr>
+  </p:defaultTextStyle>
 </p:presentation>
 </file>
 
 <file path=ppt/slideLayouts/slideLayout1.xml><?xml version="1.0" encoding="utf-8"?>
-<p:sldLayout xmlns:a="http://schemas.openxmlformats.org/drawingml/2006/main" xmlns:p="http://schemas.openxmlformats.org/presentationml/2006/main" xmlns:r="http://schemas.openxmlformats.org/officeDocument/2006/relationships" xmlns:p14="http://schemas.microsoft.com/office/powerpoint/2010/main" xmlns:p15="http://schemas.microsoft.com/office/powerpoint/2012/main" xmlns:mc="http://schemas.openxmlformats.org/markup-compatibility/2006" type="blank" preserve="1">
+<p:sldLayout xmlns:a="http://schemas.openxmlformats.org/drawingml/2006/main" xmlns:r="http://schemas.openxmlformats.org/officeDocument/2006/relationships" xmlns:p="http://schemas.openxmlformats.org/presentationml/2006/main" type="blank" preserve="1">
   <p:cSld name="Blank Slide">
     <p:spTree>
       <p:nvGrpSpPr>
@@ -39,11 +134,14 @@
       </p:grpSpPr>
     </p:spTree>
   </p:cSld>
+  <p:clrMapOvr>
+    <a:masterClrMapping/>
+  </p:clrMapOvr>
 </p:sldLayout>
 </file>
 
 <file path=ppt/slideLayouts/slideLayout10.xml><?xml version="1.0" encoding="utf-8"?>
-<p:sldLayout xmlns:a="http://schemas.openxmlformats.org/drawingml/2006/main" xmlns:p="http://schemas.openxmlformats.org/presentationml/2006/main" xmlns:r="http://schemas.openxmlformats.org/officeDocument/2006/relationships" xmlns:p14="http://schemas.microsoft.com/office/powerpoint/2010/main" xmlns:p15="http://schemas.microsoft.com/office/powerpoint/2012/main" xmlns:mc="http://schemas.openxmlformats.org/markup-compatibility/2006" type="objOverTx" preserve="1">
+<p:sldLayout xmlns:a="http://schemas.openxmlformats.org/drawingml/2006/main" xmlns:r="http://schemas.openxmlformats.org/officeDocument/2006/relationships" xmlns:p="http://schemas.openxmlformats.org/presentationml/2006/main" type="objOverTx" preserve="1">
   <p:cSld name="Title, Content over Content">
     <p:spTree>
       <p:nvGrpSpPr>
@@ -83,14 +181,15 @@
           </a:ln>
         </p:spPr>
         <p:txBody>
-          <a:bodyPr lIns="0" rIns="0" tIns="0" bIns="0" anchor="ctr">
+          <a:bodyPr lIns="0" tIns="0" rIns="0" bIns="0" anchor="ctr">
             <a:noAutofit/>
           </a:bodyPr>
+          <a:lstStyle/>
           <a:p>
             <a:pPr algn="ctr">
               <a:buNone/>
             </a:pPr>
-            <a:endParaRPr b="0" lang="en-US" sz="4400" spc="-1" strike="noStrike">
+            <a:endParaRPr lang="en-US" sz="4400" b="0" strike="noStrike" spc="-1">
               <a:latin typeface="Arial"/>
             </a:endParaRPr>
           </a:p>
@@ -120,11 +219,12 @@
           </a:ln>
         </p:spPr>
         <p:txBody>
-          <a:bodyPr lIns="0" rIns="0" tIns="0" bIns="0" anchor="t">
+          <a:bodyPr lIns="0" tIns="0" rIns="0" bIns="0" anchor="t">
             <a:normAutofit/>
           </a:bodyPr>
-          <a:p>
-            <a:endParaRPr b="0" lang="en-US" sz="3200" spc="-1" strike="noStrike">
+          <a:lstStyle/>
+          <a:p>
+            <a:endParaRPr lang="en-US" sz="3200" b="0" strike="noStrike" spc="-1">
               <a:latin typeface="Arial"/>
             </a:endParaRPr>
           </a:p>
@@ -154,11 +254,12 @@
           </a:ln>
         </p:spPr>
         <p:txBody>
-          <a:bodyPr lIns="0" rIns="0" tIns="0" bIns="0" anchor="t">
+          <a:bodyPr lIns="0" tIns="0" rIns="0" bIns="0" anchor="t">
             <a:normAutofit/>
           </a:bodyPr>
-          <a:p>
-            <a:endParaRPr b="0" lang="en-US" sz="3200" spc="-1" strike="noStrike">
+          <a:lstStyle/>
+          <a:p>
+            <a:endParaRPr lang="en-US" sz="3200" b="0" strike="noStrike" spc="-1">
               <a:latin typeface="Arial"/>
             </a:endParaRPr>
           </a:p>
@@ -166,11 +267,14 @@
       </p:sp>
     </p:spTree>
   </p:cSld>
+  <p:clrMapOvr>
+    <a:masterClrMapping/>
+  </p:clrMapOvr>
 </p:sldLayout>
 </file>
 
 <file path=ppt/slideLayouts/slideLayout11.xml><?xml version="1.0" encoding="utf-8"?>
-<p:sldLayout xmlns:a="http://schemas.openxmlformats.org/drawingml/2006/main" xmlns:p="http://schemas.openxmlformats.org/presentationml/2006/main" xmlns:r="http://schemas.openxmlformats.org/officeDocument/2006/relationships" xmlns:p14="http://schemas.microsoft.com/office/powerpoint/2010/main" xmlns:p15="http://schemas.microsoft.com/office/powerpoint/2012/main" xmlns:mc="http://schemas.openxmlformats.org/markup-compatibility/2006" type="fourObj" preserve="1">
+<p:sldLayout xmlns:a="http://schemas.openxmlformats.org/drawingml/2006/main" xmlns:r="http://schemas.openxmlformats.org/officeDocument/2006/relationships" xmlns:p="http://schemas.openxmlformats.org/presentationml/2006/main" type="fourObj" preserve="1">
   <p:cSld name="Title, 4 Content">
     <p:spTree>
       <p:nvGrpSpPr>
@@ -210,14 +314,15 @@
           </a:ln>
         </p:spPr>
         <p:txBody>
-          <a:bodyPr lIns="0" rIns="0" tIns="0" bIns="0" anchor="ctr">
+          <a:bodyPr lIns="0" tIns="0" rIns="0" bIns="0" anchor="ctr">
             <a:noAutofit/>
           </a:bodyPr>
+          <a:lstStyle/>
           <a:p>
             <a:pPr algn="ctr">
               <a:buNone/>
             </a:pPr>
-            <a:endParaRPr b="0" lang="en-US" sz="4400" spc="-1" strike="noStrike">
+            <a:endParaRPr lang="en-US" sz="4400" b="0" strike="noStrike" spc="-1">
               <a:latin typeface="Arial"/>
             </a:endParaRPr>
           </a:p>
@@ -247,11 +352,12 @@
           </a:ln>
         </p:spPr>
         <p:txBody>
-          <a:bodyPr lIns="0" rIns="0" tIns="0" bIns="0" anchor="t">
+          <a:bodyPr lIns="0" tIns="0" rIns="0" bIns="0" anchor="t">
             <a:normAutofit/>
           </a:bodyPr>
-          <a:p>
-            <a:endParaRPr b="0" lang="en-US" sz="3200" spc="-1" strike="noStrike">
+          <a:lstStyle/>
+          <a:p>
+            <a:endParaRPr lang="en-US" sz="3200" b="0" strike="noStrike" spc="-1">
               <a:latin typeface="Arial"/>
             </a:endParaRPr>
           </a:p>
@@ -281,11 +387,12 @@
           </a:ln>
         </p:spPr>
         <p:txBody>
-          <a:bodyPr lIns="0" rIns="0" tIns="0" bIns="0" anchor="t">
+          <a:bodyPr lIns="0" tIns="0" rIns="0" bIns="0" anchor="t">
             <a:normAutofit/>
           </a:bodyPr>
-          <a:p>
-            <a:endParaRPr b="0" lang="en-US" sz="3200" spc="-1" strike="noStrike">
+          <a:lstStyle/>
+          <a:p>
+            <a:endParaRPr lang="en-US" sz="3200" b="0" strike="noStrike" spc="-1">
               <a:latin typeface="Arial"/>
             </a:endParaRPr>
           </a:p>
@@ -315,11 +422,12 @@
           </a:ln>
         </p:spPr>
         <p:txBody>
-          <a:bodyPr lIns="0" rIns="0" tIns="0" bIns="0" anchor="t">
+          <a:bodyPr lIns="0" tIns="0" rIns="0" bIns="0" anchor="t">
             <a:normAutofit/>
           </a:bodyPr>
-          <a:p>
-            <a:endParaRPr b="0" lang="en-US" sz="3200" spc="-1" strike="noStrike">
+          <a:lstStyle/>
+          <a:p>
+            <a:endParaRPr lang="en-US" sz="3200" b="0" strike="noStrike" spc="-1">
               <a:latin typeface="Arial"/>
             </a:endParaRPr>
           </a:p>
@@ -349,11 +457,12 @@
           </a:ln>
         </p:spPr>
         <p:txBody>
-          <a:bodyPr lIns="0" rIns="0" tIns="0" bIns="0" anchor="t">
+          <a:bodyPr lIns="0" tIns="0" rIns="0" bIns="0" anchor="t">
             <a:normAutofit/>
           </a:bodyPr>
-          <a:p>
-            <a:endParaRPr b="0" lang="en-US" sz="3200" spc="-1" strike="noStrike">
+          <a:lstStyle/>
+          <a:p>
+            <a:endParaRPr lang="en-US" sz="3200" b="0" strike="noStrike" spc="-1">
               <a:latin typeface="Arial"/>
             </a:endParaRPr>
           </a:p>
@@ -361,11 +470,14 @@
       </p:sp>
     </p:spTree>
   </p:cSld>
+  <p:clrMapOvr>
+    <a:masterClrMapping/>
+  </p:clrMapOvr>
 </p:sldLayout>
 </file>
 
 <file path=ppt/slideLayouts/slideLayout12.xml><?xml version="1.0" encoding="utf-8"?>
-<p:sldLayout xmlns:a="http://schemas.openxmlformats.org/drawingml/2006/main" xmlns:p="http://schemas.openxmlformats.org/presentationml/2006/main" xmlns:r="http://schemas.openxmlformats.org/officeDocument/2006/relationships" xmlns:p14="http://schemas.microsoft.com/office/powerpoint/2010/main" xmlns:p15="http://schemas.microsoft.com/office/powerpoint/2012/main" xmlns:mc="http://schemas.openxmlformats.org/markup-compatibility/2006" type="blank" preserve="1">
+<p:sldLayout xmlns:a="http://schemas.openxmlformats.org/drawingml/2006/main" xmlns:r="http://schemas.openxmlformats.org/officeDocument/2006/relationships" xmlns:p="http://schemas.openxmlformats.org/presentationml/2006/main" type="blank" preserve="1">
   <p:cSld name="Title, 6 Content">
     <p:spTree>
       <p:nvGrpSpPr>
@@ -405,14 +517,15 @@
           </a:ln>
         </p:spPr>
         <p:txBody>
-          <a:bodyPr lIns="0" rIns="0" tIns="0" bIns="0" anchor="ctr">
+          <a:bodyPr lIns="0" tIns="0" rIns="0" bIns="0" anchor="ctr">
             <a:noAutofit/>
           </a:bodyPr>
+          <a:lstStyle/>
           <a:p>
             <a:pPr algn="ctr">
               <a:buNone/>
             </a:pPr>
-            <a:endParaRPr b="0" lang="en-US" sz="4400" spc="-1" strike="noStrike">
+            <a:endParaRPr lang="en-US" sz="4400" b="0" strike="noStrike" spc="-1">
               <a:latin typeface="Arial"/>
             </a:endParaRPr>
           </a:p>
@@ -442,11 +555,12 @@
           </a:ln>
         </p:spPr>
         <p:txBody>
-          <a:bodyPr lIns="0" rIns="0" tIns="0" bIns="0" anchor="t">
+          <a:bodyPr lIns="0" tIns="0" rIns="0" bIns="0" anchor="t">
             <a:normAutofit/>
           </a:bodyPr>
-          <a:p>
-            <a:endParaRPr b="0" lang="en-US" sz="3200" spc="-1" strike="noStrike">
+          <a:lstStyle/>
+          <a:p>
+            <a:endParaRPr lang="en-US" sz="3200" b="0" strike="noStrike" spc="-1">
               <a:latin typeface="Arial"/>
             </a:endParaRPr>
           </a:p>
@@ -476,11 +590,12 @@
           </a:ln>
         </p:spPr>
         <p:txBody>
-          <a:bodyPr lIns="0" rIns="0" tIns="0" bIns="0" anchor="t">
+          <a:bodyPr lIns="0" tIns="0" rIns="0" bIns="0" anchor="t">
             <a:normAutofit/>
           </a:bodyPr>
-          <a:p>
-            <a:endParaRPr b="0" lang="en-US" sz="3200" spc="-1" strike="noStrike">
+          <a:lstStyle/>
+          <a:p>
+            <a:endParaRPr lang="en-US" sz="3200" b="0" strike="noStrike" spc="-1">
               <a:latin typeface="Arial"/>
             </a:endParaRPr>
           </a:p>
@@ -510,11 +625,12 @@
           </a:ln>
         </p:spPr>
         <p:txBody>
-          <a:bodyPr lIns="0" rIns="0" tIns="0" bIns="0" anchor="t">
+          <a:bodyPr lIns="0" tIns="0" rIns="0" bIns="0" anchor="t">
             <a:normAutofit/>
           </a:bodyPr>
-          <a:p>
-            <a:endParaRPr b="0" lang="en-US" sz="3200" spc="-1" strike="noStrike">
+          <a:lstStyle/>
+          <a:p>
+            <a:endParaRPr lang="en-US" sz="3200" b="0" strike="noStrike" spc="-1">
               <a:latin typeface="Arial"/>
             </a:endParaRPr>
           </a:p>
@@ -544,11 +660,12 @@
           </a:ln>
         </p:spPr>
         <p:txBody>
-          <a:bodyPr lIns="0" rIns="0" tIns="0" bIns="0" anchor="t">
+          <a:bodyPr lIns="0" tIns="0" rIns="0" bIns="0" anchor="t">
             <a:normAutofit/>
           </a:bodyPr>
-          <a:p>
-            <a:endParaRPr b="0" lang="en-US" sz="3200" spc="-1" strike="noStrike">
+          <a:lstStyle/>
+          <a:p>
+            <a:endParaRPr lang="en-US" sz="3200" b="0" strike="noStrike" spc="-1">
               <a:latin typeface="Arial"/>
             </a:endParaRPr>
           </a:p>
@@ -578,11 +695,12 @@
           </a:ln>
         </p:spPr>
         <p:txBody>
-          <a:bodyPr lIns="0" rIns="0" tIns="0" bIns="0" anchor="t">
+          <a:bodyPr lIns="0" tIns="0" rIns="0" bIns="0" anchor="t">
             <a:normAutofit/>
           </a:bodyPr>
-          <a:p>
-            <a:endParaRPr b="0" lang="en-US" sz="3200" spc="-1" strike="noStrike">
+          <a:lstStyle/>
+          <a:p>
+            <a:endParaRPr lang="en-US" sz="3200" b="0" strike="noStrike" spc="-1">
               <a:latin typeface="Arial"/>
             </a:endParaRPr>
           </a:p>
@@ -612,11 +730,12 @@
           </a:ln>
         </p:spPr>
         <p:txBody>
-          <a:bodyPr lIns="0" rIns="0" tIns="0" bIns="0" anchor="t">
+          <a:bodyPr lIns="0" tIns="0" rIns="0" bIns="0" anchor="t">
             <a:normAutofit/>
           </a:bodyPr>
-          <a:p>
-            <a:endParaRPr b="0" lang="en-US" sz="3200" spc="-1" strike="noStrike">
+          <a:lstStyle/>
+          <a:p>
+            <a:endParaRPr lang="en-US" sz="3200" b="0" strike="noStrike" spc="-1">
               <a:latin typeface="Arial"/>
             </a:endParaRPr>
           </a:p>
@@ -624,11 +743,14 @@
       </p:sp>
     </p:spTree>
   </p:cSld>
+  <p:clrMapOvr>
+    <a:masterClrMapping/>
+  </p:clrMapOvr>
 </p:sldLayout>
 </file>
 
 <file path=ppt/slideLayouts/slideLayout13.xml><?xml version="1.0" encoding="utf-8"?>
-<p:sldLayout xmlns:a="http://schemas.openxmlformats.org/drawingml/2006/main" xmlns:p="http://schemas.openxmlformats.org/presentationml/2006/main" xmlns:r="http://schemas.openxmlformats.org/officeDocument/2006/relationships" xmlns:p14="http://schemas.microsoft.com/office/powerpoint/2010/main" xmlns:p15="http://schemas.microsoft.com/office/powerpoint/2012/main" xmlns:mc="http://schemas.openxmlformats.org/markup-compatibility/2006" type="blank" preserve="1">
+<p:sldLayout xmlns:a="http://schemas.openxmlformats.org/drawingml/2006/main" xmlns:r="http://schemas.openxmlformats.org/officeDocument/2006/relationships" xmlns:p="http://schemas.openxmlformats.org/presentationml/2006/main" type="blank" preserve="1">
   <p:cSld name="Blank Slide">
     <p:spTree>
       <p:nvGrpSpPr>
@@ -646,11 +768,14 @@
       </p:grpSpPr>
     </p:spTree>
   </p:cSld>
+  <p:clrMapOvr>
+    <a:masterClrMapping/>
+  </p:clrMapOvr>
 </p:sldLayout>
 </file>
 
 <file path=ppt/slideLayouts/slideLayout14.xml><?xml version="1.0" encoding="utf-8"?>
-<p:sldLayout xmlns:a="http://schemas.openxmlformats.org/drawingml/2006/main" xmlns:p="http://schemas.openxmlformats.org/presentationml/2006/main" xmlns:r="http://schemas.openxmlformats.org/officeDocument/2006/relationships" xmlns:p14="http://schemas.microsoft.com/office/powerpoint/2010/main" xmlns:p15="http://schemas.microsoft.com/office/powerpoint/2012/main" xmlns:mc="http://schemas.openxmlformats.org/markup-compatibility/2006" type="tx" preserve="1">
+<p:sldLayout xmlns:a="http://schemas.openxmlformats.org/drawingml/2006/main" xmlns:r="http://schemas.openxmlformats.org/officeDocument/2006/relationships" xmlns:p="http://schemas.openxmlformats.org/presentationml/2006/main" type="tx" preserve="1">
   <p:cSld name="Title Slide">
     <p:spTree>
       <p:nvGrpSpPr>
@@ -690,14 +815,15 @@
           </a:ln>
         </p:spPr>
         <p:txBody>
-          <a:bodyPr lIns="0" rIns="0" tIns="0" bIns="0" anchor="ctr">
+          <a:bodyPr lIns="0" tIns="0" rIns="0" bIns="0" anchor="ctr">
             <a:noAutofit/>
           </a:bodyPr>
+          <a:lstStyle/>
           <a:p>
             <a:pPr algn="ctr">
               <a:buNone/>
             </a:pPr>
-            <a:endParaRPr b="0" lang="en-US" sz="4400" spc="-1" strike="noStrike">
+            <a:endParaRPr lang="en-US" sz="4400" b="0" strike="noStrike" spc="-1">
               <a:latin typeface="Arial"/>
             </a:endParaRPr>
           </a:p>
@@ -727,14 +853,15 @@
           </a:ln>
         </p:spPr>
         <p:txBody>
-          <a:bodyPr lIns="0" rIns="0" tIns="0" bIns="0" anchor="ctr">
+          <a:bodyPr lIns="0" tIns="0" rIns="0" bIns="0" anchor="ctr">
             <a:noAutofit/>
           </a:bodyPr>
+          <a:lstStyle/>
           <a:p>
             <a:pPr algn="ctr">
               <a:buNone/>
             </a:pPr>
-            <a:endParaRPr b="0" lang="en-US" sz="3200" spc="-1" strike="noStrike">
+            <a:endParaRPr lang="en-US" sz="3200" b="0" strike="noStrike" spc="-1">
               <a:latin typeface="Arial"/>
             </a:endParaRPr>
           </a:p>
@@ -742,11 +869,14 @@
       </p:sp>
     </p:spTree>
   </p:cSld>
+  <p:clrMapOvr>
+    <a:masterClrMapping/>
+  </p:clrMapOvr>
 </p:sldLayout>
 </file>
 
 <file path=ppt/slideLayouts/slideLayout15.xml><?xml version="1.0" encoding="utf-8"?>
-<p:sldLayout xmlns:a="http://schemas.openxmlformats.org/drawingml/2006/main" xmlns:p="http://schemas.openxmlformats.org/presentationml/2006/main" xmlns:r="http://schemas.openxmlformats.org/officeDocument/2006/relationships" xmlns:p14="http://schemas.microsoft.com/office/powerpoint/2010/main" xmlns:p15="http://schemas.microsoft.com/office/powerpoint/2012/main" xmlns:mc="http://schemas.openxmlformats.org/markup-compatibility/2006" type="obj" preserve="1">
+<p:sldLayout xmlns:a="http://schemas.openxmlformats.org/drawingml/2006/main" xmlns:r="http://schemas.openxmlformats.org/officeDocument/2006/relationships" xmlns:p="http://schemas.openxmlformats.org/presentationml/2006/main" type="obj" preserve="1">
   <p:cSld name="Title, Content">
     <p:spTree>
       <p:nvGrpSpPr>
@@ -786,14 +916,15 @@
           </a:ln>
         </p:spPr>
         <p:txBody>
-          <a:bodyPr lIns="0" rIns="0" tIns="0" bIns="0" anchor="ctr">
+          <a:bodyPr lIns="0" tIns="0" rIns="0" bIns="0" anchor="ctr">
             <a:noAutofit/>
           </a:bodyPr>
+          <a:lstStyle/>
           <a:p>
             <a:pPr algn="ctr">
               <a:buNone/>
             </a:pPr>
-            <a:endParaRPr b="0" lang="en-US" sz="4400" spc="-1" strike="noStrike">
+            <a:endParaRPr lang="en-US" sz="4400" b="0" strike="noStrike" spc="-1">
               <a:latin typeface="Arial"/>
             </a:endParaRPr>
           </a:p>
@@ -823,11 +954,12 @@
           </a:ln>
         </p:spPr>
         <p:txBody>
-          <a:bodyPr lIns="0" rIns="0" tIns="0" bIns="0" anchor="t">
+          <a:bodyPr lIns="0" tIns="0" rIns="0" bIns="0" anchor="t">
             <a:normAutofit/>
           </a:bodyPr>
-          <a:p>
-            <a:endParaRPr b="0" lang="en-US" sz="3200" spc="-1" strike="noStrike">
+          <a:lstStyle/>
+          <a:p>
+            <a:endParaRPr lang="en-US" sz="3200" b="0" strike="noStrike" spc="-1">
               <a:latin typeface="Arial"/>
             </a:endParaRPr>
           </a:p>
@@ -835,11 +967,14 @@
       </p:sp>
     </p:spTree>
   </p:cSld>
+  <p:clrMapOvr>
+    <a:masterClrMapping/>
+  </p:clrMapOvr>
 </p:sldLayout>
 </file>
 
 <file path=ppt/slideLayouts/slideLayout16.xml><?xml version="1.0" encoding="utf-8"?>
-<p:sldLayout xmlns:a="http://schemas.openxmlformats.org/drawingml/2006/main" xmlns:p="http://schemas.openxmlformats.org/presentationml/2006/main" xmlns:r="http://schemas.openxmlformats.org/officeDocument/2006/relationships" xmlns:p14="http://schemas.microsoft.com/office/powerpoint/2010/main" xmlns:p15="http://schemas.microsoft.com/office/powerpoint/2012/main" xmlns:mc="http://schemas.openxmlformats.org/markup-compatibility/2006" type="twoObj" preserve="1">
+<p:sldLayout xmlns:a="http://schemas.openxmlformats.org/drawingml/2006/main" xmlns:r="http://schemas.openxmlformats.org/officeDocument/2006/relationships" xmlns:p="http://schemas.openxmlformats.org/presentationml/2006/main" type="twoObj" preserve="1">
   <p:cSld name="Title, 2 Content">
     <p:spTree>
       <p:nvGrpSpPr>
@@ -879,14 +1014,15 @@
           </a:ln>
         </p:spPr>
         <p:txBody>
-          <a:bodyPr lIns="0" rIns="0" tIns="0" bIns="0" anchor="ctr">
+          <a:bodyPr lIns="0" tIns="0" rIns="0" bIns="0" anchor="ctr">
             <a:noAutofit/>
           </a:bodyPr>
+          <a:lstStyle/>
           <a:p>
             <a:pPr algn="ctr">
               <a:buNone/>
             </a:pPr>
-            <a:endParaRPr b="0" lang="en-US" sz="4400" spc="-1" strike="noStrike">
+            <a:endParaRPr lang="en-US" sz="4400" b="0" strike="noStrike" spc="-1">
               <a:latin typeface="Arial"/>
             </a:endParaRPr>
           </a:p>
@@ -916,11 +1052,12 @@
           </a:ln>
         </p:spPr>
         <p:txBody>
-          <a:bodyPr lIns="0" rIns="0" tIns="0" bIns="0" anchor="t">
+          <a:bodyPr lIns="0" tIns="0" rIns="0" bIns="0" anchor="t">
             <a:normAutofit/>
           </a:bodyPr>
-          <a:p>
-            <a:endParaRPr b="0" lang="en-US" sz="3200" spc="-1" strike="noStrike">
+          <a:lstStyle/>
+          <a:p>
+            <a:endParaRPr lang="en-US" sz="3200" b="0" strike="noStrike" spc="-1">
               <a:latin typeface="Arial"/>
             </a:endParaRPr>
           </a:p>
@@ -950,11 +1087,12 @@
           </a:ln>
         </p:spPr>
         <p:txBody>
-          <a:bodyPr lIns="0" rIns="0" tIns="0" bIns="0" anchor="t">
+          <a:bodyPr lIns="0" tIns="0" rIns="0" bIns="0" anchor="t">
             <a:normAutofit/>
           </a:bodyPr>
-          <a:p>
-            <a:endParaRPr b="0" lang="en-US" sz="3200" spc="-1" strike="noStrike">
+          <a:lstStyle/>
+          <a:p>
+            <a:endParaRPr lang="en-US" sz="3200" b="0" strike="noStrike" spc="-1">
               <a:latin typeface="Arial"/>
             </a:endParaRPr>
           </a:p>
@@ -962,11 +1100,14 @@
       </p:sp>
     </p:spTree>
   </p:cSld>
+  <p:clrMapOvr>
+    <a:masterClrMapping/>
+  </p:clrMapOvr>
 </p:sldLayout>
 </file>
 
 <file path=ppt/slideLayouts/slideLayout17.xml><?xml version="1.0" encoding="utf-8"?>
-<p:sldLayout xmlns:a="http://schemas.openxmlformats.org/drawingml/2006/main" xmlns:p="http://schemas.openxmlformats.org/presentationml/2006/main" xmlns:r="http://schemas.openxmlformats.org/officeDocument/2006/relationships" xmlns:p14="http://schemas.microsoft.com/office/powerpoint/2010/main" xmlns:p15="http://schemas.microsoft.com/office/powerpoint/2012/main" xmlns:mc="http://schemas.openxmlformats.org/markup-compatibility/2006" type="titleOnly" preserve="1">
+<p:sldLayout xmlns:a="http://schemas.openxmlformats.org/drawingml/2006/main" xmlns:r="http://schemas.openxmlformats.org/officeDocument/2006/relationships" xmlns:p="http://schemas.openxmlformats.org/presentationml/2006/main" type="titleOnly" preserve="1">
   <p:cSld name="Title Only">
     <p:spTree>
       <p:nvGrpSpPr>
@@ -1006,14 +1147,15 @@
           </a:ln>
         </p:spPr>
         <p:txBody>
-          <a:bodyPr lIns="0" rIns="0" tIns="0" bIns="0" anchor="ctr">
+          <a:bodyPr lIns="0" tIns="0" rIns="0" bIns="0" anchor="ctr">
             <a:noAutofit/>
           </a:bodyPr>
+          <a:lstStyle/>
           <a:p>
             <a:pPr algn="ctr">
               <a:buNone/>
             </a:pPr>
-            <a:endParaRPr b="0" lang="en-US" sz="4400" spc="-1" strike="noStrike">
+            <a:endParaRPr lang="en-US" sz="4400" b="0" strike="noStrike" spc="-1">
               <a:latin typeface="Arial"/>
             </a:endParaRPr>
           </a:p>
@@ -1021,11 +1163,14 @@
       </p:sp>
     </p:spTree>
   </p:cSld>
+  <p:clrMapOvr>
+    <a:masterClrMapping/>
+  </p:clrMapOvr>
 </p:sldLayout>
 </file>
 
 <file path=ppt/slideLayouts/slideLayout18.xml><?xml version="1.0" encoding="utf-8"?>
-<p:sldLayout xmlns:a="http://schemas.openxmlformats.org/drawingml/2006/main" xmlns:p="http://schemas.openxmlformats.org/presentationml/2006/main" xmlns:r="http://schemas.openxmlformats.org/officeDocument/2006/relationships" xmlns:p14="http://schemas.microsoft.com/office/powerpoint/2010/main" xmlns:p15="http://schemas.microsoft.com/office/powerpoint/2012/main" xmlns:mc="http://schemas.openxmlformats.org/markup-compatibility/2006" type="objOnly" preserve="1">
+<p:sldLayout xmlns:a="http://schemas.openxmlformats.org/drawingml/2006/main" xmlns:r="http://schemas.openxmlformats.org/officeDocument/2006/relationships" xmlns:p="http://schemas.openxmlformats.org/presentationml/2006/main" type="objOnly" preserve="1">
   <p:cSld name="Centered Text">
     <p:spTree>
       <p:nvGrpSpPr>
@@ -1065,14 +1210,15 @@
           </a:ln>
         </p:spPr>
         <p:txBody>
-          <a:bodyPr lIns="0" rIns="0" tIns="0" bIns="0" anchor="ctr">
+          <a:bodyPr lIns="0" tIns="0" rIns="0" bIns="0" anchor="ctr">
             <a:noAutofit/>
           </a:bodyPr>
+          <a:lstStyle/>
           <a:p>
             <a:pPr algn="ctr">
               <a:buNone/>
             </a:pPr>
-            <a:endParaRPr b="0" lang="en-US" sz="3200" spc="-1" strike="noStrike">
+            <a:endParaRPr lang="en-US" sz="3200" b="0" strike="noStrike" spc="-1">
               <a:latin typeface="Arial"/>
             </a:endParaRPr>
           </a:p>
@@ -1080,11 +1226,14 @@
       </p:sp>
     </p:spTree>
   </p:cSld>
+  <p:clrMapOvr>
+    <a:masterClrMapping/>
+  </p:clrMapOvr>
 </p:sldLayout>
 </file>
 
 <file path=ppt/slideLayouts/slideLayout19.xml><?xml version="1.0" encoding="utf-8"?>
-<p:sldLayout xmlns:a="http://schemas.openxmlformats.org/drawingml/2006/main" xmlns:p="http://schemas.openxmlformats.org/presentationml/2006/main" xmlns:r="http://schemas.openxmlformats.org/officeDocument/2006/relationships" xmlns:p14="http://schemas.microsoft.com/office/powerpoint/2010/main" xmlns:p15="http://schemas.microsoft.com/office/powerpoint/2012/main" xmlns:mc="http://schemas.openxmlformats.org/markup-compatibility/2006" type="twoObjAndObj" preserve="1">
+<p:sldLayout xmlns:a="http://schemas.openxmlformats.org/drawingml/2006/main" xmlns:r="http://schemas.openxmlformats.org/officeDocument/2006/relationships" xmlns:p="http://schemas.openxmlformats.org/presentationml/2006/main" type="twoObjAndObj" preserve="1">
   <p:cSld name="Title, 2 Content and Content">
     <p:spTree>
       <p:nvGrpSpPr>
@@ -1124,14 +1273,15 @@
           </a:ln>
         </p:spPr>
         <p:txBody>
-          <a:bodyPr lIns="0" rIns="0" tIns="0" bIns="0" anchor="ctr">
+          <a:bodyPr lIns="0" tIns="0" rIns="0" bIns="0" anchor="ctr">
             <a:noAutofit/>
           </a:bodyPr>
+          <a:lstStyle/>
           <a:p>
             <a:pPr algn="ctr">
               <a:buNone/>
             </a:pPr>
-            <a:endParaRPr b="0" lang="en-US" sz="4400" spc="-1" strike="noStrike">
+            <a:endParaRPr lang="en-US" sz="4400" b="0" strike="noStrike" spc="-1">
               <a:latin typeface="Arial"/>
             </a:endParaRPr>
           </a:p>
@@ -1161,11 +1311,12 @@
           </a:ln>
         </p:spPr>
         <p:txBody>
-          <a:bodyPr lIns="0" rIns="0" tIns="0" bIns="0" anchor="t">
+          <a:bodyPr lIns="0" tIns="0" rIns="0" bIns="0" anchor="t">
             <a:normAutofit/>
           </a:bodyPr>
-          <a:p>
-            <a:endParaRPr b="0" lang="en-US" sz="3200" spc="-1" strike="noStrike">
+          <a:lstStyle/>
+          <a:p>
+            <a:endParaRPr lang="en-US" sz="3200" b="0" strike="noStrike" spc="-1">
               <a:latin typeface="Arial"/>
             </a:endParaRPr>
           </a:p>
@@ -1195,11 +1346,12 @@
           </a:ln>
         </p:spPr>
         <p:txBody>
-          <a:bodyPr lIns="0" rIns="0" tIns="0" bIns="0" anchor="t">
+          <a:bodyPr lIns="0" tIns="0" rIns="0" bIns="0" anchor="t">
             <a:normAutofit/>
           </a:bodyPr>
-          <a:p>
-            <a:endParaRPr b="0" lang="en-US" sz="3200" spc="-1" strike="noStrike">
+          <a:lstStyle/>
+          <a:p>
+            <a:endParaRPr lang="en-US" sz="3200" b="0" strike="noStrike" spc="-1">
               <a:latin typeface="Arial"/>
             </a:endParaRPr>
           </a:p>
@@ -1229,11 +1381,12 @@
           </a:ln>
         </p:spPr>
         <p:txBody>
-          <a:bodyPr lIns="0" rIns="0" tIns="0" bIns="0" anchor="t">
+          <a:bodyPr lIns="0" tIns="0" rIns="0" bIns="0" anchor="t">
             <a:normAutofit/>
           </a:bodyPr>
-          <a:p>
-            <a:endParaRPr b="0" lang="en-US" sz="3200" spc="-1" strike="noStrike">
+          <a:lstStyle/>
+          <a:p>
+            <a:endParaRPr lang="en-US" sz="3200" b="0" strike="noStrike" spc="-1">
               <a:latin typeface="Arial"/>
             </a:endParaRPr>
           </a:p>
@@ -1241,11 +1394,14 @@
       </p:sp>
     </p:spTree>
   </p:cSld>
+  <p:clrMapOvr>
+    <a:masterClrMapping/>
+  </p:clrMapOvr>
 </p:sldLayout>
 </file>
 
 <file path=ppt/slideLayouts/slideLayout2.xml><?xml version="1.0" encoding="utf-8"?>
-<p:sldLayout xmlns:a="http://schemas.openxmlformats.org/drawingml/2006/main" xmlns:p="http://schemas.openxmlformats.org/presentationml/2006/main" xmlns:r="http://schemas.openxmlformats.org/officeDocument/2006/relationships" xmlns:p14="http://schemas.microsoft.com/office/powerpoint/2010/main" xmlns:p15="http://schemas.microsoft.com/office/powerpoint/2012/main" xmlns:mc="http://schemas.openxmlformats.org/markup-compatibility/2006" type="tx" preserve="1">
+<p:sldLayout xmlns:a="http://schemas.openxmlformats.org/drawingml/2006/main" xmlns:r="http://schemas.openxmlformats.org/officeDocument/2006/relationships" xmlns:p="http://schemas.openxmlformats.org/presentationml/2006/main" type="tx" preserve="1">
   <p:cSld name="Title Slide">
     <p:spTree>
       <p:nvGrpSpPr>
@@ -1285,14 +1441,15 @@
           </a:ln>
         </p:spPr>
         <p:txBody>
-          <a:bodyPr lIns="0" rIns="0" tIns="0" bIns="0" anchor="ctr">
+          <a:bodyPr lIns="0" tIns="0" rIns="0" bIns="0" anchor="ctr">
             <a:noAutofit/>
           </a:bodyPr>
+          <a:lstStyle/>
           <a:p>
             <a:pPr algn="ctr">
               <a:buNone/>
             </a:pPr>
-            <a:endParaRPr b="0" lang="en-US" sz="4400" spc="-1" strike="noStrike">
+            <a:endParaRPr lang="en-US" sz="4400" b="0" strike="noStrike" spc="-1">
               <a:latin typeface="Arial"/>
             </a:endParaRPr>
           </a:p>
@@ -1322,14 +1479,15 @@
           </a:ln>
         </p:spPr>
         <p:txBody>
-          <a:bodyPr lIns="0" rIns="0" tIns="0" bIns="0" anchor="ctr">
+          <a:bodyPr lIns="0" tIns="0" rIns="0" bIns="0" anchor="ctr">
             <a:noAutofit/>
           </a:bodyPr>
+          <a:lstStyle/>
           <a:p>
             <a:pPr algn="ctr">
               <a:buNone/>
             </a:pPr>
-            <a:endParaRPr b="0" lang="en-US" sz="3200" spc="-1" strike="noStrike">
+            <a:endParaRPr lang="en-US" sz="3200" b="0" strike="noStrike" spc="-1">
               <a:latin typeface="Arial"/>
             </a:endParaRPr>
           </a:p>
@@ -1337,11 +1495,14 @@
       </p:sp>
     </p:spTree>
   </p:cSld>
+  <p:clrMapOvr>
+    <a:masterClrMapping/>
+  </p:clrMapOvr>
 </p:sldLayout>
 </file>
 
 <file path=ppt/slideLayouts/slideLayout20.xml><?xml version="1.0" encoding="utf-8"?>
-<p:sldLayout xmlns:a="http://schemas.openxmlformats.org/drawingml/2006/main" xmlns:p="http://schemas.openxmlformats.org/presentationml/2006/main" xmlns:r="http://schemas.openxmlformats.org/officeDocument/2006/relationships" xmlns:p14="http://schemas.microsoft.com/office/powerpoint/2010/main" xmlns:p15="http://schemas.microsoft.com/office/powerpoint/2012/main" xmlns:mc="http://schemas.openxmlformats.org/markup-compatibility/2006" type="objAndTwoObj" preserve="1">
+<p:sldLayout xmlns:a="http://schemas.openxmlformats.org/drawingml/2006/main" xmlns:r="http://schemas.openxmlformats.org/officeDocument/2006/relationships" xmlns:p="http://schemas.openxmlformats.org/presentationml/2006/main" type="objAndTwoObj" preserve="1">
   <p:cSld name="Title Content and 2 Content">
     <p:spTree>
       <p:nvGrpSpPr>
@@ -1381,14 +1542,15 @@
           </a:ln>
         </p:spPr>
         <p:txBody>
-          <a:bodyPr lIns="0" rIns="0" tIns="0" bIns="0" anchor="ctr">
+          <a:bodyPr lIns="0" tIns="0" rIns="0" bIns="0" anchor="ctr">
             <a:noAutofit/>
           </a:bodyPr>
+          <a:lstStyle/>
           <a:p>
             <a:pPr algn="ctr">
               <a:buNone/>
             </a:pPr>
-            <a:endParaRPr b="0" lang="en-US" sz="4400" spc="-1" strike="noStrike">
+            <a:endParaRPr lang="en-US" sz="4400" b="0" strike="noStrike" spc="-1">
               <a:latin typeface="Arial"/>
             </a:endParaRPr>
           </a:p>
@@ -1418,11 +1580,12 @@
           </a:ln>
         </p:spPr>
         <p:txBody>
-          <a:bodyPr lIns="0" rIns="0" tIns="0" bIns="0" anchor="t">
+          <a:bodyPr lIns="0" tIns="0" rIns="0" bIns="0" anchor="t">
             <a:normAutofit/>
           </a:bodyPr>
-          <a:p>
-            <a:endParaRPr b="0" lang="en-US" sz="3200" spc="-1" strike="noStrike">
+          <a:lstStyle/>
+          <a:p>
+            <a:endParaRPr lang="en-US" sz="3200" b="0" strike="noStrike" spc="-1">
               <a:latin typeface="Arial"/>
             </a:endParaRPr>
           </a:p>
@@ -1452,11 +1615,12 @@
           </a:ln>
         </p:spPr>
         <p:txBody>
-          <a:bodyPr lIns="0" rIns="0" tIns="0" bIns="0" anchor="t">
+          <a:bodyPr lIns="0" tIns="0" rIns="0" bIns="0" anchor="t">
             <a:normAutofit/>
           </a:bodyPr>
-          <a:p>
-            <a:endParaRPr b="0" lang="en-US" sz="3200" spc="-1" strike="noStrike">
+          <a:lstStyle/>
+          <a:p>
+            <a:endParaRPr lang="en-US" sz="3200" b="0" strike="noStrike" spc="-1">
               <a:latin typeface="Arial"/>
             </a:endParaRPr>
           </a:p>
@@ -1486,11 +1650,12 @@
           </a:ln>
         </p:spPr>
         <p:txBody>
-          <a:bodyPr lIns="0" rIns="0" tIns="0" bIns="0" anchor="t">
+          <a:bodyPr lIns="0" tIns="0" rIns="0" bIns="0" anchor="t">
             <a:normAutofit/>
           </a:bodyPr>
-          <a:p>
-            <a:endParaRPr b="0" lang="en-US" sz="3200" spc="-1" strike="noStrike">
+          <a:lstStyle/>
+          <a:p>
+            <a:endParaRPr lang="en-US" sz="3200" b="0" strike="noStrike" spc="-1">
               <a:latin typeface="Arial"/>
             </a:endParaRPr>
           </a:p>
@@ -1498,11 +1663,14 @@
       </p:sp>
     </p:spTree>
   </p:cSld>
+  <p:clrMapOvr>
+    <a:masterClrMapping/>
+  </p:clrMapOvr>
 </p:sldLayout>
 </file>
 
 <file path=ppt/slideLayouts/slideLayout21.xml><?xml version="1.0" encoding="utf-8"?>
-<p:sldLayout xmlns:a="http://schemas.openxmlformats.org/drawingml/2006/main" xmlns:p="http://schemas.openxmlformats.org/presentationml/2006/main" xmlns:r="http://schemas.openxmlformats.org/officeDocument/2006/relationships" xmlns:p14="http://schemas.microsoft.com/office/powerpoint/2010/main" xmlns:p15="http://schemas.microsoft.com/office/powerpoint/2012/main" xmlns:mc="http://schemas.openxmlformats.org/markup-compatibility/2006" type="twoObjOverTx" preserve="1">
+<p:sldLayout xmlns:a="http://schemas.openxmlformats.org/drawingml/2006/main" xmlns:r="http://schemas.openxmlformats.org/officeDocument/2006/relationships" xmlns:p="http://schemas.openxmlformats.org/presentationml/2006/main" type="twoObjOverTx" preserve="1">
   <p:cSld name="Title, 2 Content over Content">
     <p:spTree>
       <p:nvGrpSpPr>
@@ -1542,14 +1710,15 @@
           </a:ln>
         </p:spPr>
         <p:txBody>
-          <a:bodyPr lIns="0" rIns="0" tIns="0" bIns="0" anchor="ctr">
+          <a:bodyPr lIns="0" tIns="0" rIns="0" bIns="0" anchor="ctr">
             <a:noAutofit/>
           </a:bodyPr>
+          <a:lstStyle/>
           <a:p>
             <a:pPr algn="ctr">
               <a:buNone/>
             </a:pPr>
-            <a:endParaRPr b="0" lang="en-US" sz="4400" spc="-1" strike="noStrike">
+            <a:endParaRPr lang="en-US" sz="4400" b="0" strike="noStrike" spc="-1">
               <a:latin typeface="Arial"/>
             </a:endParaRPr>
           </a:p>
@@ -1579,11 +1748,12 @@
           </a:ln>
         </p:spPr>
         <p:txBody>
-          <a:bodyPr lIns="0" rIns="0" tIns="0" bIns="0" anchor="t">
+          <a:bodyPr lIns="0" tIns="0" rIns="0" bIns="0" anchor="t">
             <a:normAutofit/>
           </a:bodyPr>
-          <a:p>
-            <a:endParaRPr b="0" lang="en-US" sz="3200" spc="-1" strike="noStrike">
+          <a:lstStyle/>
+          <a:p>
+            <a:endParaRPr lang="en-US" sz="3200" b="0" strike="noStrike" spc="-1">
               <a:latin typeface="Arial"/>
             </a:endParaRPr>
           </a:p>
@@ -1613,11 +1783,12 @@
           </a:ln>
         </p:spPr>
         <p:txBody>
-          <a:bodyPr lIns="0" rIns="0" tIns="0" bIns="0" anchor="t">
+          <a:bodyPr lIns="0" tIns="0" rIns="0" bIns="0" anchor="t">
             <a:normAutofit/>
           </a:bodyPr>
-          <a:p>
-            <a:endParaRPr b="0" lang="en-US" sz="3200" spc="-1" strike="noStrike">
+          <a:lstStyle/>
+          <a:p>
+            <a:endParaRPr lang="en-US" sz="3200" b="0" strike="noStrike" spc="-1">
               <a:latin typeface="Arial"/>
             </a:endParaRPr>
           </a:p>
@@ -1647,11 +1818,12 @@
           </a:ln>
         </p:spPr>
         <p:txBody>
-          <a:bodyPr lIns="0" rIns="0" tIns="0" bIns="0" anchor="t">
+          <a:bodyPr lIns="0" tIns="0" rIns="0" bIns="0" anchor="t">
             <a:normAutofit/>
           </a:bodyPr>
-          <a:p>
-            <a:endParaRPr b="0" lang="en-US" sz="3200" spc="-1" strike="noStrike">
+          <a:lstStyle/>
+          <a:p>
+            <a:endParaRPr lang="en-US" sz="3200" b="0" strike="noStrike" spc="-1">
               <a:latin typeface="Arial"/>
             </a:endParaRPr>
           </a:p>
@@ -1659,11 +1831,14 @@
       </p:sp>
     </p:spTree>
   </p:cSld>
+  <p:clrMapOvr>
+    <a:masterClrMapping/>
+  </p:clrMapOvr>
 </p:sldLayout>
 </file>
 
 <file path=ppt/slideLayouts/slideLayout22.xml><?xml version="1.0" encoding="utf-8"?>
-<p:sldLayout xmlns:a="http://schemas.openxmlformats.org/drawingml/2006/main" xmlns:p="http://schemas.openxmlformats.org/presentationml/2006/main" xmlns:r="http://schemas.openxmlformats.org/officeDocument/2006/relationships" xmlns:p14="http://schemas.microsoft.com/office/powerpoint/2010/main" xmlns:p15="http://schemas.microsoft.com/office/powerpoint/2012/main" xmlns:mc="http://schemas.openxmlformats.org/markup-compatibility/2006" type="objOverTx" preserve="1">
+<p:sldLayout xmlns:a="http://schemas.openxmlformats.org/drawingml/2006/main" xmlns:r="http://schemas.openxmlformats.org/officeDocument/2006/relationships" xmlns:p="http://schemas.openxmlformats.org/presentationml/2006/main" type="objOverTx" preserve="1">
   <p:cSld name="Title, Content over Content">
     <p:spTree>
       <p:nvGrpSpPr>
@@ -1703,14 +1878,15 @@
           </a:ln>
         </p:spPr>
         <p:txBody>
-          <a:bodyPr lIns="0" rIns="0" tIns="0" bIns="0" anchor="ctr">
+          <a:bodyPr lIns="0" tIns="0" rIns="0" bIns="0" anchor="ctr">
             <a:noAutofit/>
           </a:bodyPr>
+          <a:lstStyle/>
           <a:p>
             <a:pPr algn="ctr">
               <a:buNone/>
             </a:pPr>
-            <a:endParaRPr b="0" lang="en-US" sz="4400" spc="-1" strike="noStrike">
+            <a:endParaRPr lang="en-US" sz="4400" b="0" strike="noStrike" spc="-1">
               <a:latin typeface="Arial"/>
             </a:endParaRPr>
           </a:p>
@@ -1740,11 +1916,12 @@
           </a:ln>
         </p:spPr>
         <p:txBody>
-          <a:bodyPr lIns="0" rIns="0" tIns="0" bIns="0" anchor="t">
+          <a:bodyPr lIns="0" tIns="0" rIns="0" bIns="0" anchor="t">
             <a:normAutofit/>
           </a:bodyPr>
-          <a:p>
-            <a:endParaRPr b="0" lang="en-US" sz="3200" spc="-1" strike="noStrike">
+          <a:lstStyle/>
+          <a:p>
+            <a:endParaRPr lang="en-US" sz="3200" b="0" strike="noStrike" spc="-1">
               <a:latin typeface="Arial"/>
             </a:endParaRPr>
           </a:p>
@@ -1774,11 +1951,12 @@
           </a:ln>
         </p:spPr>
         <p:txBody>
-          <a:bodyPr lIns="0" rIns="0" tIns="0" bIns="0" anchor="t">
+          <a:bodyPr lIns="0" tIns="0" rIns="0" bIns="0" anchor="t">
             <a:normAutofit/>
           </a:bodyPr>
-          <a:p>
-            <a:endParaRPr b="0" lang="en-US" sz="3200" spc="-1" strike="noStrike">
+          <a:lstStyle/>
+          <a:p>
+            <a:endParaRPr lang="en-US" sz="3200" b="0" strike="noStrike" spc="-1">
               <a:latin typeface="Arial"/>
             </a:endParaRPr>
           </a:p>
@@ -1786,11 +1964,14 @@
       </p:sp>
     </p:spTree>
   </p:cSld>
+  <p:clrMapOvr>
+    <a:masterClrMapping/>
+  </p:clrMapOvr>
 </p:sldLayout>
 </file>
 
 <file path=ppt/slideLayouts/slideLayout23.xml><?xml version="1.0" encoding="utf-8"?>
-<p:sldLayout xmlns:a="http://schemas.openxmlformats.org/drawingml/2006/main" xmlns:p="http://schemas.openxmlformats.org/presentationml/2006/main" xmlns:r="http://schemas.openxmlformats.org/officeDocument/2006/relationships" xmlns:p14="http://schemas.microsoft.com/office/powerpoint/2010/main" xmlns:p15="http://schemas.microsoft.com/office/powerpoint/2012/main" xmlns:mc="http://schemas.openxmlformats.org/markup-compatibility/2006" type="fourObj" preserve="1">
+<p:sldLayout xmlns:a="http://schemas.openxmlformats.org/drawingml/2006/main" xmlns:r="http://schemas.openxmlformats.org/officeDocument/2006/relationships" xmlns:p="http://schemas.openxmlformats.org/presentationml/2006/main" type="fourObj" preserve="1">
   <p:cSld name="Title, 4 Content">
     <p:spTree>
       <p:nvGrpSpPr>
@@ -1830,14 +2011,15 @@
           </a:ln>
         </p:spPr>
         <p:txBody>
-          <a:bodyPr lIns="0" rIns="0" tIns="0" bIns="0" anchor="ctr">
+          <a:bodyPr lIns="0" tIns="0" rIns="0" bIns="0" anchor="ctr">
             <a:noAutofit/>
           </a:bodyPr>
+          <a:lstStyle/>
           <a:p>
             <a:pPr algn="ctr">
               <a:buNone/>
             </a:pPr>
-            <a:endParaRPr b="0" lang="en-US" sz="4400" spc="-1" strike="noStrike">
+            <a:endParaRPr lang="en-US" sz="4400" b="0" strike="noStrike" spc="-1">
               <a:latin typeface="Arial"/>
             </a:endParaRPr>
           </a:p>
@@ -1867,11 +2049,12 @@
           </a:ln>
         </p:spPr>
         <p:txBody>
-          <a:bodyPr lIns="0" rIns="0" tIns="0" bIns="0" anchor="t">
+          <a:bodyPr lIns="0" tIns="0" rIns="0" bIns="0" anchor="t">
             <a:normAutofit/>
           </a:bodyPr>
-          <a:p>
-            <a:endParaRPr b="0" lang="en-US" sz="3200" spc="-1" strike="noStrike">
+          <a:lstStyle/>
+          <a:p>
+            <a:endParaRPr lang="en-US" sz="3200" b="0" strike="noStrike" spc="-1">
               <a:latin typeface="Arial"/>
             </a:endParaRPr>
           </a:p>
@@ -1901,11 +2084,12 @@
           </a:ln>
         </p:spPr>
         <p:txBody>
-          <a:bodyPr lIns="0" rIns="0" tIns="0" bIns="0" anchor="t">
+          <a:bodyPr lIns="0" tIns="0" rIns="0" bIns="0" anchor="t">
             <a:normAutofit/>
           </a:bodyPr>
-          <a:p>
-            <a:endParaRPr b="0" lang="en-US" sz="3200" spc="-1" strike="noStrike">
+          <a:lstStyle/>
+          <a:p>
+            <a:endParaRPr lang="en-US" sz="3200" b="0" strike="noStrike" spc="-1">
               <a:latin typeface="Arial"/>
             </a:endParaRPr>
           </a:p>
@@ -1935,11 +2119,12 @@
           </a:ln>
         </p:spPr>
         <p:txBody>
-          <a:bodyPr lIns="0" rIns="0" tIns="0" bIns="0" anchor="t">
+          <a:bodyPr lIns="0" tIns="0" rIns="0" bIns="0" anchor="t">
             <a:normAutofit/>
           </a:bodyPr>
-          <a:p>
-            <a:endParaRPr b="0" lang="en-US" sz="3200" spc="-1" strike="noStrike">
+          <a:lstStyle/>
+          <a:p>
+            <a:endParaRPr lang="en-US" sz="3200" b="0" strike="noStrike" spc="-1">
               <a:latin typeface="Arial"/>
             </a:endParaRPr>
           </a:p>
@@ -1969,11 +2154,12 @@
           </a:ln>
         </p:spPr>
         <p:txBody>
-          <a:bodyPr lIns="0" rIns="0" tIns="0" bIns="0" anchor="t">
+          <a:bodyPr lIns="0" tIns="0" rIns="0" bIns="0" anchor="t">
             <a:normAutofit/>
           </a:bodyPr>
-          <a:p>
-            <a:endParaRPr b="0" lang="en-US" sz="3200" spc="-1" strike="noStrike">
+          <a:lstStyle/>
+          <a:p>
+            <a:endParaRPr lang="en-US" sz="3200" b="0" strike="noStrike" spc="-1">
               <a:latin typeface="Arial"/>
             </a:endParaRPr>
           </a:p>
@@ -1981,11 +2167,14 @@
       </p:sp>
     </p:spTree>
   </p:cSld>
+  <p:clrMapOvr>
+    <a:masterClrMapping/>
+  </p:clrMapOvr>
 </p:sldLayout>
 </file>
 
 <file path=ppt/slideLayouts/slideLayout24.xml><?xml version="1.0" encoding="utf-8"?>
-<p:sldLayout xmlns:a="http://schemas.openxmlformats.org/drawingml/2006/main" xmlns:p="http://schemas.openxmlformats.org/presentationml/2006/main" xmlns:r="http://schemas.openxmlformats.org/officeDocument/2006/relationships" xmlns:p14="http://schemas.microsoft.com/office/powerpoint/2010/main" xmlns:p15="http://schemas.microsoft.com/office/powerpoint/2012/main" xmlns:mc="http://schemas.openxmlformats.org/markup-compatibility/2006" type="blank" preserve="1">
+<p:sldLayout xmlns:a="http://schemas.openxmlformats.org/drawingml/2006/main" xmlns:r="http://schemas.openxmlformats.org/officeDocument/2006/relationships" xmlns:p="http://schemas.openxmlformats.org/presentationml/2006/main" type="blank" preserve="1">
   <p:cSld name="Title, 6 Content">
     <p:spTree>
       <p:nvGrpSpPr>
@@ -2025,14 +2214,15 @@
           </a:ln>
         </p:spPr>
         <p:txBody>
-          <a:bodyPr lIns="0" rIns="0" tIns="0" bIns="0" anchor="ctr">
+          <a:bodyPr lIns="0" tIns="0" rIns="0" bIns="0" anchor="ctr">
             <a:noAutofit/>
           </a:bodyPr>
+          <a:lstStyle/>
           <a:p>
             <a:pPr algn="ctr">
               <a:buNone/>
             </a:pPr>
-            <a:endParaRPr b="0" lang="en-US" sz="4400" spc="-1" strike="noStrike">
+            <a:endParaRPr lang="en-US" sz="4400" b="0" strike="noStrike" spc="-1">
               <a:latin typeface="Arial"/>
             </a:endParaRPr>
           </a:p>
@@ -2062,11 +2252,12 @@
           </a:ln>
         </p:spPr>
         <p:txBody>
-          <a:bodyPr lIns="0" rIns="0" tIns="0" bIns="0" anchor="t">
+          <a:bodyPr lIns="0" tIns="0" rIns="0" bIns="0" anchor="t">
             <a:normAutofit/>
           </a:bodyPr>
-          <a:p>
-            <a:endParaRPr b="0" lang="en-US" sz="3200" spc="-1" strike="noStrike">
+          <a:lstStyle/>
+          <a:p>
+            <a:endParaRPr lang="en-US" sz="3200" b="0" strike="noStrike" spc="-1">
               <a:latin typeface="Arial"/>
             </a:endParaRPr>
           </a:p>
@@ -2096,11 +2287,12 @@
           </a:ln>
         </p:spPr>
         <p:txBody>
-          <a:bodyPr lIns="0" rIns="0" tIns="0" bIns="0" anchor="t">
+          <a:bodyPr lIns="0" tIns="0" rIns="0" bIns="0" anchor="t">
             <a:normAutofit/>
           </a:bodyPr>
-          <a:p>
-            <a:endParaRPr b="0" lang="en-US" sz="3200" spc="-1" strike="noStrike">
+          <a:lstStyle/>
+          <a:p>
+            <a:endParaRPr lang="en-US" sz="3200" b="0" strike="noStrike" spc="-1">
               <a:latin typeface="Arial"/>
             </a:endParaRPr>
           </a:p>
@@ -2130,11 +2322,12 @@
           </a:ln>
         </p:spPr>
         <p:txBody>
-          <a:bodyPr lIns="0" rIns="0" tIns="0" bIns="0" anchor="t">
+          <a:bodyPr lIns="0" tIns="0" rIns="0" bIns="0" anchor="t">
             <a:normAutofit/>
           </a:bodyPr>
-          <a:p>
-            <a:endParaRPr b="0" lang="en-US" sz="3200" spc="-1" strike="noStrike">
+          <a:lstStyle/>
+          <a:p>
+            <a:endParaRPr lang="en-US" sz="3200" b="0" strike="noStrike" spc="-1">
               <a:latin typeface="Arial"/>
             </a:endParaRPr>
           </a:p>
@@ -2164,11 +2357,12 @@
           </a:ln>
         </p:spPr>
         <p:txBody>
-          <a:bodyPr lIns="0" rIns="0" tIns="0" bIns="0" anchor="t">
+          <a:bodyPr lIns="0" tIns="0" rIns="0" bIns="0" anchor="t">
             <a:normAutofit/>
           </a:bodyPr>
-          <a:p>
-            <a:endParaRPr b="0" lang="en-US" sz="3200" spc="-1" strike="noStrike">
+          <a:lstStyle/>
+          <a:p>
+            <a:endParaRPr lang="en-US" sz="3200" b="0" strike="noStrike" spc="-1">
               <a:latin typeface="Arial"/>
             </a:endParaRPr>
           </a:p>
@@ -2198,11 +2392,12 @@
           </a:ln>
         </p:spPr>
         <p:txBody>
-          <a:bodyPr lIns="0" rIns="0" tIns="0" bIns="0" anchor="t">
+          <a:bodyPr lIns="0" tIns="0" rIns="0" bIns="0" anchor="t">
             <a:normAutofit/>
           </a:bodyPr>
-          <a:p>
-            <a:endParaRPr b="0" lang="en-US" sz="3200" spc="-1" strike="noStrike">
+          <a:lstStyle/>
+          <a:p>
+            <a:endParaRPr lang="en-US" sz="3200" b="0" strike="noStrike" spc="-1">
               <a:latin typeface="Arial"/>
             </a:endParaRPr>
           </a:p>
@@ -2232,11 +2427,12 @@
           </a:ln>
         </p:spPr>
         <p:txBody>
-          <a:bodyPr lIns="0" rIns="0" tIns="0" bIns="0" anchor="t">
+          <a:bodyPr lIns="0" tIns="0" rIns="0" bIns="0" anchor="t">
             <a:normAutofit/>
           </a:bodyPr>
-          <a:p>
-            <a:endParaRPr b="0" lang="en-US" sz="3200" spc="-1" strike="noStrike">
+          <a:lstStyle/>
+          <a:p>
+            <a:endParaRPr lang="en-US" sz="3200" b="0" strike="noStrike" spc="-1">
               <a:latin typeface="Arial"/>
             </a:endParaRPr>
           </a:p>
@@ -2244,11 +2440,14 @@
       </p:sp>
     </p:spTree>
   </p:cSld>
+  <p:clrMapOvr>
+    <a:masterClrMapping/>
+  </p:clrMapOvr>
 </p:sldLayout>
 </file>
 
 <file path=ppt/slideLayouts/slideLayout3.xml><?xml version="1.0" encoding="utf-8"?>
-<p:sldLayout xmlns:a="http://schemas.openxmlformats.org/drawingml/2006/main" xmlns:p="http://schemas.openxmlformats.org/presentationml/2006/main" xmlns:r="http://schemas.openxmlformats.org/officeDocument/2006/relationships" xmlns:p14="http://schemas.microsoft.com/office/powerpoint/2010/main" xmlns:p15="http://schemas.microsoft.com/office/powerpoint/2012/main" xmlns:mc="http://schemas.openxmlformats.org/markup-compatibility/2006" type="obj" preserve="1">
+<p:sldLayout xmlns:a="http://schemas.openxmlformats.org/drawingml/2006/main" xmlns:r="http://schemas.openxmlformats.org/officeDocument/2006/relationships" xmlns:p="http://schemas.openxmlformats.org/presentationml/2006/main" type="obj" preserve="1">
   <p:cSld name="Title, Content">
     <p:spTree>
       <p:nvGrpSpPr>
@@ -2288,14 +2487,15 @@
           </a:ln>
         </p:spPr>
         <p:txBody>
-          <a:bodyPr lIns="0" rIns="0" tIns="0" bIns="0" anchor="ctr">
+          <a:bodyPr lIns="0" tIns="0" rIns="0" bIns="0" anchor="ctr">
             <a:noAutofit/>
           </a:bodyPr>
+          <a:lstStyle/>
           <a:p>
             <a:pPr algn="ctr">
               <a:buNone/>
             </a:pPr>
-            <a:endParaRPr b="0" lang="en-US" sz="4400" spc="-1" strike="noStrike">
+            <a:endParaRPr lang="en-US" sz="4400" b="0" strike="noStrike" spc="-1">
               <a:latin typeface="Arial"/>
             </a:endParaRPr>
           </a:p>
@@ -2325,11 +2525,12 @@
           </a:ln>
         </p:spPr>
         <p:txBody>
-          <a:bodyPr lIns="0" rIns="0" tIns="0" bIns="0" anchor="t">
+          <a:bodyPr lIns="0" tIns="0" rIns="0" bIns="0" anchor="t">
             <a:normAutofit/>
           </a:bodyPr>
-          <a:p>
-            <a:endParaRPr b="0" lang="en-US" sz="3200" spc="-1" strike="noStrike">
+          <a:lstStyle/>
+          <a:p>
+            <a:endParaRPr lang="en-US" sz="3200" b="0" strike="noStrike" spc="-1">
               <a:latin typeface="Arial"/>
             </a:endParaRPr>
           </a:p>
@@ -2337,11 +2538,14 @@
       </p:sp>
     </p:spTree>
   </p:cSld>
+  <p:clrMapOvr>
+    <a:masterClrMapping/>
+  </p:clrMapOvr>
 </p:sldLayout>
 </file>
 
 <file path=ppt/slideLayouts/slideLayout4.xml><?xml version="1.0" encoding="utf-8"?>
-<p:sldLayout xmlns:a="http://schemas.openxmlformats.org/drawingml/2006/main" xmlns:p="http://schemas.openxmlformats.org/presentationml/2006/main" xmlns:r="http://schemas.openxmlformats.org/officeDocument/2006/relationships" xmlns:p14="http://schemas.microsoft.com/office/powerpoint/2010/main" xmlns:p15="http://schemas.microsoft.com/office/powerpoint/2012/main" xmlns:mc="http://schemas.openxmlformats.org/markup-compatibility/2006" type="twoObj" preserve="1">
+<p:sldLayout xmlns:a="http://schemas.openxmlformats.org/drawingml/2006/main" xmlns:r="http://schemas.openxmlformats.org/officeDocument/2006/relationships" xmlns:p="http://schemas.openxmlformats.org/presentationml/2006/main" type="twoObj" preserve="1">
   <p:cSld name="Title, 2 Content">
     <p:spTree>
       <p:nvGrpSpPr>
@@ -2381,14 +2585,15 @@
           </a:ln>
         </p:spPr>
         <p:txBody>
-          <a:bodyPr lIns="0" rIns="0" tIns="0" bIns="0" anchor="ctr">
+          <a:bodyPr lIns="0" tIns="0" rIns="0" bIns="0" anchor="ctr">
             <a:noAutofit/>
           </a:bodyPr>
+          <a:lstStyle/>
           <a:p>
             <a:pPr algn="ctr">
               <a:buNone/>
             </a:pPr>
-            <a:endParaRPr b="0" lang="en-US" sz="4400" spc="-1" strike="noStrike">
+            <a:endParaRPr lang="en-US" sz="4400" b="0" strike="noStrike" spc="-1">
               <a:latin typeface="Arial"/>
             </a:endParaRPr>
           </a:p>
@@ -2418,11 +2623,12 @@
           </a:ln>
         </p:spPr>
         <p:txBody>
-          <a:bodyPr lIns="0" rIns="0" tIns="0" bIns="0" anchor="t">
+          <a:bodyPr lIns="0" tIns="0" rIns="0" bIns="0" anchor="t">
             <a:normAutofit/>
           </a:bodyPr>
-          <a:p>
-            <a:endParaRPr b="0" lang="en-US" sz="3200" spc="-1" strike="noStrike">
+          <a:lstStyle/>
+          <a:p>
+            <a:endParaRPr lang="en-US" sz="3200" b="0" strike="noStrike" spc="-1">
               <a:latin typeface="Arial"/>
             </a:endParaRPr>
           </a:p>
@@ -2452,11 +2658,12 @@
           </a:ln>
         </p:spPr>
         <p:txBody>
-          <a:bodyPr lIns="0" rIns="0" tIns="0" bIns="0" anchor="t">
+          <a:bodyPr lIns="0" tIns="0" rIns="0" bIns="0" anchor="t">
             <a:normAutofit/>
           </a:bodyPr>
-          <a:p>
-            <a:endParaRPr b="0" lang="en-US" sz="3200" spc="-1" strike="noStrike">
+          <a:lstStyle/>
+          <a:p>
+            <a:endParaRPr lang="en-US" sz="3200" b="0" strike="noStrike" spc="-1">
               <a:latin typeface="Arial"/>
             </a:endParaRPr>
           </a:p>
@@ -2464,11 +2671,14 @@
       </p:sp>
     </p:spTree>
   </p:cSld>
+  <p:clrMapOvr>
+    <a:masterClrMapping/>
+  </p:clrMapOvr>
 </p:sldLayout>
 </file>
 
 <file path=ppt/slideLayouts/slideLayout5.xml><?xml version="1.0" encoding="utf-8"?>
-<p:sldLayout xmlns:a="http://schemas.openxmlformats.org/drawingml/2006/main" xmlns:p="http://schemas.openxmlformats.org/presentationml/2006/main" xmlns:r="http://schemas.openxmlformats.org/officeDocument/2006/relationships" xmlns:p14="http://schemas.microsoft.com/office/powerpoint/2010/main" xmlns:p15="http://schemas.microsoft.com/office/powerpoint/2012/main" xmlns:mc="http://schemas.openxmlformats.org/markup-compatibility/2006" type="titleOnly" preserve="1">
+<p:sldLayout xmlns:a="http://schemas.openxmlformats.org/drawingml/2006/main" xmlns:r="http://schemas.openxmlformats.org/officeDocument/2006/relationships" xmlns:p="http://schemas.openxmlformats.org/presentationml/2006/main" type="titleOnly" preserve="1">
   <p:cSld name="Title Only">
     <p:spTree>
       <p:nvGrpSpPr>
@@ -2508,14 +2718,15 @@
           </a:ln>
         </p:spPr>
         <p:txBody>
-          <a:bodyPr lIns="0" rIns="0" tIns="0" bIns="0" anchor="ctr">
+          <a:bodyPr lIns="0" tIns="0" rIns="0" bIns="0" anchor="ctr">
             <a:noAutofit/>
           </a:bodyPr>
+          <a:lstStyle/>
           <a:p>
             <a:pPr algn="ctr">
               <a:buNone/>
             </a:pPr>
-            <a:endParaRPr b="0" lang="en-US" sz="4400" spc="-1" strike="noStrike">
+            <a:endParaRPr lang="en-US" sz="4400" b="0" strike="noStrike" spc="-1">
               <a:latin typeface="Arial"/>
             </a:endParaRPr>
           </a:p>
@@ -2523,11 +2734,14 @@
       </p:sp>
     </p:spTree>
   </p:cSld>
+  <p:clrMapOvr>
+    <a:masterClrMapping/>
+  </p:clrMapOvr>
 </p:sldLayout>
 </file>
 
 <file path=ppt/slideLayouts/slideLayout6.xml><?xml version="1.0" encoding="utf-8"?>
-<p:sldLayout xmlns:a="http://schemas.openxmlformats.org/drawingml/2006/main" xmlns:p="http://schemas.openxmlformats.org/presentationml/2006/main" xmlns:r="http://schemas.openxmlformats.org/officeDocument/2006/relationships" xmlns:p14="http://schemas.microsoft.com/office/powerpoint/2010/main" xmlns:p15="http://schemas.microsoft.com/office/powerpoint/2012/main" xmlns:mc="http://schemas.openxmlformats.org/markup-compatibility/2006" type="objOnly" preserve="1">
+<p:sldLayout xmlns:a="http://schemas.openxmlformats.org/drawingml/2006/main" xmlns:r="http://schemas.openxmlformats.org/officeDocument/2006/relationships" xmlns:p="http://schemas.openxmlformats.org/presentationml/2006/main" type="objOnly" preserve="1">
   <p:cSld name="Centered Text">
     <p:spTree>
       <p:nvGrpSpPr>
@@ -2567,14 +2781,15 @@
           </a:ln>
         </p:spPr>
         <p:txBody>
-          <a:bodyPr lIns="0" rIns="0" tIns="0" bIns="0" anchor="ctr">
+          <a:bodyPr lIns="0" tIns="0" rIns="0" bIns="0" anchor="ctr">
             <a:noAutofit/>
           </a:bodyPr>
+          <a:lstStyle/>
           <a:p>
             <a:pPr algn="ctr">
               <a:buNone/>
             </a:pPr>
-            <a:endParaRPr b="0" lang="en-US" sz="3200" spc="-1" strike="noStrike">
+            <a:endParaRPr lang="en-US" sz="3200" b="0" strike="noStrike" spc="-1">
               <a:latin typeface="Arial"/>
             </a:endParaRPr>
           </a:p>
@@ -2582,11 +2797,14 @@
       </p:sp>
     </p:spTree>
   </p:cSld>
+  <p:clrMapOvr>
+    <a:masterClrMapping/>
+  </p:clrMapOvr>
 </p:sldLayout>
 </file>
 
 <file path=ppt/slideLayouts/slideLayout7.xml><?xml version="1.0" encoding="utf-8"?>
-<p:sldLayout xmlns:a="http://schemas.openxmlformats.org/drawingml/2006/main" xmlns:p="http://schemas.openxmlformats.org/presentationml/2006/main" xmlns:r="http://schemas.openxmlformats.org/officeDocument/2006/relationships" xmlns:p14="http://schemas.microsoft.com/office/powerpoint/2010/main" xmlns:p15="http://schemas.microsoft.com/office/powerpoint/2012/main" xmlns:mc="http://schemas.openxmlformats.org/markup-compatibility/2006" type="twoObjAndObj" preserve="1">
+<p:sldLayout xmlns:a="http://schemas.openxmlformats.org/drawingml/2006/main" xmlns:r="http://schemas.openxmlformats.org/officeDocument/2006/relationships" xmlns:p="http://schemas.openxmlformats.org/presentationml/2006/main" type="twoObjAndObj" preserve="1">
   <p:cSld name="Title, 2 Content and Content">
     <p:spTree>
       <p:nvGrpSpPr>
@@ -2626,14 +2844,15 @@
           </a:ln>
         </p:spPr>
         <p:txBody>
-          <a:bodyPr lIns="0" rIns="0" tIns="0" bIns="0" anchor="ctr">
+          <a:bodyPr lIns="0" tIns="0" rIns="0" bIns="0" anchor="ctr">
             <a:noAutofit/>
           </a:bodyPr>
+          <a:lstStyle/>
           <a:p>
             <a:pPr algn="ctr">
               <a:buNone/>
             </a:pPr>
-            <a:endParaRPr b="0" lang="en-US" sz="4400" spc="-1" strike="noStrike">
+            <a:endParaRPr lang="en-US" sz="4400" b="0" strike="noStrike" spc="-1">
               <a:latin typeface="Arial"/>
             </a:endParaRPr>
           </a:p>
@@ -2663,11 +2882,12 @@
           </a:ln>
         </p:spPr>
         <p:txBody>
-          <a:bodyPr lIns="0" rIns="0" tIns="0" bIns="0" anchor="t">
+          <a:bodyPr lIns="0" tIns="0" rIns="0" bIns="0" anchor="t">
             <a:normAutofit/>
           </a:bodyPr>
-          <a:p>
-            <a:endParaRPr b="0" lang="en-US" sz="3200" spc="-1" strike="noStrike">
+          <a:lstStyle/>
+          <a:p>
+            <a:endParaRPr lang="en-US" sz="3200" b="0" strike="noStrike" spc="-1">
               <a:latin typeface="Arial"/>
             </a:endParaRPr>
           </a:p>
@@ -2697,11 +2917,12 @@
           </a:ln>
         </p:spPr>
         <p:txBody>
-          <a:bodyPr lIns="0" rIns="0" tIns="0" bIns="0" anchor="t">
+          <a:bodyPr lIns="0" tIns="0" rIns="0" bIns="0" anchor="t">
             <a:normAutofit/>
           </a:bodyPr>
-          <a:p>
-            <a:endParaRPr b="0" lang="en-US" sz="3200" spc="-1" strike="noStrike">
+          <a:lstStyle/>
+          <a:p>
+            <a:endParaRPr lang="en-US" sz="3200" b="0" strike="noStrike" spc="-1">
               <a:latin typeface="Arial"/>
             </a:endParaRPr>
           </a:p>
@@ -2731,11 +2952,12 @@
           </a:ln>
         </p:spPr>
         <p:txBody>
-          <a:bodyPr lIns="0" rIns="0" tIns="0" bIns="0" anchor="t">
+          <a:bodyPr lIns="0" tIns="0" rIns="0" bIns="0" anchor="t">
             <a:normAutofit/>
           </a:bodyPr>
-          <a:p>
-            <a:endParaRPr b="0" lang="en-US" sz="3200" spc="-1" strike="noStrike">
+          <a:lstStyle/>
+          <a:p>
+            <a:endParaRPr lang="en-US" sz="3200" b="0" strike="noStrike" spc="-1">
               <a:latin typeface="Arial"/>
             </a:endParaRPr>
           </a:p>
@@ -2743,11 +2965,14 @@
       </p:sp>
     </p:spTree>
   </p:cSld>
+  <p:clrMapOvr>
+    <a:masterClrMapping/>
+  </p:clrMapOvr>
 </p:sldLayout>
 </file>
 
 <file path=ppt/slideLayouts/slideLayout8.xml><?xml version="1.0" encoding="utf-8"?>
-<p:sldLayout xmlns:a="http://schemas.openxmlformats.org/drawingml/2006/main" xmlns:p="http://schemas.openxmlformats.org/presentationml/2006/main" xmlns:r="http://schemas.openxmlformats.org/officeDocument/2006/relationships" xmlns:p14="http://schemas.microsoft.com/office/powerpoint/2010/main" xmlns:p15="http://schemas.microsoft.com/office/powerpoint/2012/main" xmlns:mc="http://schemas.openxmlformats.org/markup-compatibility/2006" type="objAndTwoObj" preserve="1">
+<p:sldLayout xmlns:a="http://schemas.openxmlformats.org/drawingml/2006/main" xmlns:r="http://schemas.openxmlformats.org/officeDocument/2006/relationships" xmlns:p="http://schemas.openxmlformats.org/presentationml/2006/main" type="objAndTwoObj" preserve="1">
   <p:cSld name="Title Content and 2 Content">
     <p:spTree>
       <p:nvGrpSpPr>
@@ -2787,14 +3012,15 @@
           </a:ln>
         </p:spPr>
         <p:txBody>
-          <a:bodyPr lIns="0" rIns="0" tIns="0" bIns="0" anchor="ctr">
+          <a:bodyPr lIns="0" tIns="0" rIns="0" bIns="0" anchor="ctr">
             <a:noAutofit/>
           </a:bodyPr>
+          <a:lstStyle/>
           <a:p>
             <a:pPr algn="ctr">
               <a:buNone/>
             </a:pPr>
-            <a:endParaRPr b="0" lang="en-US" sz="4400" spc="-1" strike="noStrike">
+            <a:endParaRPr lang="en-US" sz="4400" b="0" strike="noStrike" spc="-1">
               <a:latin typeface="Arial"/>
             </a:endParaRPr>
           </a:p>
@@ -2824,11 +3050,12 @@
           </a:ln>
         </p:spPr>
         <p:txBody>
-          <a:bodyPr lIns="0" rIns="0" tIns="0" bIns="0" anchor="t">
+          <a:bodyPr lIns="0" tIns="0" rIns="0" bIns="0" anchor="t">
             <a:normAutofit/>
           </a:bodyPr>
-          <a:p>
-            <a:endParaRPr b="0" lang="en-US" sz="3200" spc="-1" strike="noStrike">
+          <a:lstStyle/>
+          <a:p>
+            <a:endParaRPr lang="en-US" sz="3200" b="0" strike="noStrike" spc="-1">
               <a:latin typeface="Arial"/>
             </a:endParaRPr>
           </a:p>
@@ -2858,11 +3085,12 @@
           </a:ln>
         </p:spPr>
         <p:txBody>
-          <a:bodyPr lIns="0" rIns="0" tIns="0" bIns="0" anchor="t">
+          <a:bodyPr lIns="0" tIns="0" rIns="0" bIns="0" anchor="t">
             <a:normAutofit/>
           </a:bodyPr>
-          <a:p>
-            <a:endParaRPr b="0" lang="en-US" sz="3200" spc="-1" strike="noStrike">
+          <a:lstStyle/>
+          <a:p>
+            <a:endParaRPr lang="en-US" sz="3200" b="0" strike="noStrike" spc="-1">
               <a:latin typeface="Arial"/>
             </a:endParaRPr>
           </a:p>
@@ -2892,11 +3120,12 @@
           </a:ln>
         </p:spPr>
         <p:txBody>
-          <a:bodyPr lIns="0" rIns="0" tIns="0" bIns="0" anchor="t">
+          <a:bodyPr lIns="0" tIns="0" rIns="0" bIns="0" anchor="t">
             <a:normAutofit/>
           </a:bodyPr>
-          <a:p>
-            <a:endParaRPr b="0" lang="en-US" sz="3200" spc="-1" strike="noStrike">
+          <a:lstStyle/>
+          <a:p>
+            <a:endParaRPr lang="en-US" sz="3200" b="0" strike="noStrike" spc="-1">
               <a:latin typeface="Arial"/>
             </a:endParaRPr>
           </a:p>
@@ -2904,11 +3133,14 @@
       </p:sp>
     </p:spTree>
   </p:cSld>
+  <p:clrMapOvr>
+    <a:masterClrMapping/>
+  </p:clrMapOvr>
 </p:sldLayout>
 </file>
 
 <file path=ppt/slideLayouts/slideLayout9.xml><?xml version="1.0" encoding="utf-8"?>
-<p:sldLayout xmlns:a="http://schemas.openxmlformats.org/drawingml/2006/main" xmlns:p="http://schemas.openxmlformats.org/presentationml/2006/main" xmlns:r="http://schemas.openxmlformats.org/officeDocument/2006/relationships" xmlns:p14="http://schemas.microsoft.com/office/powerpoint/2010/main" xmlns:p15="http://schemas.microsoft.com/office/powerpoint/2012/main" xmlns:mc="http://schemas.openxmlformats.org/markup-compatibility/2006" type="twoObjOverTx" preserve="1">
+<p:sldLayout xmlns:a="http://schemas.openxmlformats.org/drawingml/2006/main" xmlns:r="http://schemas.openxmlformats.org/officeDocument/2006/relationships" xmlns:p="http://schemas.openxmlformats.org/presentationml/2006/main" type="twoObjOverTx" preserve="1">
   <p:cSld name="Title, 2 Content over Content">
     <p:spTree>
       <p:nvGrpSpPr>
@@ -2948,14 +3180,15 @@
           </a:ln>
         </p:spPr>
         <p:txBody>
-          <a:bodyPr lIns="0" rIns="0" tIns="0" bIns="0" anchor="ctr">
+          <a:bodyPr lIns="0" tIns="0" rIns="0" bIns="0" anchor="ctr">
             <a:noAutofit/>
           </a:bodyPr>
+          <a:lstStyle/>
           <a:p>
             <a:pPr algn="ctr">
               <a:buNone/>
             </a:pPr>
-            <a:endParaRPr b="0" lang="en-US" sz="4400" spc="-1" strike="noStrike">
+            <a:endParaRPr lang="en-US" sz="4400" b="0" strike="noStrike" spc="-1">
               <a:latin typeface="Arial"/>
             </a:endParaRPr>
           </a:p>
@@ -2985,11 +3218,12 @@
           </a:ln>
         </p:spPr>
         <p:txBody>
-          <a:bodyPr lIns="0" rIns="0" tIns="0" bIns="0" anchor="t">
+          <a:bodyPr lIns="0" tIns="0" rIns="0" bIns="0" anchor="t">
             <a:normAutofit/>
           </a:bodyPr>
-          <a:p>
-            <a:endParaRPr b="0" lang="en-US" sz="3200" spc="-1" strike="noStrike">
+          <a:lstStyle/>
+          <a:p>
+            <a:endParaRPr lang="en-US" sz="3200" b="0" strike="noStrike" spc="-1">
               <a:latin typeface="Arial"/>
             </a:endParaRPr>
           </a:p>
@@ -3019,11 +3253,12 @@
           </a:ln>
         </p:spPr>
         <p:txBody>
-          <a:bodyPr lIns="0" rIns="0" tIns="0" bIns="0" anchor="t">
+          <a:bodyPr lIns="0" tIns="0" rIns="0" bIns="0" anchor="t">
             <a:normAutofit/>
           </a:bodyPr>
-          <a:p>
-            <a:endParaRPr b="0" lang="en-US" sz="3200" spc="-1" strike="noStrike">
+          <a:lstStyle/>
+          <a:p>
+            <a:endParaRPr lang="en-US" sz="3200" b="0" strike="noStrike" spc="-1">
               <a:latin typeface="Arial"/>
             </a:endParaRPr>
           </a:p>
@@ -3053,11 +3288,12 @@
           </a:ln>
         </p:spPr>
         <p:txBody>
-          <a:bodyPr lIns="0" rIns="0" tIns="0" bIns="0" anchor="t">
+          <a:bodyPr lIns="0" tIns="0" rIns="0" bIns="0" anchor="t">
             <a:normAutofit/>
           </a:bodyPr>
-          <a:p>
-            <a:endParaRPr b="0" lang="en-US" sz="3200" spc="-1" strike="noStrike">
+          <a:lstStyle/>
+          <a:p>
+            <a:endParaRPr lang="en-US" sz="3200" b="0" strike="noStrike" spc="-1">
               <a:latin typeface="Arial"/>
             </a:endParaRPr>
           </a:p>
@@ -3065,17 +3301,21 @@
       </p:sp>
     </p:spTree>
   </p:cSld>
+  <p:clrMapOvr>
+    <a:masterClrMapping/>
+  </p:clrMapOvr>
 </p:sldLayout>
 </file>
 
 <file path=ppt/slideMasters/slideMaster1.xml><?xml version="1.0" encoding="utf-8"?>
-<p:sldMaster xmlns:a="http://schemas.openxmlformats.org/drawingml/2006/main" xmlns:p="http://schemas.openxmlformats.org/presentationml/2006/main" xmlns:r="http://schemas.openxmlformats.org/officeDocument/2006/relationships" xmlns:p14="http://schemas.microsoft.com/office/powerpoint/2010/main" xmlns:p15="http://schemas.microsoft.com/office/powerpoint/2012/main" xmlns:mc="http://schemas.openxmlformats.org/markup-compatibility/2006">
+<p:sldMaster xmlns:a="http://schemas.openxmlformats.org/drawingml/2006/main" xmlns:r="http://schemas.openxmlformats.org/officeDocument/2006/relationships" xmlns:p="http://schemas.openxmlformats.org/presentationml/2006/main">
   <p:cSld>
     <p:bg>
       <p:bgPr>
         <a:solidFill>
-          <a:srgbClr val="ffffff"/>
+          <a:srgbClr val="FFFFFF"/>
         </a:solidFill>
+        <a:effectLst/>
       </p:bgPr>
     </p:bg>
     <p:spTree>
@@ -3094,7 +3334,7 @@
       </p:grpSpPr>
       <p:grpSp>
         <p:nvGrpSpPr>
-          <p:cNvPr id="0" name="Group 1"/>
+          <p:cNvPr id="24" name="Group 1"/>
           <p:cNvGrpSpPr/>
           <p:nvPr/>
         </p:nvGrpSpPr>
@@ -3108,7 +3348,7 @@
         </p:grpSpPr>
         <p:sp>
           <p:nvSpPr>
-            <p:cNvPr id="1" name="CustomShape 2"/>
+            <p:cNvPr id="25" name="CustomShape 2"/>
             <p:cNvSpPr/>
             <p:nvPr/>
           </p:nvSpPr>
@@ -3121,6 +3361,7 @@
               <a:avLst/>
               <a:gdLst/>
               <a:ahLst/>
+              <a:cxnLst/>
               <a:rect l="l" t="t" r="r" b="b"/>
               <a:pathLst>
                 <a:path w="21600" h="21600">
@@ -3136,15 +3377,21 @@
             <a:noFill/>
             <a:ln w="9360">
               <a:solidFill>
-                <a:srgbClr val="bfbfbf"/>
+                <a:srgbClr val="BFBFBF"/>
               </a:solidFill>
               <a:round/>
             </a:ln>
           </p:spPr>
           <p:style>
-            <a:lnRef idx="0"/>
-            <a:fillRef idx="0"/>
-            <a:effectRef idx="0"/>
+            <a:lnRef idx="0">
+              <a:scrgbClr r="0" g="0" b="0"/>
+            </a:lnRef>
+            <a:fillRef idx="0">
+              <a:scrgbClr r="0" g="0" b="0"/>
+            </a:fillRef>
+            <a:effectRef idx="0">
+              <a:scrgbClr r="0" g="0" b="0"/>
+            </a:effectRef>
             <a:fontRef idx="minor"/>
           </p:style>
         </p:sp>
@@ -3163,6 +3410,7 @@
               <a:avLst/>
               <a:gdLst/>
               <a:ahLst/>
+              <a:cxnLst/>
               <a:rect l="l" t="t" r="r" b="b"/>
               <a:pathLst>
                 <a:path w="21600" h="21600">
@@ -3178,15 +3426,21 @@
             <a:noFill/>
             <a:ln w="9360">
               <a:solidFill>
-                <a:srgbClr val="d8d8d8"/>
+                <a:srgbClr val="D8D8D8"/>
               </a:solidFill>
               <a:round/>
             </a:ln>
           </p:spPr>
           <p:style>
-            <a:lnRef idx="0"/>
-            <a:fillRef idx="0"/>
-            <a:effectRef idx="0"/>
+            <a:lnRef idx="0">
+              <a:scrgbClr r="0" g="0" b="0"/>
+            </a:lnRef>
+            <a:fillRef idx="0">
+              <a:scrgbClr r="0" g="0" b="0"/>
+            </a:fillRef>
+            <a:effectRef idx="0">
+              <a:scrgbClr r="0" g="0" b="0"/>
+            </a:effectRef>
             <a:fontRef idx="minor"/>
           </p:style>
         </p:sp>
@@ -3205,6 +3459,7 @@
               <a:avLst/>
               <a:gdLst/>
               <a:ahLst/>
+              <a:cxnLst/>
               <a:rect l="l" t="t" r="r" b="b"/>
               <a:pathLst>
                 <a:path w="3007349" h="6866467">
@@ -3237,9 +3492,15 @@
             </a:ln>
           </p:spPr>
           <p:style>
-            <a:lnRef idx="0"/>
-            <a:fillRef idx="0"/>
-            <a:effectRef idx="0"/>
+            <a:lnRef idx="0">
+              <a:scrgbClr r="0" g="0" b="0"/>
+            </a:lnRef>
+            <a:fillRef idx="0">
+              <a:scrgbClr r="0" g="0" b="0"/>
+            </a:fillRef>
+            <a:effectRef idx="0">
+              <a:scrgbClr r="0" g="0" b="0"/>
+            </a:effectRef>
             <a:fontRef idx="minor"/>
           </p:style>
         </p:sp>
@@ -3258,6 +3519,7 @@
               <a:avLst/>
               <a:gdLst/>
               <a:ahLst/>
+              <a:cxnLst/>
               <a:rect l="l" t="t" r="r" b="b"/>
               <a:pathLst>
                 <a:path w="2573311" h="6866467">
@@ -3290,9 +3552,15 @@
             </a:ln>
           </p:spPr>
           <p:style>
-            <a:lnRef idx="0"/>
-            <a:fillRef idx="0"/>
-            <a:effectRef idx="0"/>
+            <a:lnRef idx="0">
+              <a:scrgbClr r="0" g="0" b="0"/>
+            </a:lnRef>
+            <a:fillRef idx="0">
+              <a:scrgbClr r="0" g="0" b="0"/>
+            </a:fillRef>
+            <a:effectRef idx="0">
+              <a:scrgbClr r="0" g="0" b="0"/>
+            </a:effectRef>
             <a:fontRef idx="minor"/>
           </p:style>
         </p:sp>
@@ -3322,9 +3590,15 @@
             </a:ln>
           </p:spPr>
           <p:style>
-            <a:lnRef idx="0"/>
-            <a:fillRef idx="0"/>
-            <a:effectRef idx="0"/>
+            <a:lnRef idx="0">
+              <a:scrgbClr r="0" g="0" b="0"/>
+            </a:lnRef>
+            <a:fillRef idx="0">
+              <a:scrgbClr r="0" g="0" b="0"/>
+            </a:fillRef>
+            <a:effectRef idx="0">
+              <a:scrgbClr r="0" g="0" b="0"/>
+            </a:effectRef>
             <a:fontRef idx="minor"/>
           </p:style>
         </p:sp>
@@ -3343,6 +3617,7 @@
               <a:avLst/>
               <a:gdLst/>
               <a:ahLst/>
+              <a:cxnLst/>
               <a:rect l="l" t="t" r="r" b="b"/>
               <a:pathLst>
                 <a:path w="2858013" h="6866467">
@@ -3366,7 +3641,7 @@
               </a:pathLst>
             </a:custGeom>
             <a:solidFill>
-              <a:srgbClr val="3f7818">
+              <a:srgbClr val="3F7818">
                 <a:alpha val="70000"/>
               </a:srgbClr>
             </a:solidFill>
@@ -3375,9 +3650,15 @@
             </a:ln>
           </p:spPr>
           <p:style>
-            <a:lnRef idx="0"/>
-            <a:fillRef idx="0"/>
-            <a:effectRef idx="0"/>
+            <a:lnRef idx="0">
+              <a:scrgbClr r="0" g="0" b="0"/>
+            </a:lnRef>
+            <a:fillRef idx="0">
+              <a:scrgbClr r="0" g="0" b="0"/>
+            </a:fillRef>
+            <a:effectRef idx="0">
+              <a:scrgbClr r="0" g="0" b="0"/>
+            </a:effectRef>
             <a:fontRef idx="minor"/>
           </p:style>
         </p:sp>
@@ -3396,6 +3677,7 @@
               <a:avLst/>
               <a:gdLst/>
               <a:ahLst/>
+              <a:cxnLst/>
               <a:rect l="l" t="t" r="r" b="b"/>
               <a:pathLst>
                 <a:path w="1290094" h="6858000">
@@ -3419,7 +3701,7 @@
               </a:pathLst>
             </a:custGeom>
             <a:solidFill>
-              <a:srgbClr val="bfe471">
+              <a:srgbClr val="BFE471">
                 <a:alpha val="70000"/>
               </a:srgbClr>
             </a:solidFill>
@@ -3428,9 +3710,15 @@
             </a:ln>
           </p:spPr>
           <p:style>
-            <a:lnRef idx="0"/>
-            <a:fillRef idx="0"/>
-            <a:effectRef idx="0"/>
+            <a:lnRef idx="0">
+              <a:scrgbClr r="0" g="0" b="0"/>
+            </a:lnRef>
+            <a:fillRef idx="0">
+              <a:scrgbClr r="0" g="0" b="0"/>
+            </a:fillRef>
+            <a:effectRef idx="0">
+              <a:scrgbClr r="0" g="0" b="0"/>
+            </a:effectRef>
             <a:fontRef idx="minor"/>
           </p:style>
         </p:sp>
@@ -3449,6 +3737,7 @@
               <a:avLst/>
               <a:gdLst/>
               <a:ahLst/>
+              <a:cxnLst/>
               <a:rect l="l" t="t" r="r" b="b"/>
               <a:pathLst>
                 <a:path w="1249825" h="6858000">
@@ -3481,9 +3770,15 @@
             </a:ln>
           </p:spPr>
           <p:style>
-            <a:lnRef idx="0"/>
-            <a:fillRef idx="0"/>
-            <a:effectRef idx="0"/>
+            <a:lnRef idx="0">
+              <a:scrgbClr r="0" g="0" b="0"/>
+            </a:lnRef>
+            <a:fillRef idx="0">
+              <a:scrgbClr r="0" g="0" b="0"/>
+            </a:fillRef>
+            <a:effectRef idx="0">
+              <a:scrgbClr r="0" g="0" b="0"/>
+            </a:effectRef>
             <a:fontRef idx="minor"/>
           </p:style>
         </p:sp>
@@ -3513,9 +3808,15 @@
             </a:ln>
           </p:spPr>
           <p:style>
-            <a:lnRef idx="0"/>
-            <a:fillRef idx="0"/>
-            <a:effectRef idx="0"/>
+            <a:lnRef idx="0">
+              <a:scrgbClr r="0" g="0" b="0"/>
+            </a:lnRef>
+            <a:fillRef idx="0">
+              <a:scrgbClr r="0" g="0" b="0"/>
+            </a:fillRef>
+            <a:effectRef idx="0">
+              <a:scrgbClr r="0" g="0" b="0"/>
+            </a:effectRef>
             <a:fontRef idx="minor"/>
           </p:style>
         </p:sp>
@@ -3545,9 +3846,15 @@
             </a:ln>
           </p:spPr>
           <p:style>
-            <a:lnRef idx="0"/>
-            <a:fillRef idx="0"/>
-            <a:effectRef idx="0"/>
+            <a:lnRef idx="0">
+              <a:scrgbClr r="0" g="0" b="0"/>
+            </a:lnRef>
+            <a:fillRef idx="0">
+              <a:scrgbClr r="0" g="0" b="0"/>
+            </a:fillRef>
+            <a:effectRef idx="0">
+              <a:scrgbClr r="0" g="0" b="0"/>
+            </a:effectRef>
             <a:fontRef idx="minor"/>
           </p:style>
         </p:sp>
@@ -3581,6 +3888,7 @@
               <a:avLst/>
               <a:gdLst/>
               <a:ahLst/>
+              <a:cxnLst/>
               <a:rect l="l" t="t" r="r" b="b"/>
               <a:pathLst>
                 <a:path w="21600" h="21600">
@@ -3596,15 +3904,21 @@
             <a:noFill/>
             <a:ln w="9360">
               <a:solidFill>
-                <a:srgbClr val="bfbfbf"/>
+                <a:srgbClr val="BFBFBF"/>
               </a:solidFill>
               <a:round/>
             </a:ln>
           </p:spPr>
           <p:style>
-            <a:lnRef idx="0"/>
-            <a:fillRef idx="0"/>
-            <a:effectRef idx="0"/>
+            <a:lnRef idx="0">
+              <a:scrgbClr r="0" g="0" b="0"/>
+            </a:lnRef>
+            <a:fillRef idx="0">
+              <a:scrgbClr r="0" g="0" b="0"/>
+            </a:fillRef>
+            <a:effectRef idx="0">
+              <a:scrgbClr r="0" g="0" b="0"/>
+            </a:effectRef>
             <a:fontRef idx="minor"/>
           </p:style>
         </p:sp>
@@ -3623,6 +3937,7 @@
               <a:avLst/>
               <a:gdLst/>
               <a:ahLst/>
+              <a:cxnLst/>
               <a:rect l="l" t="t" r="r" b="b"/>
               <a:pathLst>
                 <a:path w="21600" h="21600">
@@ -3638,15 +3953,21 @@
             <a:noFill/>
             <a:ln w="9360">
               <a:solidFill>
-                <a:srgbClr val="d8d8d8"/>
+                <a:srgbClr val="D8D8D8"/>
               </a:solidFill>
               <a:round/>
             </a:ln>
           </p:spPr>
           <p:style>
-            <a:lnRef idx="0"/>
-            <a:fillRef idx="0"/>
-            <a:effectRef idx="0"/>
+            <a:lnRef idx="0">
+              <a:scrgbClr r="0" g="0" b="0"/>
+            </a:lnRef>
+            <a:fillRef idx="0">
+              <a:scrgbClr r="0" g="0" b="0"/>
+            </a:fillRef>
+            <a:effectRef idx="0">
+              <a:scrgbClr r="0" g="0" b="0"/>
+            </a:effectRef>
             <a:fontRef idx="minor"/>
           </p:style>
         </p:sp>
@@ -3665,6 +3986,7 @@
               <a:avLst/>
               <a:gdLst/>
               <a:ahLst/>
+              <a:cxnLst/>
               <a:rect l="l" t="t" r="r" b="b"/>
               <a:pathLst>
                 <a:path w="3007349" h="6866467">
@@ -3697,9 +4019,15 @@
             </a:ln>
           </p:spPr>
           <p:style>
-            <a:lnRef idx="0"/>
-            <a:fillRef idx="0"/>
-            <a:effectRef idx="0"/>
+            <a:lnRef idx="0">
+              <a:scrgbClr r="0" g="0" b="0"/>
+            </a:lnRef>
+            <a:fillRef idx="0">
+              <a:scrgbClr r="0" g="0" b="0"/>
+            </a:fillRef>
+            <a:effectRef idx="0">
+              <a:scrgbClr r="0" g="0" b="0"/>
+            </a:effectRef>
             <a:fontRef idx="minor"/>
           </p:style>
         </p:sp>
@@ -3718,6 +4046,7 @@
               <a:avLst/>
               <a:gdLst/>
               <a:ahLst/>
+              <a:cxnLst/>
               <a:rect l="l" t="t" r="r" b="b"/>
               <a:pathLst>
                 <a:path w="2573311" h="6866467">
@@ -3750,9 +4079,15 @@
             </a:ln>
           </p:spPr>
           <p:style>
-            <a:lnRef idx="0"/>
-            <a:fillRef idx="0"/>
-            <a:effectRef idx="0"/>
+            <a:lnRef idx="0">
+              <a:scrgbClr r="0" g="0" b="0"/>
+            </a:lnRef>
+            <a:fillRef idx="0">
+              <a:scrgbClr r="0" g="0" b="0"/>
+            </a:fillRef>
+            <a:effectRef idx="0">
+              <a:scrgbClr r="0" g="0" b="0"/>
+            </a:effectRef>
             <a:fontRef idx="minor"/>
           </p:style>
         </p:sp>
@@ -3782,9 +4117,15 @@
             </a:ln>
           </p:spPr>
           <p:style>
-            <a:lnRef idx="0"/>
-            <a:fillRef idx="0"/>
-            <a:effectRef idx="0"/>
+            <a:lnRef idx="0">
+              <a:scrgbClr r="0" g="0" b="0"/>
+            </a:lnRef>
+            <a:fillRef idx="0">
+              <a:scrgbClr r="0" g="0" b="0"/>
+            </a:fillRef>
+            <a:effectRef idx="0">
+              <a:scrgbClr r="0" g="0" b="0"/>
+            </a:effectRef>
             <a:fontRef idx="minor"/>
           </p:style>
         </p:sp>
@@ -3803,6 +4144,7 @@
               <a:avLst/>
               <a:gdLst/>
               <a:ahLst/>
+              <a:cxnLst/>
               <a:rect l="l" t="t" r="r" b="b"/>
               <a:pathLst>
                 <a:path w="2858013" h="6866467">
@@ -3826,7 +4168,7 @@
               </a:pathLst>
             </a:custGeom>
             <a:solidFill>
-              <a:srgbClr val="3f7818">
+              <a:srgbClr val="3F7818">
                 <a:alpha val="70000"/>
               </a:srgbClr>
             </a:solidFill>
@@ -3835,9 +4177,15 @@
             </a:ln>
           </p:spPr>
           <p:style>
-            <a:lnRef idx="0"/>
-            <a:fillRef idx="0"/>
-            <a:effectRef idx="0"/>
+            <a:lnRef idx="0">
+              <a:scrgbClr r="0" g="0" b="0"/>
+            </a:lnRef>
+            <a:fillRef idx="0">
+              <a:scrgbClr r="0" g="0" b="0"/>
+            </a:fillRef>
+            <a:effectRef idx="0">
+              <a:scrgbClr r="0" g="0" b="0"/>
+            </a:effectRef>
             <a:fontRef idx="minor"/>
           </p:style>
         </p:sp>
@@ -3856,6 +4204,7 @@
               <a:avLst/>
               <a:gdLst/>
               <a:ahLst/>
+              <a:cxnLst/>
               <a:rect l="l" t="t" r="r" b="b"/>
               <a:pathLst>
                 <a:path w="1290094" h="6858000">
@@ -3879,7 +4228,7 @@
               </a:pathLst>
             </a:custGeom>
             <a:solidFill>
-              <a:srgbClr val="bfe471">
+              <a:srgbClr val="BFE471">
                 <a:alpha val="70000"/>
               </a:srgbClr>
             </a:solidFill>
@@ -3888,9 +4237,15 @@
             </a:ln>
           </p:spPr>
           <p:style>
-            <a:lnRef idx="0"/>
-            <a:fillRef idx="0"/>
-            <a:effectRef idx="0"/>
+            <a:lnRef idx="0">
+              <a:scrgbClr r="0" g="0" b="0"/>
+            </a:lnRef>
+            <a:fillRef idx="0">
+              <a:scrgbClr r="0" g="0" b="0"/>
+            </a:fillRef>
+            <a:effectRef idx="0">
+              <a:scrgbClr r="0" g="0" b="0"/>
+            </a:effectRef>
             <a:fontRef idx="minor"/>
           </p:style>
         </p:sp>
@@ -3909,6 +4264,7 @@
               <a:avLst/>
               <a:gdLst/>
               <a:ahLst/>
+              <a:cxnLst/>
               <a:rect l="l" t="t" r="r" b="b"/>
               <a:pathLst>
                 <a:path w="1249825" h="6858000">
@@ -3941,9 +4297,15 @@
             </a:ln>
           </p:spPr>
           <p:style>
-            <a:lnRef idx="0"/>
-            <a:fillRef idx="0"/>
-            <a:effectRef idx="0"/>
+            <a:lnRef idx="0">
+              <a:scrgbClr r="0" g="0" b="0"/>
+            </a:lnRef>
+            <a:fillRef idx="0">
+              <a:scrgbClr r="0" g="0" b="0"/>
+            </a:fillRef>
+            <a:effectRef idx="0">
+              <a:scrgbClr r="0" g="0" b="0"/>
+            </a:effectRef>
             <a:fontRef idx="minor"/>
           </p:style>
         </p:sp>
@@ -3973,9 +4335,15 @@
             </a:ln>
           </p:spPr>
           <p:style>
-            <a:lnRef idx="0"/>
-            <a:fillRef idx="0"/>
-            <a:effectRef idx="0"/>
+            <a:lnRef idx="0">
+              <a:scrgbClr r="0" g="0" b="0"/>
+            </a:lnRef>
+            <a:fillRef idx="0">
+              <a:scrgbClr r="0" g="0" b="0"/>
+            </a:fillRef>
+            <a:effectRef idx="0">
+              <a:scrgbClr r="0" g="0" b="0"/>
+            </a:effectRef>
             <a:fontRef idx="minor"/>
           </p:style>
         </p:sp>
@@ -4005,9 +4373,15 @@
             </a:ln>
           </p:spPr>
           <p:style>
-            <a:lnRef idx="0"/>
-            <a:fillRef idx="0"/>
-            <a:effectRef idx="0"/>
+            <a:lnRef idx="0">
+              <a:scrgbClr r="0" g="0" b="0"/>
+            </a:lnRef>
+            <a:fillRef idx="0">
+              <a:scrgbClr r="0" g="0" b="0"/>
+            </a:fillRef>
+            <a:effectRef idx="0">
+              <a:scrgbClr r="0" g="0" b="0"/>
+            </a:effectRef>
             <a:fontRef idx="minor"/>
           </p:style>
         </p:sp>
@@ -4036,22 +4410,20 @@
           </a:ln>
         </p:spPr>
         <p:txBody>
-          <a:bodyPr lIns="0" rIns="0" tIns="0" bIns="0" anchor="ctr">
+          <a:bodyPr lIns="0" tIns="0" rIns="0" bIns="0" anchor="ctr">
             <a:noAutofit/>
           </a:bodyPr>
+          <a:lstStyle/>
           <a:p>
             <a:pPr algn="ctr">
               <a:buNone/>
             </a:pPr>
             <a:r>
-              <a:rPr b="0" lang="en-US" sz="4400" spc="-1" strike="noStrike">
+              <a:rPr lang="en-US" sz="4400" b="0" strike="noStrike" spc="-1">
                 <a:latin typeface="Arial"/>
               </a:rPr>
               <a:t>Click to edit the title text format</a:t>
             </a:r>
-            <a:endParaRPr b="0" lang="en-US" sz="4400" spc="-1" strike="noStrike">
-              <a:latin typeface="Arial"/>
-            </a:endParaRPr>
           </a:p>
         </p:txBody>
       </p:sp>
@@ -4079,9 +4451,10 @@
           </a:ln>
         </p:spPr>
         <p:txBody>
-          <a:bodyPr lIns="0" rIns="0" tIns="0" bIns="0" anchor="t">
+          <a:bodyPr lIns="0" tIns="0" rIns="0" bIns="0" anchor="t">
             <a:normAutofit/>
           </a:bodyPr>
+          <a:lstStyle/>
           <a:p>
             <a:pPr marL="432000" indent="-324000">
               <a:spcBef>
@@ -4095,17 +4468,14 @@
               <a:buChar char=""/>
             </a:pPr>
             <a:r>
-              <a:rPr b="0" lang="en-US" sz="3200" spc="-1" strike="noStrike">
+              <a:rPr lang="en-US" sz="3200" b="0" strike="noStrike" spc="-1">
                 <a:latin typeface="Arial"/>
               </a:rPr>
               <a:t>Click to edit the outline text format</a:t>
             </a:r>
-            <a:endParaRPr b="0" lang="en-US" sz="3200" spc="-1" strike="noStrike">
-              <a:latin typeface="Arial"/>
-            </a:endParaRPr>
-          </a:p>
-          <a:p>
-            <a:pPr lvl="1" marL="864000" indent="-324000">
+          </a:p>
+          <a:p>
+            <a:pPr marL="864000" lvl="1" indent="-324000">
               <a:spcBef>
                 <a:spcPts val="1134"/>
               </a:spcBef>
@@ -4117,17 +4487,14 @@
               <a:buChar char=""/>
             </a:pPr>
             <a:r>
-              <a:rPr b="0" lang="en-US" sz="2800" spc="-1" strike="noStrike">
+              <a:rPr lang="en-US" sz="2800" b="0" strike="noStrike" spc="-1">
                 <a:latin typeface="Arial"/>
               </a:rPr>
               <a:t>Second Outline Level</a:t>
             </a:r>
-            <a:endParaRPr b="0" lang="en-US" sz="2800" spc="-1" strike="noStrike">
-              <a:latin typeface="Arial"/>
-            </a:endParaRPr>
-          </a:p>
-          <a:p>
-            <a:pPr lvl="2" marL="1296000" indent="-288000">
+          </a:p>
+          <a:p>
+            <a:pPr marL="1296000" lvl="2" indent="-288000">
               <a:spcBef>
                 <a:spcPts val="850"/>
               </a:spcBef>
@@ -4139,17 +4506,14 @@
               <a:buChar char=""/>
             </a:pPr>
             <a:r>
-              <a:rPr b="0" lang="en-US" sz="2400" spc="-1" strike="noStrike">
+              <a:rPr lang="en-US" sz="2400" b="0" strike="noStrike" spc="-1">
                 <a:latin typeface="Arial"/>
               </a:rPr>
               <a:t>Third Outline Level</a:t>
             </a:r>
-            <a:endParaRPr b="0" lang="en-US" sz="2400" spc="-1" strike="noStrike">
-              <a:latin typeface="Arial"/>
-            </a:endParaRPr>
-          </a:p>
-          <a:p>
-            <a:pPr lvl="3" marL="1728000" indent="-216000">
+          </a:p>
+          <a:p>
+            <a:pPr marL="1728000" lvl="3" indent="-216000">
               <a:spcBef>
                 <a:spcPts val="567"/>
               </a:spcBef>
@@ -4161,17 +4525,14 @@
               <a:buChar char=""/>
             </a:pPr>
             <a:r>
-              <a:rPr b="0" lang="en-US" sz="2000" spc="-1" strike="noStrike">
+              <a:rPr lang="en-US" sz="2000" b="0" strike="noStrike" spc="-1">
                 <a:latin typeface="Arial"/>
               </a:rPr>
               <a:t>Fourth Outline Level</a:t>
             </a:r>
-            <a:endParaRPr b="0" lang="en-US" sz="2000" spc="-1" strike="noStrike">
-              <a:latin typeface="Arial"/>
-            </a:endParaRPr>
-          </a:p>
-          <a:p>
-            <a:pPr lvl="4" marL="2160000" indent="-216000">
+          </a:p>
+          <a:p>
+            <a:pPr marL="2160000" lvl="4" indent="-216000">
               <a:spcBef>
                 <a:spcPts val="283"/>
               </a:spcBef>
@@ -4183,17 +4544,14 @@
               <a:buChar char=""/>
             </a:pPr>
             <a:r>
-              <a:rPr b="0" lang="en-US" sz="2000" spc="-1" strike="noStrike">
+              <a:rPr lang="en-US" sz="2000" b="0" strike="noStrike" spc="-1">
                 <a:latin typeface="Arial"/>
               </a:rPr>
               <a:t>Fifth Outline Level</a:t>
             </a:r>
-            <a:endParaRPr b="0" lang="en-US" sz="2000" spc="-1" strike="noStrike">
-              <a:latin typeface="Arial"/>
-            </a:endParaRPr>
-          </a:p>
-          <a:p>
-            <a:pPr lvl="5" marL="2592000" indent="-216000">
+          </a:p>
+          <a:p>
+            <a:pPr marL="2592000" lvl="5" indent="-216000">
               <a:spcBef>
                 <a:spcPts val="283"/>
               </a:spcBef>
@@ -4205,17 +4563,14 @@
               <a:buChar char=""/>
             </a:pPr>
             <a:r>
-              <a:rPr b="0" lang="en-US" sz="2000" spc="-1" strike="noStrike">
+              <a:rPr lang="en-US" sz="2000" b="0" strike="noStrike" spc="-1">
                 <a:latin typeface="Arial"/>
               </a:rPr>
               <a:t>Sixth Outline Level</a:t>
             </a:r>
-            <a:endParaRPr b="0" lang="en-US" sz="2000" spc="-1" strike="noStrike">
-              <a:latin typeface="Arial"/>
-            </a:endParaRPr>
-          </a:p>
-          <a:p>
-            <a:pPr lvl="6" marL="3024000" indent="-216000">
+          </a:p>
+          <a:p>
+            <a:pPr marL="3024000" lvl="6" indent="-216000">
               <a:spcBef>
                 <a:spcPts val="283"/>
               </a:spcBef>
@@ -4227,45 +4582,323 @@
               <a:buChar char=""/>
             </a:pPr>
             <a:r>
-              <a:rPr b="0" lang="en-US" sz="2000" spc="-1" strike="noStrike">
+              <a:rPr lang="en-US" sz="2000" b="0" strike="noStrike" spc="-1">
                 <a:latin typeface="Arial"/>
               </a:rPr>
               <a:t>Seventh Outline Level</a:t>
             </a:r>
-            <a:endParaRPr b="0" lang="en-US" sz="2000" spc="-1" strike="noStrike">
-              <a:latin typeface="Arial"/>
-            </a:endParaRPr>
           </a:p>
         </p:txBody>
       </p:sp>
     </p:spTree>
   </p:cSld>
-  <p:clrMap bg1="lt1" bg2="lt2" tx1="dk1" tx2="dk2" accent1="accent1" accent2="accent2" accent3="accent3" accent4="accent4" accent5="accent5" accent6="accent6" hlink="hlink" folHlink="folHlink"/>
+  <p:clrMap bg1="lt1" tx1="dk1" bg2="lt2" tx2="dk2" accent1="accent1" accent2="accent2" accent3="accent3" accent4="accent4" accent5="accent5" accent6="accent6" hlink="hlink" folHlink="folHlink"/>
   <p:sldLayoutIdLst>
-    <p:sldLayoutId id="2147483649" r:id="rId2"/>
-    <p:sldLayoutId id="2147483650" r:id="rId3"/>
-    <p:sldLayoutId id="2147483651" r:id="rId4"/>
-    <p:sldLayoutId id="2147483652" r:id="rId5"/>
-    <p:sldLayoutId id="2147483653" r:id="rId6"/>
-    <p:sldLayoutId id="2147483654" r:id="rId7"/>
-    <p:sldLayoutId id="2147483655" r:id="rId8"/>
-    <p:sldLayoutId id="2147483656" r:id="rId9"/>
-    <p:sldLayoutId id="2147483657" r:id="rId10"/>
-    <p:sldLayoutId id="2147483658" r:id="rId11"/>
-    <p:sldLayoutId id="2147483659" r:id="rId12"/>
-    <p:sldLayoutId id="2147483660" r:id="rId13"/>
+    <p:sldLayoutId id="2147483649" r:id="rId1"/>
+    <p:sldLayoutId id="2147483650" r:id="rId2"/>
+    <p:sldLayoutId id="2147483651" r:id="rId3"/>
+    <p:sldLayoutId id="2147483652" r:id="rId4"/>
+    <p:sldLayoutId id="2147483653" r:id="rId5"/>
+    <p:sldLayoutId id="2147483654" r:id="rId6"/>
+    <p:sldLayoutId id="2147483655" r:id="rId7"/>
+    <p:sldLayoutId id="2147483656" r:id="rId8"/>
+    <p:sldLayoutId id="2147483657" r:id="rId9"/>
+    <p:sldLayoutId id="2147483658" r:id="rId10"/>
+    <p:sldLayoutId id="2147483659" r:id="rId11"/>
+    <p:sldLayoutId id="2147483660" r:id="rId12"/>
   </p:sldLayoutIdLst>
+  <p:txStyles>
+    <p:titleStyle>
+      <a:lvl1pPr algn="l" defTabSz="914400" rtl="0" eaLnBrk="1" latinLnBrk="0" hangingPunct="1">
+        <a:lnSpc>
+          <a:spcPct val="90000"/>
+        </a:lnSpc>
+        <a:spcBef>
+          <a:spcPct val="0"/>
+        </a:spcBef>
+        <a:buNone/>
+        <a:defRPr sz="4400" kern="1200">
+          <a:solidFill>
+            <a:schemeClr val="tx1"/>
+          </a:solidFill>
+          <a:latin typeface="+mj-lt"/>
+          <a:ea typeface="+mj-ea"/>
+          <a:cs typeface="+mj-cs"/>
+        </a:defRPr>
+      </a:lvl1pPr>
+    </p:titleStyle>
+    <p:bodyStyle>
+      <a:lvl1pPr marL="228600" indent="-228600" algn="l" defTabSz="914400" rtl="0" eaLnBrk="1" latinLnBrk="0" hangingPunct="1">
+        <a:lnSpc>
+          <a:spcPct val="90000"/>
+        </a:lnSpc>
+        <a:spcBef>
+          <a:spcPts val="1000"/>
+        </a:spcBef>
+        <a:buFont typeface="Arial" panose="020B0604020202020204" pitchFamily="34" charset="0"/>
+        <a:buChar char="•"/>
+        <a:defRPr sz="2800" kern="1200">
+          <a:solidFill>
+            <a:schemeClr val="tx1"/>
+          </a:solidFill>
+          <a:latin typeface="+mn-lt"/>
+          <a:ea typeface="+mn-ea"/>
+          <a:cs typeface="+mn-cs"/>
+        </a:defRPr>
+      </a:lvl1pPr>
+      <a:lvl2pPr marL="685800" indent="-228600" algn="l" defTabSz="914400" rtl="0" eaLnBrk="1" latinLnBrk="0" hangingPunct="1">
+        <a:lnSpc>
+          <a:spcPct val="90000"/>
+        </a:lnSpc>
+        <a:spcBef>
+          <a:spcPts val="500"/>
+        </a:spcBef>
+        <a:buFont typeface="Arial" panose="020B0604020202020204" pitchFamily="34" charset="0"/>
+        <a:buChar char="•"/>
+        <a:defRPr sz="2400" kern="1200">
+          <a:solidFill>
+            <a:schemeClr val="tx1"/>
+          </a:solidFill>
+          <a:latin typeface="+mn-lt"/>
+          <a:ea typeface="+mn-ea"/>
+          <a:cs typeface="+mn-cs"/>
+        </a:defRPr>
+      </a:lvl2pPr>
+      <a:lvl3pPr marL="1143000" indent="-228600" algn="l" defTabSz="914400" rtl="0" eaLnBrk="1" latinLnBrk="0" hangingPunct="1">
+        <a:lnSpc>
+          <a:spcPct val="90000"/>
+        </a:lnSpc>
+        <a:spcBef>
+          <a:spcPts val="500"/>
+        </a:spcBef>
+        <a:buFont typeface="Arial" panose="020B0604020202020204" pitchFamily="34" charset="0"/>
+        <a:buChar char="•"/>
+        <a:defRPr sz="2000" kern="1200">
+          <a:solidFill>
+            <a:schemeClr val="tx1"/>
+          </a:solidFill>
+          <a:latin typeface="+mn-lt"/>
+          <a:ea typeface="+mn-ea"/>
+          <a:cs typeface="+mn-cs"/>
+        </a:defRPr>
+      </a:lvl3pPr>
+      <a:lvl4pPr marL="1600200" indent="-228600" algn="l" defTabSz="914400" rtl="0" eaLnBrk="1" latinLnBrk="0" hangingPunct="1">
+        <a:lnSpc>
+          <a:spcPct val="90000"/>
+        </a:lnSpc>
+        <a:spcBef>
+          <a:spcPts val="500"/>
+        </a:spcBef>
+        <a:buFont typeface="Arial" panose="020B0604020202020204" pitchFamily="34" charset="0"/>
+        <a:buChar char="•"/>
+        <a:defRPr sz="1800" kern="1200">
+          <a:solidFill>
+            <a:schemeClr val="tx1"/>
+          </a:solidFill>
+          <a:latin typeface="+mn-lt"/>
+          <a:ea typeface="+mn-ea"/>
+          <a:cs typeface="+mn-cs"/>
+        </a:defRPr>
+      </a:lvl4pPr>
+      <a:lvl5pPr marL="2057400" indent="-228600" algn="l" defTabSz="914400" rtl="0" eaLnBrk="1" latinLnBrk="0" hangingPunct="1">
+        <a:lnSpc>
+          <a:spcPct val="90000"/>
+        </a:lnSpc>
+        <a:spcBef>
+          <a:spcPts val="500"/>
+        </a:spcBef>
+        <a:buFont typeface="Arial" panose="020B0604020202020204" pitchFamily="34" charset="0"/>
+        <a:buChar char="•"/>
+        <a:defRPr sz="1800" kern="1200">
+          <a:solidFill>
+            <a:schemeClr val="tx1"/>
+          </a:solidFill>
+          <a:latin typeface="+mn-lt"/>
+          <a:ea typeface="+mn-ea"/>
+          <a:cs typeface="+mn-cs"/>
+        </a:defRPr>
+      </a:lvl5pPr>
+      <a:lvl6pPr marL="2514600" indent="-228600" algn="l" defTabSz="914400" rtl="0" eaLnBrk="1" latinLnBrk="0" hangingPunct="1">
+        <a:lnSpc>
+          <a:spcPct val="90000"/>
+        </a:lnSpc>
+        <a:spcBef>
+          <a:spcPts val="500"/>
+        </a:spcBef>
+        <a:buFont typeface="Arial" panose="020B0604020202020204" pitchFamily="34" charset="0"/>
+        <a:buChar char="•"/>
+        <a:defRPr sz="1800" kern="1200">
+          <a:solidFill>
+            <a:schemeClr val="tx1"/>
+          </a:solidFill>
+          <a:latin typeface="+mn-lt"/>
+          <a:ea typeface="+mn-ea"/>
+          <a:cs typeface="+mn-cs"/>
+        </a:defRPr>
+      </a:lvl6pPr>
+      <a:lvl7pPr marL="2971800" indent="-228600" algn="l" defTabSz="914400" rtl="0" eaLnBrk="1" latinLnBrk="0" hangingPunct="1">
+        <a:lnSpc>
+          <a:spcPct val="90000"/>
+        </a:lnSpc>
+        <a:spcBef>
+          <a:spcPts val="500"/>
+        </a:spcBef>
+        <a:buFont typeface="Arial" panose="020B0604020202020204" pitchFamily="34" charset="0"/>
+        <a:buChar char="•"/>
+        <a:defRPr sz="1800" kern="1200">
+          <a:solidFill>
+            <a:schemeClr val="tx1"/>
+          </a:solidFill>
+          <a:latin typeface="+mn-lt"/>
+          <a:ea typeface="+mn-ea"/>
+          <a:cs typeface="+mn-cs"/>
+        </a:defRPr>
+      </a:lvl7pPr>
+      <a:lvl8pPr marL="3429000" indent="-228600" algn="l" defTabSz="914400" rtl="0" eaLnBrk="1" latinLnBrk="0" hangingPunct="1">
+        <a:lnSpc>
+          <a:spcPct val="90000"/>
+        </a:lnSpc>
+        <a:spcBef>
+          <a:spcPts val="500"/>
+        </a:spcBef>
+        <a:buFont typeface="Arial" panose="020B0604020202020204" pitchFamily="34" charset="0"/>
+        <a:buChar char="•"/>
+        <a:defRPr sz="1800" kern="1200">
+          <a:solidFill>
+            <a:schemeClr val="tx1"/>
+          </a:solidFill>
+          <a:latin typeface="+mn-lt"/>
+          <a:ea typeface="+mn-ea"/>
+          <a:cs typeface="+mn-cs"/>
+        </a:defRPr>
+      </a:lvl8pPr>
+      <a:lvl9pPr marL="3886200" indent="-228600" algn="l" defTabSz="914400" rtl="0" eaLnBrk="1" latinLnBrk="0" hangingPunct="1">
+        <a:lnSpc>
+          <a:spcPct val="90000"/>
+        </a:lnSpc>
+        <a:spcBef>
+          <a:spcPts val="500"/>
+        </a:spcBef>
+        <a:buFont typeface="Arial" panose="020B0604020202020204" pitchFamily="34" charset="0"/>
+        <a:buChar char="•"/>
+        <a:defRPr sz="1800" kern="1200">
+          <a:solidFill>
+            <a:schemeClr val="tx1"/>
+          </a:solidFill>
+          <a:latin typeface="+mn-lt"/>
+          <a:ea typeface="+mn-ea"/>
+          <a:cs typeface="+mn-cs"/>
+        </a:defRPr>
+      </a:lvl9pPr>
+    </p:bodyStyle>
+    <p:otherStyle>
+      <a:defPPr>
+        <a:defRPr lang="en-US"/>
+      </a:defPPr>
+      <a:lvl1pPr marL="0" algn="l" defTabSz="914400" rtl="0" eaLnBrk="1" latinLnBrk="0" hangingPunct="1">
+        <a:defRPr sz="1800" kern="1200">
+          <a:solidFill>
+            <a:schemeClr val="tx1"/>
+          </a:solidFill>
+          <a:latin typeface="+mn-lt"/>
+          <a:ea typeface="+mn-ea"/>
+          <a:cs typeface="+mn-cs"/>
+        </a:defRPr>
+      </a:lvl1pPr>
+      <a:lvl2pPr marL="457200" algn="l" defTabSz="914400" rtl="0" eaLnBrk="1" latinLnBrk="0" hangingPunct="1">
+        <a:defRPr sz="1800" kern="1200">
+          <a:solidFill>
+            <a:schemeClr val="tx1"/>
+          </a:solidFill>
+          <a:latin typeface="+mn-lt"/>
+          <a:ea typeface="+mn-ea"/>
+          <a:cs typeface="+mn-cs"/>
+        </a:defRPr>
+      </a:lvl2pPr>
+      <a:lvl3pPr marL="914400" algn="l" defTabSz="914400" rtl="0" eaLnBrk="1" latinLnBrk="0" hangingPunct="1">
+        <a:defRPr sz="1800" kern="1200">
+          <a:solidFill>
+            <a:schemeClr val="tx1"/>
+          </a:solidFill>
+          <a:latin typeface="+mn-lt"/>
+          <a:ea typeface="+mn-ea"/>
+          <a:cs typeface="+mn-cs"/>
+        </a:defRPr>
+      </a:lvl3pPr>
+      <a:lvl4pPr marL="1371600" algn="l" defTabSz="914400" rtl="0" eaLnBrk="1" latinLnBrk="0" hangingPunct="1">
+        <a:defRPr sz="1800" kern="1200">
+          <a:solidFill>
+            <a:schemeClr val="tx1"/>
+          </a:solidFill>
+          <a:latin typeface="+mn-lt"/>
+          <a:ea typeface="+mn-ea"/>
+          <a:cs typeface="+mn-cs"/>
+        </a:defRPr>
+      </a:lvl4pPr>
+      <a:lvl5pPr marL="1828800" algn="l" defTabSz="914400" rtl="0" eaLnBrk="1" latinLnBrk="0" hangingPunct="1">
+        <a:defRPr sz="1800" kern="1200">
+          <a:solidFill>
+            <a:schemeClr val="tx1"/>
+          </a:solidFill>
+          <a:latin typeface="+mn-lt"/>
+          <a:ea typeface="+mn-ea"/>
+          <a:cs typeface="+mn-cs"/>
+        </a:defRPr>
+      </a:lvl5pPr>
+      <a:lvl6pPr marL="2286000" algn="l" defTabSz="914400" rtl="0" eaLnBrk="1" latinLnBrk="0" hangingPunct="1">
+        <a:defRPr sz="1800" kern="1200">
+          <a:solidFill>
+            <a:schemeClr val="tx1"/>
+          </a:solidFill>
+          <a:latin typeface="+mn-lt"/>
+          <a:ea typeface="+mn-ea"/>
+          <a:cs typeface="+mn-cs"/>
+        </a:defRPr>
+      </a:lvl6pPr>
+      <a:lvl7pPr marL="2743200" algn="l" defTabSz="914400" rtl="0" eaLnBrk="1" latinLnBrk="0" hangingPunct="1">
+        <a:defRPr sz="1800" kern="1200">
+          <a:solidFill>
+            <a:schemeClr val="tx1"/>
+          </a:solidFill>
+          <a:latin typeface="+mn-lt"/>
+          <a:ea typeface="+mn-ea"/>
+          <a:cs typeface="+mn-cs"/>
+        </a:defRPr>
+      </a:lvl7pPr>
+      <a:lvl8pPr marL="3200400" algn="l" defTabSz="914400" rtl="0" eaLnBrk="1" latinLnBrk="0" hangingPunct="1">
+        <a:defRPr sz="1800" kern="1200">
+          <a:solidFill>
+            <a:schemeClr val="tx1"/>
+          </a:solidFill>
+          <a:latin typeface="+mn-lt"/>
+          <a:ea typeface="+mn-ea"/>
+          <a:cs typeface="+mn-cs"/>
+        </a:defRPr>
+      </a:lvl8pPr>
+      <a:lvl9pPr marL="3657600" algn="l" defTabSz="914400" rtl="0" eaLnBrk="1" latinLnBrk="0" hangingPunct="1">
+        <a:defRPr sz="1800" kern="1200">
+          <a:solidFill>
+            <a:schemeClr val="tx1"/>
+          </a:solidFill>
+          <a:latin typeface="+mn-lt"/>
+          <a:ea typeface="+mn-ea"/>
+          <a:cs typeface="+mn-cs"/>
+        </a:defRPr>
+      </a:lvl9pPr>
+    </p:otherStyle>
+  </p:txStyles>
 </p:sldMaster>
 </file>
 
 <file path=ppt/slideMasters/slideMaster2.xml><?xml version="1.0" encoding="utf-8"?>
-<p:sldMaster xmlns:a="http://schemas.openxmlformats.org/drawingml/2006/main" xmlns:p="http://schemas.openxmlformats.org/presentationml/2006/main" xmlns:r="http://schemas.openxmlformats.org/officeDocument/2006/relationships" xmlns:p14="http://schemas.microsoft.com/office/powerpoint/2010/main" xmlns:p15="http://schemas.microsoft.com/office/powerpoint/2012/main" xmlns:mc="http://schemas.openxmlformats.org/markup-compatibility/2006">
+<p:sldMaster xmlns:a="http://schemas.openxmlformats.org/drawingml/2006/main" xmlns:r="http://schemas.openxmlformats.org/officeDocument/2006/relationships" xmlns:p="http://schemas.openxmlformats.org/presentationml/2006/main">
   <p:cSld>
     <p:bg>
       <p:bgPr>
         <a:solidFill>
-          <a:srgbClr val="ffffff"/>
+          <a:srgbClr val="FFFFFF"/>
         </a:solidFill>
+        <a:effectLst/>
       </p:bgPr>
     </p:bg>
     <p:spTree>
@@ -4311,6 +4944,7 @@
               <a:avLst/>
               <a:gdLst/>
               <a:ahLst/>
+              <a:cxnLst/>
               <a:rect l="l" t="t" r="r" b="b"/>
               <a:pathLst>
                 <a:path w="21600" h="21600">
@@ -4326,15 +4960,21 @@
             <a:noFill/>
             <a:ln w="9360">
               <a:solidFill>
-                <a:srgbClr val="bfbfbf"/>
+                <a:srgbClr val="BFBFBF"/>
               </a:solidFill>
               <a:round/>
             </a:ln>
           </p:spPr>
           <p:style>
-            <a:lnRef idx="0"/>
-            <a:fillRef idx="0"/>
-            <a:effectRef idx="0"/>
+            <a:lnRef idx="0">
+              <a:scrgbClr r="0" g="0" b="0"/>
+            </a:lnRef>
+            <a:fillRef idx="0">
+              <a:scrgbClr r="0" g="0" b="0"/>
+            </a:fillRef>
+            <a:effectRef idx="0">
+              <a:scrgbClr r="0" g="0" b="0"/>
+            </a:effectRef>
             <a:fontRef idx="minor"/>
           </p:style>
         </p:sp>
@@ -4353,6 +4993,7 @@
               <a:avLst/>
               <a:gdLst/>
               <a:ahLst/>
+              <a:cxnLst/>
               <a:rect l="l" t="t" r="r" b="b"/>
               <a:pathLst>
                 <a:path w="21600" h="21600">
@@ -4368,15 +5009,21 @@
             <a:noFill/>
             <a:ln w="9360">
               <a:solidFill>
-                <a:srgbClr val="d8d8d8"/>
+                <a:srgbClr val="D8D8D8"/>
               </a:solidFill>
               <a:round/>
             </a:ln>
           </p:spPr>
           <p:style>
-            <a:lnRef idx="0"/>
-            <a:fillRef idx="0"/>
-            <a:effectRef idx="0"/>
+            <a:lnRef idx="0">
+              <a:scrgbClr r="0" g="0" b="0"/>
+            </a:lnRef>
+            <a:fillRef idx="0">
+              <a:scrgbClr r="0" g="0" b="0"/>
+            </a:fillRef>
+            <a:effectRef idx="0">
+              <a:scrgbClr r="0" g="0" b="0"/>
+            </a:effectRef>
             <a:fontRef idx="minor"/>
           </p:style>
         </p:sp>
@@ -4395,6 +5042,7 @@
               <a:avLst/>
               <a:gdLst/>
               <a:ahLst/>
+              <a:cxnLst/>
               <a:rect l="l" t="t" r="r" b="b"/>
               <a:pathLst>
                 <a:path w="3007349" h="6866467">
@@ -4427,9 +5075,15 @@
             </a:ln>
           </p:spPr>
           <p:style>
-            <a:lnRef idx="0"/>
-            <a:fillRef idx="0"/>
-            <a:effectRef idx="0"/>
+            <a:lnRef idx="0">
+              <a:scrgbClr r="0" g="0" b="0"/>
+            </a:lnRef>
+            <a:fillRef idx="0">
+              <a:scrgbClr r="0" g="0" b="0"/>
+            </a:fillRef>
+            <a:effectRef idx="0">
+              <a:scrgbClr r="0" g="0" b="0"/>
+            </a:effectRef>
             <a:fontRef idx="minor"/>
           </p:style>
         </p:sp>
@@ -4448,6 +5102,7 @@
               <a:avLst/>
               <a:gdLst/>
               <a:ahLst/>
+              <a:cxnLst/>
               <a:rect l="l" t="t" r="r" b="b"/>
               <a:pathLst>
                 <a:path w="2573311" h="6866467">
@@ -4480,9 +5135,15 @@
             </a:ln>
           </p:spPr>
           <p:style>
-            <a:lnRef idx="0"/>
-            <a:fillRef idx="0"/>
-            <a:effectRef idx="0"/>
+            <a:lnRef idx="0">
+              <a:scrgbClr r="0" g="0" b="0"/>
+            </a:lnRef>
+            <a:fillRef idx="0">
+              <a:scrgbClr r="0" g="0" b="0"/>
+            </a:fillRef>
+            <a:effectRef idx="0">
+              <a:scrgbClr r="0" g="0" b="0"/>
+            </a:effectRef>
             <a:fontRef idx="minor"/>
           </p:style>
         </p:sp>
@@ -4512,9 +5173,15 @@
             </a:ln>
           </p:spPr>
           <p:style>
-            <a:lnRef idx="0"/>
-            <a:fillRef idx="0"/>
-            <a:effectRef idx="0"/>
+            <a:lnRef idx="0">
+              <a:scrgbClr r="0" g="0" b="0"/>
+            </a:lnRef>
+            <a:fillRef idx="0">
+              <a:scrgbClr r="0" g="0" b="0"/>
+            </a:fillRef>
+            <a:effectRef idx="0">
+              <a:scrgbClr r="0" g="0" b="0"/>
+            </a:effectRef>
             <a:fontRef idx="minor"/>
           </p:style>
         </p:sp>
@@ -4533,6 +5200,7 @@
               <a:avLst/>
               <a:gdLst/>
               <a:ahLst/>
+              <a:cxnLst/>
               <a:rect l="l" t="t" r="r" b="b"/>
               <a:pathLst>
                 <a:path w="2858013" h="6866467">
@@ -4556,7 +5224,7 @@
               </a:pathLst>
             </a:custGeom>
             <a:solidFill>
-              <a:srgbClr val="3f7818">
+              <a:srgbClr val="3F7818">
                 <a:alpha val="70000"/>
               </a:srgbClr>
             </a:solidFill>
@@ -4565,9 +5233,15 @@
             </a:ln>
           </p:spPr>
           <p:style>
-            <a:lnRef idx="0"/>
-            <a:fillRef idx="0"/>
-            <a:effectRef idx="0"/>
+            <a:lnRef idx="0">
+              <a:scrgbClr r="0" g="0" b="0"/>
+            </a:lnRef>
+            <a:fillRef idx="0">
+              <a:scrgbClr r="0" g="0" b="0"/>
+            </a:fillRef>
+            <a:effectRef idx="0">
+              <a:scrgbClr r="0" g="0" b="0"/>
+            </a:effectRef>
             <a:fontRef idx="minor"/>
           </p:style>
         </p:sp>
@@ -4586,6 +5260,7 @@
               <a:avLst/>
               <a:gdLst/>
               <a:ahLst/>
+              <a:cxnLst/>
               <a:rect l="l" t="t" r="r" b="b"/>
               <a:pathLst>
                 <a:path w="1290094" h="6858000">
@@ -4609,7 +5284,7 @@
               </a:pathLst>
             </a:custGeom>
             <a:solidFill>
-              <a:srgbClr val="bfe471">
+              <a:srgbClr val="BFE471">
                 <a:alpha val="70000"/>
               </a:srgbClr>
             </a:solidFill>
@@ -4618,9 +5293,15 @@
             </a:ln>
           </p:spPr>
           <p:style>
-            <a:lnRef idx="0"/>
-            <a:fillRef idx="0"/>
-            <a:effectRef idx="0"/>
+            <a:lnRef idx="0">
+              <a:scrgbClr r="0" g="0" b="0"/>
+            </a:lnRef>
+            <a:fillRef idx="0">
+              <a:scrgbClr r="0" g="0" b="0"/>
+            </a:fillRef>
+            <a:effectRef idx="0">
+              <a:scrgbClr r="0" g="0" b="0"/>
+            </a:effectRef>
             <a:fontRef idx="minor"/>
           </p:style>
         </p:sp>
@@ -4639,6 +5320,7 @@
               <a:avLst/>
               <a:gdLst/>
               <a:ahLst/>
+              <a:cxnLst/>
               <a:rect l="l" t="t" r="r" b="b"/>
               <a:pathLst>
                 <a:path w="1249825" h="6858000">
@@ -4671,9 +5353,15 @@
             </a:ln>
           </p:spPr>
           <p:style>
-            <a:lnRef idx="0"/>
-            <a:fillRef idx="0"/>
-            <a:effectRef idx="0"/>
+            <a:lnRef idx="0">
+              <a:scrgbClr r="0" g="0" b="0"/>
+            </a:lnRef>
+            <a:fillRef idx="0">
+              <a:scrgbClr r="0" g="0" b="0"/>
+            </a:fillRef>
+            <a:effectRef idx="0">
+              <a:scrgbClr r="0" g="0" b="0"/>
+            </a:effectRef>
             <a:fontRef idx="minor"/>
           </p:style>
         </p:sp>
@@ -4703,9 +5391,15 @@
             </a:ln>
           </p:spPr>
           <p:style>
-            <a:lnRef idx="0"/>
-            <a:fillRef idx="0"/>
-            <a:effectRef idx="0"/>
+            <a:lnRef idx="0">
+              <a:scrgbClr r="0" g="0" b="0"/>
+            </a:lnRef>
+            <a:fillRef idx="0">
+              <a:scrgbClr r="0" g="0" b="0"/>
+            </a:fillRef>
+            <a:effectRef idx="0">
+              <a:scrgbClr r="0" g="0" b="0"/>
+            </a:effectRef>
             <a:fontRef idx="minor"/>
           </p:style>
         </p:sp>
@@ -4735,9 +5429,15 @@
             </a:ln>
           </p:spPr>
           <p:style>
-            <a:lnRef idx="0"/>
-            <a:fillRef idx="0"/>
-            <a:effectRef idx="0"/>
+            <a:lnRef idx="0">
+              <a:scrgbClr r="0" g="0" b="0"/>
+            </a:lnRef>
+            <a:fillRef idx="0">
+              <a:scrgbClr r="0" g="0" b="0"/>
+            </a:fillRef>
+            <a:effectRef idx="0">
+              <a:scrgbClr r="0" g="0" b="0"/>
+            </a:effectRef>
             <a:fontRef idx="minor"/>
           </p:style>
         </p:sp>
@@ -4766,22 +5466,20 @@
           </a:ln>
         </p:spPr>
         <p:txBody>
-          <a:bodyPr lIns="0" rIns="0" tIns="0" bIns="0" anchor="ctr">
+          <a:bodyPr lIns="0" tIns="0" rIns="0" bIns="0" anchor="ctr">
             <a:noAutofit/>
           </a:bodyPr>
+          <a:lstStyle/>
           <a:p>
             <a:pPr algn="ctr">
               <a:buNone/>
             </a:pPr>
             <a:r>
-              <a:rPr b="0" lang="en-US" sz="4400" spc="-1" strike="noStrike">
+              <a:rPr lang="en-US" sz="4400" b="0" strike="noStrike" spc="-1">
                 <a:latin typeface="Arial"/>
               </a:rPr>
               <a:t>Click to edit the title text format</a:t>
             </a:r>
-            <a:endParaRPr b="0" lang="en-US" sz="4400" spc="-1" strike="noStrike">
-              <a:latin typeface="Arial"/>
-            </a:endParaRPr>
           </a:p>
         </p:txBody>
       </p:sp>
@@ -4809,9 +5507,10 @@
           </a:ln>
         </p:spPr>
         <p:txBody>
-          <a:bodyPr lIns="0" rIns="0" tIns="0" bIns="0" anchor="t">
+          <a:bodyPr lIns="0" tIns="0" rIns="0" bIns="0" anchor="t">
             <a:normAutofit/>
           </a:bodyPr>
+          <a:lstStyle/>
           <a:p>
             <a:pPr marL="432000" indent="-324000">
               <a:spcBef>
@@ -4825,17 +5524,14 @@
               <a:buChar char=""/>
             </a:pPr>
             <a:r>
-              <a:rPr b="0" lang="en-US" sz="3200" spc="-1" strike="noStrike">
+              <a:rPr lang="en-US" sz="3200" b="0" strike="noStrike" spc="-1">
                 <a:latin typeface="Arial"/>
               </a:rPr>
               <a:t>Click to edit the outline text format</a:t>
             </a:r>
-            <a:endParaRPr b="0" lang="en-US" sz="3200" spc="-1" strike="noStrike">
-              <a:latin typeface="Arial"/>
-            </a:endParaRPr>
-          </a:p>
-          <a:p>
-            <a:pPr lvl="1" marL="864000" indent="-324000">
+          </a:p>
+          <a:p>
+            <a:pPr marL="864000" lvl="1" indent="-324000">
               <a:spcBef>
                 <a:spcPts val="1134"/>
               </a:spcBef>
@@ -4847,17 +5543,14 @@
               <a:buChar char=""/>
             </a:pPr>
             <a:r>
-              <a:rPr b="0" lang="en-US" sz="2800" spc="-1" strike="noStrike">
+              <a:rPr lang="en-US" sz="2800" b="0" strike="noStrike" spc="-1">
                 <a:latin typeface="Arial"/>
               </a:rPr>
               <a:t>Second Outline Level</a:t>
             </a:r>
-            <a:endParaRPr b="0" lang="en-US" sz="2800" spc="-1" strike="noStrike">
-              <a:latin typeface="Arial"/>
-            </a:endParaRPr>
-          </a:p>
-          <a:p>
-            <a:pPr lvl="2" marL="1296000" indent="-288000">
+          </a:p>
+          <a:p>
+            <a:pPr marL="1296000" lvl="2" indent="-288000">
               <a:spcBef>
                 <a:spcPts val="850"/>
               </a:spcBef>
@@ -4869,17 +5562,14 @@
               <a:buChar char=""/>
             </a:pPr>
             <a:r>
-              <a:rPr b="0" lang="en-US" sz="2400" spc="-1" strike="noStrike">
+              <a:rPr lang="en-US" sz="2400" b="0" strike="noStrike" spc="-1">
                 <a:latin typeface="Arial"/>
               </a:rPr>
               <a:t>Third Outline Level</a:t>
             </a:r>
-            <a:endParaRPr b="0" lang="en-US" sz="2400" spc="-1" strike="noStrike">
-              <a:latin typeface="Arial"/>
-            </a:endParaRPr>
-          </a:p>
-          <a:p>
-            <a:pPr lvl="3" marL="1728000" indent="-216000">
+          </a:p>
+          <a:p>
+            <a:pPr marL="1728000" lvl="3" indent="-216000">
               <a:spcBef>
                 <a:spcPts val="567"/>
               </a:spcBef>
@@ -4891,17 +5581,14 @@
               <a:buChar char=""/>
             </a:pPr>
             <a:r>
-              <a:rPr b="0" lang="en-US" sz="2000" spc="-1" strike="noStrike">
+              <a:rPr lang="en-US" sz="2000" b="0" strike="noStrike" spc="-1">
                 <a:latin typeface="Arial"/>
               </a:rPr>
               <a:t>Fourth Outline Level</a:t>
             </a:r>
-            <a:endParaRPr b="0" lang="en-US" sz="2000" spc="-1" strike="noStrike">
-              <a:latin typeface="Arial"/>
-            </a:endParaRPr>
-          </a:p>
-          <a:p>
-            <a:pPr lvl="4" marL="2160000" indent="-216000">
+          </a:p>
+          <a:p>
+            <a:pPr marL="2160000" lvl="4" indent="-216000">
               <a:spcBef>
                 <a:spcPts val="283"/>
               </a:spcBef>
@@ -4913,17 +5600,14 @@
               <a:buChar char=""/>
             </a:pPr>
             <a:r>
-              <a:rPr b="0" lang="en-US" sz="2000" spc="-1" strike="noStrike">
+              <a:rPr lang="en-US" sz="2000" b="0" strike="noStrike" spc="-1">
                 <a:latin typeface="Arial"/>
               </a:rPr>
               <a:t>Fifth Outline Level</a:t>
             </a:r>
-            <a:endParaRPr b="0" lang="en-US" sz="2000" spc="-1" strike="noStrike">
-              <a:latin typeface="Arial"/>
-            </a:endParaRPr>
-          </a:p>
-          <a:p>
-            <a:pPr lvl="5" marL="2592000" indent="-216000">
+          </a:p>
+          <a:p>
+            <a:pPr marL="2592000" lvl="5" indent="-216000">
               <a:spcBef>
                 <a:spcPts val="283"/>
               </a:spcBef>
@@ -4935,17 +5619,14 @@
               <a:buChar char=""/>
             </a:pPr>
             <a:r>
-              <a:rPr b="0" lang="en-US" sz="2000" spc="-1" strike="noStrike">
+              <a:rPr lang="en-US" sz="2000" b="0" strike="noStrike" spc="-1">
                 <a:latin typeface="Arial"/>
               </a:rPr>
               <a:t>Sixth Outline Level</a:t>
             </a:r>
-            <a:endParaRPr b="0" lang="en-US" sz="2000" spc="-1" strike="noStrike">
-              <a:latin typeface="Arial"/>
-            </a:endParaRPr>
-          </a:p>
-          <a:p>
-            <a:pPr lvl="6" marL="3024000" indent="-216000">
+          </a:p>
+          <a:p>
+            <a:pPr marL="3024000" lvl="6" indent="-216000">
               <a:spcBef>
                 <a:spcPts val="283"/>
               </a:spcBef>
@@ -4957,39 +5638,316 @@
               <a:buChar char=""/>
             </a:pPr>
             <a:r>
-              <a:rPr b="0" lang="en-US" sz="2000" spc="-1" strike="noStrike">
+              <a:rPr lang="en-US" sz="2000" b="0" strike="noStrike" spc="-1">
                 <a:latin typeface="Arial"/>
               </a:rPr>
               <a:t>Seventh Outline Level</a:t>
             </a:r>
-            <a:endParaRPr b="0" lang="en-US" sz="2000" spc="-1" strike="noStrike">
-              <a:latin typeface="Arial"/>
-            </a:endParaRPr>
           </a:p>
         </p:txBody>
       </p:sp>
     </p:spTree>
   </p:cSld>
-  <p:clrMap bg1="lt1" bg2="lt2" tx1="dk1" tx2="dk2" accent1="accent1" accent2="accent2" accent3="accent3" accent4="accent4" accent5="accent5" accent6="accent6" hlink="hlink" folHlink="folHlink"/>
+  <p:clrMap bg1="lt1" tx1="dk1" bg2="lt2" tx2="dk2" accent1="accent1" accent2="accent2" accent3="accent3" accent4="accent4" accent5="accent5" accent6="accent6" hlink="hlink" folHlink="folHlink"/>
   <p:sldLayoutIdLst>
-    <p:sldLayoutId id="2147483662" r:id="rId2"/>
-    <p:sldLayoutId id="2147483663" r:id="rId3"/>
-    <p:sldLayoutId id="2147483664" r:id="rId4"/>
-    <p:sldLayoutId id="2147483665" r:id="rId5"/>
-    <p:sldLayoutId id="2147483666" r:id="rId6"/>
-    <p:sldLayoutId id="2147483667" r:id="rId7"/>
-    <p:sldLayoutId id="2147483668" r:id="rId8"/>
-    <p:sldLayoutId id="2147483669" r:id="rId9"/>
-    <p:sldLayoutId id="2147483670" r:id="rId10"/>
-    <p:sldLayoutId id="2147483671" r:id="rId11"/>
-    <p:sldLayoutId id="2147483672" r:id="rId12"/>
-    <p:sldLayoutId id="2147483673" r:id="rId13"/>
+    <p:sldLayoutId id="2147483662" r:id="rId1"/>
+    <p:sldLayoutId id="2147483663" r:id="rId2"/>
+    <p:sldLayoutId id="2147483664" r:id="rId3"/>
+    <p:sldLayoutId id="2147483665" r:id="rId4"/>
+    <p:sldLayoutId id="2147483666" r:id="rId5"/>
+    <p:sldLayoutId id="2147483667" r:id="rId6"/>
+    <p:sldLayoutId id="2147483668" r:id="rId7"/>
+    <p:sldLayoutId id="2147483669" r:id="rId8"/>
+    <p:sldLayoutId id="2147483670" r:id="rId9"/>
+    <p:sldLayoutId id="2147483671" r:id="rId10"/>
+    <p:sldLayoutId id="2147483672" r:id="rId11"/>
+    <p:sldLayoutId id="2147483673" r:id="rId12"/>
   </p:sldLayoutIdLst>
+  <p:txStyles>
+    <p:titleStyle>
+      <a:lvl1pPr algn="l" defTabSz="914400" rtl="0" eaLnBrk="1" latinLnBrk="0" hangingPunct="1">
+        <a:lnSpc>
+          <a:spcPct val="90000"/>
+        </a:lnSpc>
+        <a:spcBef>
+          <a:spcPct val="0"/>
+        </a:spcBef>
+        <a:buNone/>
+        <a:defRPr sz="4400" kern="1200">
+          <a:solidFill>
+            <a:schemeClr val="tx1"/>
+          </a:solidFill>
+          <a:latin typeface="+mj-lt"/>
+          <a:ea typeface="+mj-ea"/>
+          <a:cs typeface="+mj-cs"/>
+        </a:defRPr>
+      </a:lvl1pPr>
+    </p:titleStyle>
+    <p:bodyStyle>
+      <a:lvl1pPr marL="228600" indent="-228600" algn="l" defTabSz="914400" rtl="0" eaLnBrk="1" latinLnBrk="0" hangingPunct="1">
+        <a:lnSpc>
+          <a:spcPct val="90000"/>
+        </a:lnSpc>
+        <a:spcBef>
+          <a:spcPts val="1000"/>
+        </a:spcBef>
+        <a:buFont typeface="Arial" panose="020B0604020202020204" pitchFamily="34" charset="0"/>
+        <a:buChar char="•"/>
+        <a:defRPr sz="2800" kern="1200">
+          <a:solidFill>
+            <a:schemeClr val="tx1"/>
+          </a:solidFill>
+          <a:latin typeface="+mn-lt"/>
+          <a:ea typeface="+mn-ea"/>
+          <a:cs typeface="+mn-cs"/>
+        </a:defRPr>
+      </a:lvl1pPr>
+      <a:lvl2pPr marL="685800" indent="-228600" algn="l" defTabSz="914400" rtl="0" eaLnBrk="1" latinLnBrk="0" hangingPunct="1">
+        <a:lnSpc>
+          <a:spcPct val="90000"/>
+        </a:lnSpc>
+        <a:spcBef>
+          <a:spcPts val="500"/>
+        </a:spcBef>
+        <a:buFont typeface="Arial" panose="020B0604020202020204" pitchFamily="34" charset="0"/>
+        <a:buChar char="•"/>
+        <a:defRPr sz="2400" kern="1200">
+          <a:solidFill>
+            <a:schemeClr val="tx1"/>
+          </a:solidFill>
+          <a:latin typeface="+mn-lt"/>
+          <a:ea typeface="+mn-ea"/>
+          <a:cs typeface="+mn-cs"/>
+        </a:defRPr>
+      </a:lvl2pPr>
+      <a:lvl3pPr marL="1143000" indent="-228600" algn="l" defTabSz="914400" rtl="0" eaLnBrk="1" latinLnBrk="0" hangingPunct="1">
+        <a:lnSpc>
+          <a:spcPct val="90000"/>
+        </a:lnSpc>
+        <a:spcBef>
+          <a:spcPts val="500"/>
+        </a:spcBef>
+        <a:buFont typeface="Arial" panose="020B0604020202020204" pitchFamily="34" charset="0"/>
+        <a:buChar char="•"/>
+        <a:defRPr sz="2000" kern="1200">
+          <a:solidFill>
+            <a:schemeClr val="tx1"/>
+          </a:solidFill>
+          <a:latin typeface="+mn-lt"/>
+          <a:ea typeface="+mn-ea"/>
+          <a:cs typeface="+mn-cs"/>
+        </a:defRPr>
+      </a:lvl3pPr>
+      <a:lvl4pPr marL="1600200" indent="-228600" algn="l" defTabSz="914400" rtl="0" eaLnBrk="1" latinLnBrk="0" hangingPunct="1">
+        <a:lnSpc>
+          <a:spcPct val="90000"/>
+        </a:lnSpc>
+        <a:spcBef>
+          <a:spcPts val="500"/>
+        </a:spcBef>
+        <a:buFont typeface="Arial" panose="020B0604020202020204" pitchFamily="34" charset="0"/>
+        <a:buChar char="•"/>
+        <a:defRPr sz="1800" kern="1200">
+          <a:solidFill>
+            <a:schemeClr val="tx1"/>
+          </a:solidFill>
+          <a:latin typeface="+mn-lt"/>
+          <a:ea typeface="+mn-ea"/>
+          <a:cs typeface="+mn-cs"/>
+        </a:defRPr>
+      </a:lvl4pPr>
+      <a:lvl5pPr marL="2057400" indent="-228600" algn="l" defTabSz="914400" rtl="0" eaLnBrk="1" latinLnBrk="0" hangingPunct="1">
+        <a:lnSpc>
+          <a:spcPct val="90000"/>
+        </a:lnSpc>
+        <a:spcBef>
+          <a:spcPts val="500"/>
+        </a:spcBef>
+        <a:buFont typeface="Arial" panose="020B0604020202020204" pitchFamily="34" charset="0"/>
+        <a:buChar char="•"/>
+        <a:defRPr sz="1800" kern="1200">
+          <a:solidFill>
+            <a:schemeClr val="tx1"/>
+          </a:solidFill>
+          <a:latin typeface="+mn-lt"/>
+          <a:ea typeface="+mn-ea"/>
+          <a:cs typeface="+mn-cs"/>
+        </a:defRPr>
+      </a:lvl5pPr>
+      <a:lvl6pPr marL="2514600" indent="-228600" algn="l" defTabSz="914400" rtl="0" eaLnBrk="1" latinLnBrk="0" hangingPunct="1">
+        <a:lnSpc>
+          <a:spcPct val="90000"/>
+        </a:lnSpc>
+        <a:spcBef>
+          <a:spcPts val="500"/>
+        </a:spcBef>
+        <a:buFont typeface="Arial" panose="020B0604020202020204" pitchFamily="34" charset="0"/>
+        <a:buChar char="•"/>
+        <a:defRPr sz="1800" kern="1200">
+          <a:solidFill>
+            <a:schemeClr val="tx1"/>
+          </a:solidFill>
+          <a:latin typeface="+mn-lt"/>
+          <a:ea typeface="+mn-ea"/>
+          <a:cs typeface="+mn-cs"/>
+        </a:defRPr>
+      </a:lvl6pPr>
+      <a:lvl7pPr marL="2971800" indent="-228600" algn="l" defTabSz="914400" rtl="0" eaLnBrk="1" latinLnBrk="0" hangingPunct="1">
+        <a:lnSpc>
+          <a:spcPct val="90000"/>
+        </a:lnSpc>
+        <a:spcBef>
+          <a:spcPts val="500"/>
+        </a:spcBef>
+        <a:buFont typeface="Arial" panose="020B0604020202020204" pitchFamily="34" charset="0"/>
+        <a:buChar char="•"/>
+        <a:defRPr sz="1800" kern="1200">
+          <a:solidFill>
+            <a:schemeClr val="tx1"/>
+          </a:solidFill>
+          <a:latin typeface="+mn-lt"/>
+          <a:ea typeface="+mn-ea"/>
+          <a:cs typeface="+mn-cs"/>
+        </a:defRPr>
+      </a:lvl7pPr>
+      <a:lvl8pPr marL="3429000" indent="-228600" algn="l" defTabSz="914400" rtl="0" eaLnBrk="1" latinLnBrk="0" hangingPunct="1">
+        <a:lnSpc>
+          <a:spcPct val="90000"/>
+        </a:lnSpc>
+        <a:spcBef>
+          <a:spcPts val="500"/>
+        </a:spcBef>
+        <a:buFont typeface="Arial" panose="020B0604020202020204" pitchFamily="34" charset="0"/>
+        <a:buChar char="•"/>
+        <a:defRPr sz="1800" kern="1200">
+          <a:solidFill>
+            <a:schemeClr val="tx1"/>
+          </a:solidFill>
+          <a:latin typeface="+mn-lt"/>
+          <a:ea typeface="+mn-ea"/>
+          <a:cs typeface="+mn-cs"/>
+        </a:defRPr>
+      </a:lvl8pPr>
+      <a:lvl9pPr marL="3886200" indent="-228600" algn="l" defTabSz="914400" rtl="0" eaLnBrk="1" latinLnBrk="0" hangingPunct="1">
+        <a:lnSpc>
+          <a:spcPct val="90000"/>
+        </a:lnSpc>
+        <a:spcBef>
+          <a:spcPts val="500"/>
+        </a:spcBef>
+        <a:buFont typeface="Arial" panose="020B0604020202020204" pitchFamily="34" charset="0"/>
+        <a:buChar char="•"/>
+        <a:defRPr sz="1800" kern="1200">
+          <a:solidFill>
+            <a:schemeClr val="tx1"/>
+          </a:solidFill>
+          <a:latin typeface="+mn-lt"/>
+          <a:ea typeface="+mn-ea"/>
+          <a:cs typeface="+mn-cs"/>
+        </a:defRPr>
+      </a:lvl9pPr>
+    </p:bodyStyle>
+    <p:otherStyle>
+      <a:defPPr>
+        <a:defRPr lang="en-US"/>
+      </a:defPPr>
+      <a:lvl1pPr marL="0" algn="l" defTabSz="914400" rtl="0" eaLnBrk="1" latinLnBrk="0" hangingPunct="1">
+        <a:defRPr sz="1800" kern="1200">
+          <a:solidFill>
+            <a:schemeClr val="tx1"/>
+          </a:solidFill>
+          <a:latin typeface="+mn-lt"/>
+          <a:ea typeface="+mn-ea"/>
+          <a:cs typeface="+mn-cs"/>
+        </a:defRPr>
+      </a:lvl1pPr>
+      <a:lvl2pPr marL="457200" algn="l" defTabSz="914400" rtl="0" eaLnBrk="1" latinLnBrk="0" hangingPunct="1">
+        <a:defRPr sz="1800" kern="1200">
+          <a:solidFill>
+            <a:schemeClr val="tx1"/>
+          </a:solidFill>
+          <a:latin typeface="+mn-lt"/>
+          <a:ea typeface="+mn-ea"/>
+          <a:cs typeface="+mn-cs"/>
+        </a:defRPr>
+      </a:lvl2pPr>
+      <a:lvl3pPr marL="914400" algn="l" defTabSz="914400" rtl="0" eaLnBrk="1" latinLnBrk="0" hangingPunct="1">
+        <a:defRPr sz="1800" kern="1200">
+          <a:solidFill>
+            <a:schemeClr val="tx1"/>
+          </a:solidFill>
+          <a:latin typeface="+mn-lt"/>
+          <a:ea typeface="+mn-ea"/>
+          <a:cs typeface="+mn-cs"/>
+        </a:defRPr>
+      </a:lvl3pPr>
+      <a:lvl4pPr marL="1371600" algn="l" defTabSz="914400" rtl="0" eaLnBrk="1" latinLnBrk="0" hangingPunct="1">
+        <a:defRPr sz="1800" kern="1200">
+          <a:solidFill>
+            <a:schemeClr val="tx1"/>
+          </a:solidFill>
+          <a:latin typeface="+mn-lt"/>
+          <a:ea typeface="+mn-ea"/>
+          <a:cs typeface="+mn-cs"/>
+        </a:defRPr>
+      </a:lvl4pPr>
+      <a:lvl5pPr marL="1828800" algn="l" defTabSz="914400" rtl="0" eaLnBrk="1" latinLnBrk="0" hangingPunct="1">
+        <a:defRPr sz="1800" kern="1200">
+          <a:solidFill>
+            <a:schemeClr val="tx1"/>
+          </a:solidFill>
+          <a:latin typeface="+mn-lt"/>
+          <a:ea typeface="+mn-ea"/>
+          <a:cs typeface="+mn-cs"/>
+        </a:defRPr>
+      </a:lvl5pPr>
+      <a:lvl6pPr marL="2286000" algn="l" defTabSz="914400" rtl="0" eaLnBrk="1" latinLnBrk="0" hangingPunct="1">
+        <a:defRPr sz="1800" kern="1200">
+          <a:solidFill>
+            <a:schemeClr val="tx1"/>
+          </a:solidFill>
+          <a:latin typeface="+mn-lt"/>
+          <a:ea typeface="+mn-ea"/>
+          <a:cs typeface="+mn-cs"/>
+        </a:defRPr>
+      </a:lvl6pPr>
+      <a:lvl7pPr marL="2743200" algn="l" defTabSz="914400" rtl="0" eaLnBrk="1" latinLnBrk="0" hangingPunct="1">
+        <a:defRPr sz="1800" kern="1200">
+          <a:solidFill>
+            <a:schemeClr val="tx1"/>
+          </a:solidFill>
+          <a:latin typeface="+mn-lt"/>
+          <a:ea typeface="+mn-ea"/>
+          <a:cs typeface="+mn-cs"/>
+        </a:defRPr>
+      </a:lvl7pPr>
+      <a:lvl8pPr marL="3200400" algn="l" defTabSz="914400" rtl="0" eaLnBrk="1" latinLnBrk="0" hangingPunct="1">
+        <a:defRPr sz="1800" kern="1200">
+          <a:solidFill>
+            <a:schemeClr val="tx1"/>
+          </a:solidFill>
+          <a:latin typeface="+mn-lt"/>
+          <a:ea typeface="+mn-ea"/>
+          <a:cs typeface="+mn-cs"/>
+        </a:defRPr>
+      </a:lvl8pPr>
+      <a:lvl9pPr marL="3657600" algn="l" defTabSz="914400" rtl="0" eaLnBrk="1" latinLnBrk="0" hangingPunct="1">
+        <a:defRPr sz="1800" kern="1200">
+          <a:solidFill>
+            <a:schemeClr val="tx1"/>
+          </a:solidFill>
+          <a:latin typeface="+mn-lt"/>
+          <a:ea typeface="+mn-ea"/>
+          <a:cs typeface="+mn-cs"/>
+        </a:defRPr>
+      </a:lvl9pPr>
+    </p:otherStyle>
+  </p:txStyles>
 </p:sldMaster>
 </file>
 
 <file path=ppt/slides/slide1.xml><?xml version="1.0" encoding="utf-8"?>
-<p:sld xmlns:a="http://schemas.openxmlformats.org/drawingml/2006/main" xmlns:p="http://schemas.openxmlformats.org/presentationml/2006/main" xmlns:r="http://schemas.openxmlformats.org/officeDocument/2006/relationships" xmlns:p14="http://schemas.microsoft.com/office/powerpoint/2010/main" xmlns:p15="http://schemas.microsoft.com/office/powerpoint/2012/main" xmlns:mc="http://schemas.openxmlformats.org/markup-compatibility/2006">
+<p:sld xmlns:a="http://schemas.openxmlformats.org/drawingml/2006/main" xmlns:r="http://schemas.openxmlformats.org/officeDocument/2006/relationships" xmlns:p="http://schemas.openxmlformats.org/presentationml/2006/main">
   <p:cSld>
     <p:spTree>
       <p:nvGrpSpPr>
@@ -5025,15 +5983,22 @@
           </a:ln>
         </p:spPr>
         <p:style>
-          <a:lnRef idx="0"/>
-          <a:fillRef idx="0"/>
-          <a:effectRef idx="0"/>
+          <a:lnRef idx="0">
+            <a:scrgbClr r="0" g="0" b="0"/>
+          </a:lnRef>
+          <a:fillRef idx="0">
+            <a:scrgbClr r="0" g="0" b="0"/>
+          </a:fillRef>
+          <a:effectRef idx="0">
+            <a:scrgbClr r="0" g="0" b="0"/>
+          </a:effectRef>
           <a:fontRef idx="minor"/>
         </p:style>
         <p:txBody>
-          <a:bodyPr lIns="0" rIns="0" tIns="0" bIns="0" anchor="b">
+          <a:bodyPr lIns="0" tIns="0" rIns="0" bIns="0" anchor="b">
             <a:noAutofit/>
           </a:bodyPr>
+          <a:lstStyle/>
           <a:p>
             <a:pPr algn="ctr">
               <a:lnSpc>
@@ -5042,16 +6007,16 @@
               <a:buNone/>
             </a:pPr>
             <a:r>
-              <a:rPr b="1" lang="en-US" sz="5400" spc="-1" strike="noStrike">
+              <a:rPr lang="en-US" sz="5400" b="1" strike="noStrike" spc="-1">
                 <a:solidFill>
-                  <a:srgbClr val="90c226"/>
+                  <a:srgbClr val="90C226"/>
                 </a:solidFill>
                 <a:latin typeface="Times New Roman"/>
                 <a:ea typeface="Times New Roman"/>
               </a:rPr>
               <a:t>BÁO CÁO THỰC TẬP TỐT NGHIỆP</a:t>
             </a:r>
-            <a:endParaRPr b="0" lang="en-US" sz="5400" spc="-1" strike="noStrike">
+            <a:endParaRPr lang="en-US" sz="5400" b="0" strike="noStrike" spc="-1">
               <a:latin typeface="Arial"/>
             </a:endParaRPr>
           </a:p>
@@ -5077,15 +6042,22 @@
           </a:ln>
         </p:spPr>
         <p:style>
-          <a:lnRef idx="0"/>
-          <a:fillRef idx="0"/>
-          <a:effectRef idx="0"/>
+          <a:lnRef idx="0">
+            <a:scrgbClr r="0" g="0" b="0"/>
+          </a:lnRef>
+          <a:fillRef idx="0">
+            <a:scrgbClr r="0" g="0" b="0"/>
+          </a:fillRef>
+          <a:effectRef idx="0">
+            <a:scrgbClr r="0" g="0" b="0"/>
+          </a:effectRef>
           <a:fontRef idx="minor"/>
         </p:style>
         <p:txBody>
-          <a:bodyPr lIns="0" rIns="0" tIns="0" bIns="0" anchor="t">
+          <a:bodyPr lIns="0" tIns="0" rIns="0" bIns="0" anchor="t">
             <a:normAutofit/>
           </a:bodyPr>
+          <a:lstStyle/>
           <a:p>
             <a:pPr>
               <a:lnSpc>
@@ -5094,7 +6066,7 @@
               <a:buNone/>
             </a:pPr>
             <a:r>
-              <a:rPr b="0" lang="en-US" sz="2400" spc="-1" strike="noStrike">
+              <a:rPr lang="en-US" sz="2400" b="0" strike="noStrike" spc="-1">
                 <a:solidFill>
                   <a:srgbClr val="000000"/>
                 </a:solidFill>
@@ -5103,7 +6075,7 @@
               </a:rPr>
               <a:t>Họ và tên HSSV: Phan Tài Đức</a:t>
             </a:r>
-            <a:endParaRPr b="0" lang="en-US" sz="2400" spc="-1" strike="noStrike">
+            <a:endParaRPr lang="en-US" sz="2400" b="0" strike="noStrike" spc="-1">
               <a:latin typeface="Arial"/>
             </a:endParaRPr>
           </a:p>
@@ -5115,7 +6087,7 @@
               <a:buNone/>
             </a:pPr>
             <a:r>
-              <a:rPr b="0" lang="en-US" sz="2400" spc="-1" strike="noStrike">
+              <a:rPr lang="en-US" sz="2400" b="0" strike="noStrike" spc="-1">
                 <a:solidFill>
                   <a:srgbClr val="000000"/>
                 </a:solidFill>
@@ -5124,7 +6096,7 @@
               </a:rPr>
               <a:t>MSSV: 19211TT1501 </a:t>
             </a:r>
-            <a:endParaRPr b="0" lang="en-US" sz="2400" spc="-1" strike="noStrike">
+            <a:endParaRPr lang="en-US" sz="2400" b="0" strike="noStrike" spc="-1">
               <a:latin typeface="Arial"/>
             </a:endParaRPr>
           </a:p>
@@ -5136,7 +6108,7 @@
               <a:buNone/>
             </a:pPr>
             <a:r>
-              <a:rPr b="0" lang="en-US" sz="2400" spc="-1" strike="noStrike">
+              <a:rPr lang="en-US" sz="2400" b="0" strike="noStrike" spc="-1">
                 <a:solidFill>
                   <a:srgbClr val="000000"/>
                 </a:solidFill>
@@ -5145,7 +6117,7 @@
               </a:rPr>
               <a:t>Lớp: CD19TT3</a:t>
             </a:r>
-            <a:endParaRPr b="0" lang="en-US" sz="2400" spc="-1" strike="noStrike">
+            <a:endParaRPr lang="en-US" sz="2400" b="0" strike="noStrike" spc="-1">
               <a:latin typeface="Arial"/>
             </a:endParaRPr>
           </a:p>
@@ -5153,19 +6125,14 @@
       </p:sp>
     </p:spTree>
   </p:cSld>
-  <mc:AlternateContent>
-    <mc:Choice Requires="p14">
-      <p:transition spd="slow" p14:dur="2000"/>
-    </mc:Choice>
-    <mc:Fallback>
-      <p:transition spd="slow"/>
-    </mc:Fallback>
-  </mc:AlternateContent>
+  <p:clrMapOvr>
+    <a:masterClrMapping/>
+  </p:clrMapOvr>
 </p:sld>
 </file>
 
 <file path=ppt/slides/slide2.xml><?xml version="1.0" encoding="utf-8"?>
-<p:sld xmlns:a="http://schemas.openxmlformats.org/drawingml/2006/main" xmlns:p="http://schemas.openxmlformats.org/presentationml/2006/main" xmlns:r="http://schemas.openxmlformats.org/officeDocument/2006/relationships" xmlns:p14="http://schemas.microsoft.com/office/powerpoint/2010/main" xmlns:p15="http://schemas.microsoft.com/office/powerpoint/2012/main" xmlns:mc="http://schemas.openxmlformats.org/markup-compatibility/2006">
+<p:sld xmlns:a="http://schemas.openxmlformats.org/drawingml/2006/main" xmlns:r="http://schemas.openxmlformats.org/officeDocument/2006/relationships" xmlns:p="http://schemas.openxmlformats.org/presentationml/2006/main">
   <p:cSld>
     <p:spTree>
       <p:nvGrpSpPr>
@@ -5201,15 +6168,22 @@
           </a:ln>
         </p:spPr>
         <p:style>
-          <a:lnRef idx="0"/>
-          <a:fillRef idx="0"/>
-          <a:effectRef idx="0"/>
+          <a:lnRef idx="0">
+            <a:scrgbClr r="0" g="0" b="0"/>
+          </a:lnRef>
+          <a:fillRef idx="0">
+            <a:scrgbClr r="0" g="0" b="0"/>
+          </a:fillRef>
+          <a:effectRef idx="0">
+            <a:scrgbClr r="0" g="0" b="0"/>
+          </a:effectRef>
           <a:fontRef idx="minor"/>
         </p:style>
         <p:txBody>
-          <a:bodyPr lIns="90000" rIns="90000" tIns="45000" bIns="45000" anchor="t">
+          <a:bodyPr lIns="90000" tIns="45000" rIns="90000" bIns="45000" anchor="t">
             <a:normAutofit/>
           </a:bodyPr>
+          <a:lstStyle/>
           <a:p>
             <a:pPr>
               <a:lnSpc>
@@ -5218,16 +6192,16 @@
               <a:buNone/>
             </a:pPr>
             <a:r>
-              <a:rPr b="0" lang="en-US" sz="3600" spc="-1" strike="noStrike">
+              <a:rPr lang="en-US" sz="3600" b="0" strike="noStrike" spc="-1">
                 <a:solidFill>
-                  <a:srgbClr val="90c226"/>
+                  <a:srgbClr val="90C226"/>
                 </a:solidFill>
                 <a:latin typeface="Times New Roman"/>
                 <a:ea typeface="Times New Roman"/>
               </a:rPr>
               <a:t>Giới Thiệu </a:t>
             </a:r>
-            <a:endParaRPr b="0" lang="en-US" sz="3600" spc="-1" strike="noStrike">
+            <a:endParaRPr lang="en-US" sz="3600" b="0" strike="noStrike" spc="-1">
               <a:latin typeface="Arial"/>
             </a:endParaRPr>
           </a:p>
@@ -5253,15 +6227,22 @@
           </a:ln>
         </p:spPr>
         <p:style>
-          <a:lnRef idx="0"/>
-          <a:fillRef idx="0"/>
-          <a:effectRef idx="0"/>
+          <a:lnRef idx="0">
+            <a:scrgbClr r="0" g="0" b="0"/>
+          </a:lnRef>
+          <a:fillRef idx="0">
+            <a:scrgbClr r="0" g="0" b="0"/>
+          </a:fillRef>
+          <a:effectRef idx="0">
+            <a:scrgbClr r="0" g="0" b="0"/>
+          </a:effectRef>
           <a:fontRef idx="minor"/>
         </p:style>
         <p:txBody>
-          <a:bodyPr lIns="90000" rIns="90000" tIns="45000" bIns="45000" anchor="t">
+          <a:bodyPr lIns="90000" tIns="45000" rIns="90000" bIns="45000" anchor="t">
             <a:normAutofit/>
           </a:bodyPr>
+          <a:lstStyle/>
           <a:p>
             <a:pPr>
               <a:lnSpc>
@@ -5270,72 +6251,215 @@
               <a:buNone/>
             </a:pPr>
             <a:r>
-              <a:rPr b="0" lang="en-US" sz="1800" spc="-1" strike="noStrike">
+              <a:rPr lang="vi-VN" b="1" i="0" dirty="0">
                 <a:solidFill>
-                  <a:srgbClr val="3f3f3f"/>
+                  <a:srgbClr val="212529"/>
+                </a:solidFill>
+                <a:effectLst/>
+                <a:latin typeface="-apple-system"/>
+              </a:rPr>
+              <a:t>Đất Việt Software</a:t>
+            </a:r>
+            <a:r>
+              <a:rPr lang="vi-VN" b="0" i="0" dirty="0">
+                <a:solidFill>
+                  <a:srgbClr val="212529"/>
+                </a:solidFill>
+                <a:effectLst/>
+                <a:latin typeface="-apple-system"/>
+              </a:rPr>
+              <a:t> được thành lập vào tháng 10 năm 2011. Với tiền thân là một đội ngũ chuyên gia phần mềm và giải pháp viễn thông có kinh nghiệm từ Hàn Quốc. Chuyên môn của chúng tôi bao gồm xây dựng các giải pháp phát triển phần mềm, ứng dụng di động và dịch vụ đám mây. </a:t>
+            </a:r>
+            <a:endParaRPr lang="en-US" b="0" i="0" dirty="0">
+              <a:solidFill>
+                <a:srgbClr val="212529"/>
+              </a:solidFill>
+              <a:effectLst/>
+              <a:latin typeface="-apple-system"/>
+            </a:endParaRPr>
+          </a:p>
+          <a:p>
+            <a:pPr>
+              <a:lnSpc>
+                <a:spcPct val="100000"/>
+              </a:lnSpc>
+              <a:buNone/>
+            </a:pPr>
+            <a:r>
+              <a:rPr lang="vi-VN" b="0" i="0" dirty="0">
+                <a:solidFill>
+                  <a:srgbClr val="0C0C0C"/>
+                </a:solidFill>
+                <a:effectLst/>
+                <a:latin typeface="Tahoma" panose="020B0604030504040204" pitchFamily="34" charset="0"/>
+              </a:rPr>
+              <a:t>Địa chỉ: Tầng 22, Tòa S1.06,Vinhomes Grand Park, đường Nguyễn Xiển – Phước Thiện, Phường Long Thạnh Mỹ, TP. Thủ Đức, TP HCM</a:t>
+            </a:r>
+            <a:endParaRPr lang="en-US" dirty="0">
+              <a:solidFill>
+                <a:srgbClr val="212529"/>
+              </a:solidFill>
+              <a:latin typeface="-apple-system"/>
+            </a:endParaRPr>
+          </a:p>
+          <a:p>
+            <a:pPr>
+              <a:lnSpc>
+                <a:spcPct val="100000"/>
+              </a:lnSpc>
+              <a:buNone/>
+            </a:pPr>
+            <a:r>
+              <a:rPr lang="en-US" sz="1800" b="0" strike="noStrike" spc="-1" dirty="0" err="1">
+                <a:solidFill>
+                  <a:srgbClr val="3F3F3F"/>
                 </a:solidFill>
                 <a:latin typeface="Times New Roman"/>
                 <a:ea typeface="Times New Roman"/>
               </a:rPr>
-              <a:t>CÔNG TY CỔ PHẦN GIẢI PHÁP CÔNG NGHỆ MCOM được thành lập vào ngày 3/2018. Trong đó ông Minh Đức Uy là CEO &amp; Founder. Là một công ty truyền thông làm rất nhiều lĩnh vực như tư vấn công nghệ, phát triển công nghệ và cung cấp phần mềm đóng gói</a:t>
+              <a:t>Phòng</a:t>
             </a:r>
-            <a:endParaRPr b="0" lang="en-US" sz="1800" spc="-1" strike="noStrike">
-              <a:latin typeface="Arial"/>
-            </a:endParaRPr>
-          </a:p>
-          <a:p>
-            <a:pPr marL="343080" indent="-342000">
-              <a:lnSpc>
-                <a:spcPct val="100000"/>
-              </a:lnSpc>
-              <a:spcBef>
-                <a:spcPts val="1001"/>
-              </a:spcBef>
-              <a:buClr>
-                <a:srgbClr val="90c226"/>
-              </a:buClr>
-              <a:buFont typeface="Noto Sans Symbols"/>
-              <a:buChar char="⮚"/>
-            </a:pPr>
             <a:r>
-              <a:rPr b="0" lang="en-US" sz="1800" spc="-1" strike="noStrike">
+              <a:rPr lang="en-US" sz="1800" b="0" strike="noStrike" spc="-1" dirty="0">
                 <a:solidFill>
-                  <a:srgbClr val="3f3f3f"/>
+                  <a:srgbClr val="3F3F3F"/>
                 </a:solidFill>
                 <a:latin typeface="Times New Roman"/>
                 <a:ea typeface="Times New Roman"/>
               </a:rPr>
-              <a:t>Cơ sở công ty nằm ở phường Đa Kao, quận 1.</a:t>
+              <a:t> ban IT </a:t>
             </a:r>
-            <a:endParaRPr b="0" lang="en-US" sz="1800" spc="-1" strike="noStrike">
-              <a:latin typeface="Arial"/>
-            </a:endParaRPr>
-          </a:p>
-          <a:p>
-            <a:pPr marL="343080" indent="-342000">
-              <a:lnSpc>
-                <a:spcPct val="100000"/>
-              </a:lnSpc>
-              <a:spcBef>
-                <a:spcPts val="1001"/>
-              </a:spcBef>
-              <a:buClr>
-                <a:srgbClr val="90c226"/>
-              </a:buClr>
-              <a:buFont typeface="Noto Sans Symbols"/>
-              <a:buChar char="⮚"/>
-            </a:pPr>
             <a:r>
-              <a:rPr b="0" lang="en-US" sz="1800" spc="-1" strike="noStrike">
+              <a:rPr lang="en-US" sz="1800" b="0" strike="noStrike" spc="-1" dirty="0" err="1">
                 <a:solidFill>
-                  <a:srgbClr val="3f3f3f"/>
+                  <a:srgbClr val="3F3F3F"/>
                 </a:solidFill>
                 <a:latin typeface="Times New Roman"/>
                 <a:ea typeface="Times New Roman"/>
               </a:rPr>
-              <a:t>Phòng ban IT của ông ty gồm những team sau: FrontEnd, Mobile, Design,  BackEnd</a:t>
+              <a:t>của</a:t>
             </a:r>
-            <a:endParaRPr b="0" lang="en-US" sz="1800" spc="-1" strike="noStrike">
+            <a:r>
+              <a:rPr lang="en-US" sz="1800" b="0" strike="noStrike" spc="-1" dirty="0">
+                <a:solidFill>
+                  <a:srgbClr val="3F3F3F"/>
+                </a:solidFill>
+                <a:latin typeface="Times New Roman"/>
+                <a:ea typeface="Times New Roman"/>
+              </a:rPr>
+              <a:t> </a:t>
+            </a:r>
+            <a:r>
+              <a:rPr lang="en-US" sz="1800" b="0" strike="noStrike" spc="-1" dirty="0" err="1">
+                <a:solidFill>
+                  <a:srgbClr val="3F3F3F"/>
+                </a:solidFill>
+                <a:latin typeface="Times New Roman"/>
+                <a:ea typeface="Times New Roman"/>
+              </a:rPr>
+              <a:t>ông</a:t>
+            </a:r>
+            <a:r>
+              <a:rPr lang="en-US" sz="1800" b="0" strike="noStrike" spc="-1" dirty="0">
+                <a:solidFill>
+                  <a:srgbClr val="3F3F3F"/>
+                </a:solidFill>
+                <a:latin typeface="Times New Roman"/>
+                <a:ea typeface="Times New Roman"/>
+              </a:rPr>
+              <a:t> ty </a:t>
+            </a:r>
+            <a:r>
+              <a:rPr lang="en-US" sz="1800" b="0" strike="noStrike" spc="-1" dirty="0" err="1">
+                <a:solidFill>
+                  <a:srgbClr val="3F3F3F"/>
+                </a:solidFill>
+                <a:latin typeface="Times New Roman"/>
+                <a:ea typeface="Times New Roman"/>
+              </a:rPr>
+              <a:t>gồm</a:t>
+            </a:r>
+            <a:r>
+              <a:rPr lang="en-US" sz="1800" b="0" strike="noStrike" spc="-1" dirty="0">
+                <a:solidFill>
+                  <a:srgbClr val="3F3F3F"/>
+                </a:solidFill>
+                <a:latin typeface="Times New Roman"/>
+                <a:ea typeface="Times New Roman"/>
+              </a:rPr>
+              <a:t> </a:t>
+            </a:r>
+            <a:r>
+              <a:rPr lang="en-US" sz="1800" b="0" strike="noStrike" spc="-1" dirty="0" err="1">
+                <a:solidFill>
+                  <a:srgbClr val="3F3F3F"/>
+                </a:solidFill>
+                <a:latin typeface="Times New Roman"/>
+                <a:ea typeface="Times New Roman"/>
+              </a:rPr>
+              <a:t>những</a:t>
+            </a:r>
+            <a:r>
+              <a:rPr lang="en-US" sz="1800" b="0" strike="noStrike" spc="-1" dirty="0">
+                <a:solidFill>
+                  <a:srgbClr val="3F3F3F"/>
+                </a:solidFill>
+                <a:latin typeface="Times New Roman"/>
+                <a:ea typeface="Times New Roman"/>
+              </a:rPr>
+              <a:t> team </a:t>
+            </a:r>
+            <a:r>
+              <a:rPr lang="en-US" sz="1800" b="0" strike="noStrike" spc="-1" dirty="0" err="1">
+                <a:solidFill>
+                  <a:srgbClr val="3F3F3F"/>
+                </a:solidFill>
+                <a:latin typeface="Times New Roman"/>
+                <a:ea typeface="Times New Roman"/>
+              </a:rPr>
+              <a:t>sau</a:t>
+            </a:r>
+            <a:r>
+              <a:rPr lang="en-US" sz="1800" b="0" strike="noStrike" spc="-1" dirty="0">
+                <a:solidFill>
+                  <a:srgbClr val="3F3F3F"/>
+                </a:solidFill>
+                <a:latin typeface="Times New Roman"/>
+                <a:ea typeface="Times New Roman"/>
+              </a:rPr>
+              <a:t>: </a:t>
+            </a:r>
+            <a:r>
+              <a:rPr lang="en-US" sz="1800" b="0" strike="noStrike" spc="-1" dirty="0" err="1">
+                <a:solidFill>
+                  <a:srgbClr val="3F3F3F"/>
+                </a:solidFill>
+                <a:latin typeface="Times New Roman"/>
+                <a:ea typeface="Times New Roman"/>
+              </a:rPr>
+              <a:t>FrontEnd</a:t>
+            </a:r>
+            <a:r>
+              <a:rPr lang="en-US" sz="1800" b="0" strike="noStrike" spc="-1" dirty="0">
+                <a:solidFill>
+                  <a:srgbClr val="3F3F3F"/>
+                </a:solidFill>
+                <a:latin typeface="Times New Roman"/>
+                <a:ea typeface="Times New Roman"/>
+              </a:rPr>
+              <a:t>, Mobile, Design,  </a:t>
+            </a:r>
+            <a:r>
+              <a:rPr lang="en-US" sz="1800" b="0" strike="noStrike" spc="-1" dirty="0" err="1">
+                <a:solidFill>
+                  <a:srgbClr val="3F3F3F"/>
+                </a:solidFill>
+                <a:latin typeface="Times New Roman"/>
+                <a:ea typeface="Times New Roman"/>
+              </a:rPr>
+              <a:t>BackEnd</a:t>
+            </a:r>
+            <a:endParaRPr lang="en-US" sz="1800" b="0" strike="noStrike" spc="-1" dirty="0">
               <a:latin typeface="Arial"/>
             </a:endParaRPr>
           </a:p>
@@ -5343,19 +6467,14 @@
       </p:sp>
     </p:spTree>
   </p:cSld>
-  <mc:AlternateContent>
-    <mc:Choice Requires="p14">
-      <p:transition spd="slow" p14:dur="2000"/>
-    </mc:Choice>
-    <mc:Fallback>
-      <p:transition spd="slow"/>
-    </mc:Fallback>
-  </mc:AlternateContent>
+  <p:clrMapOvr>
+    <a:masterClrMapping/>
+  </p:clrMapOvr>
 </p:sld>
 </file>
 
 <file path=ppt/slides/slide3.xml><?xml version="1.0" encoding="utf-8"?>
-<p:sld xmlns:a="http://schemas.openxmlformats.org/drawingml/2006/main" xmlns:p="http://schemas.openxmlformats.org/presentationml/2006/main" xmlns:r="http://schemas.openxmlformats.org/officeDocument/2006/relationships" xmlns:p14="http://schemas.microsoft.com/office/powerpoint/2010/main" xmlns:p15="http://schemas.microsoft.com/office/powerpoint/2012/main" xmlns:mc="http://schemas.openxmlformats.org/markup-compatibility/2006">
+<p:sld xmlns:a="http://schemas.openxmlformats.org/drawingml/2006/main" xmlns:r="http://schemas.openxmlformats.org/officeDocument/2006/relationships" xmlns:p="http://schemas.openxmlformats.org/presentationml/2006/main">
   <p:cSld>
     <p:spTree>
       <p:nvGrpSpPr>
@@ -5391,15 +6510,22 @@
           </a:ln>
         </p:spPr>
         <p:style>
-          <a:lnRef idx="0"/>
-          <a:fillRef idx="0"/>
-          <a:effectRef idx="0"/>
+          <a:lnRef idx="0">
+            <a:scrgbClr r="0" g="0" b="0"/>
+          </a:lnRef>
+          <a:fillRef idx="0">
+            <a:scrgbClr r="0" g="0" b="0"/>
+          </a:fillRef>
+          <a:effectRef idx="0">
+            <a:scrgbClr r="0" g="0" b="0"/>
+          </a:effectRef>
           <a:fontRef idx="minor"/>
         </p:style>
         <p:txBody>
-          <a:bodyPr lIns="90000" rIns="90000" tIns="45000" bIns="45000" anchor="t">
+          <a:bodyPr lIns="90000" tIns="45000" rIns="90000" bIns="45000" anchor="t">
             <a:normAutofit/>
           </a:bodyPr>
+          <a:lstStyle/>
           <a:p>
             <a:pPr>
               <a:lnSpc>
@@ -5408,16 +6534,16 @@
               <a:buNone/>
             </a:pPr>
             <a:r>
-              <a:rPr b="0" lang="en-US" sz="3600" spc="-1" strike="noStrike">
+              <a:rPr lang="en-US" sz="3600" b="0" strike="noStrike" spc="-1">
                 <a:solidFill>
-                  <a:srgbClr val="90c226"/>
+                  <a:srgbClr val="90C226"/>
                 </a:solidFill>
                 <a:latin typeface="Times New Roman"/>
                 <a:ea typeface="Times New Roman"/>
               </a:rPr>
               <a:t>Các Công Việc Đã Làm</a:t>
             </a:r>
-            <a:endParaRPr b="0" lang="en-US" sz="3600" spc="-1" strike="noStrike">
+            <a:endParaRPr lang="en-US" sz="3600" b="0" strike="noStrike" spc="-1">
               <a:latin typeface="Arial"/>
             </a:endParaRPr>
           </a:p>
@@ -5443,37 +6569,44 @@
           </a:ln>
         </p:spPr>
         <p:style>
-          <a:lnRef idx="0"/>
-          <a:fillRef idx="0"/>
-          <a:effectRef idx="0"/>
+          <a:lnRef idx="0">
+            <a:scrgbClr r="0" g="0" b="0"/>
+          </a:lnRef>
+          <a:fillRef idx="0">
+            <a:scrgbClr r="0" g="0" b="0"/>
+          </a:fillRef>
+          <a:effectRef idx="0">
+            <a:scrgbClr r="0" g="0" b="0"/>
+          </a:effectRef>
           <a:fontRef idx="minor"/>
         </p:style>
         <p:txBody>
-          <a:bodyPr lIns="90000" rIns="90000" tIns="45000" bIns="45000" anchor="t">
+          <a:bodyPr lIns="90000" tIns="45000" rIns="90000" bIns="45000" anchor="t">
             <a:normAutofit/>
           </a:bodyPr>
+          <a:lstStyle/>
           <a:p>
             <a:pPr marL="343080" indent="-342000">
               <a:lnSpc>
                 <a:spcPct val="100000"/>
               </a:lnSpc>
               <a:buClr>
-                <a:srgbClr val="90c226"/>
+                <a:srgbClr val="90C226"/>
               </a:buClr>
               <a:buFont typeface="Noto Sans Symbols"/>
               <a:buChar char="⮚"/>
             </a:pPr>
             <a:r>
-              <a:rPr b="0" lang="en-US" sz="1800" spc="-1" strike="noStrike">
+              <a:rPr lang="en-US" sz="1800" b="0" strike="noStrike" spc="-1">
                 <a:solidFill>
-                  <a:srgbClr val="3f3f3f"/>
+                  <a:srgbClr val="3F3F3F"/>
                 </a:solidFill>
                 <a:latin typeface="Times New Roman"/>
                 <a:ea typeface="Times New Roman"/>
               </a:rPr>
               <a:t>Xây dựng các API bằng Nodejs, GraphQL,Typescript cho phía FrontEnd và Mobile sử dụng, cụ thể  là các API như CRUD User, Product, Order,...</a:t>
             </a:r>
-            <a:endParaRPr b="0" lang="en-US" sz="1800" spc="-1" strike="noStrike">
+            <a:endParaRPr lang="en-US" sz="1800" b="0" strike="noStrike" spc="-1">
               <a:latin typeface="Arial"/>
             </a:endParaRPr>
           </a:p>
@@ -5486,22 +6619,22 @@
                 <a:spcPts val="1001"/>
               </a:spcBef>
               <a:buClr>
-                <a:srgbClr val="90c226"/>
+                <a:srgbClr val="90C226"/>
               </a:buClr>
               <a:buFont typeface="Noto Sans Symbols"/>
               <a:buChar char="⮚"/>
             </a:pPr>
             <a:r>
-              <a:rPr b="0" lang="en-US" sz="1800" spc="-1" strike="noStrike">
+              <a:rPr lang="en-US" sz="1800" b="0" strike="noStrike" spc="-1">
                 <a:solidFill>
-                  <a:srgbClr val="3f3f3f"/>
+                  <a:srgbClr val="3F3F3F"/>
                 </a:solidFill>
                 <a:latin typeface="Times New Roman"/>
                 <a:ea typeface="Times New Roman"/>
               </a:rPr>
               <a:t>Tối ưu hiệu năng, tốc độ truy vấn dữ liệu phía Backend</a:t>
             </a:r>
-            <a:endParaRPr b="0" lang="en-US" sz="1800" spc="-1" strike="noStrike">
+            <a:endParaRPr lang="en-US" sz="1800" b="0" strike="noStrike" spc="-1">
               <a:latin typeface="Arial"/>
             </a:endParaRPr>
           </a:p>
@@ -5514,22 +6647,22 @@
                 <a:spcPts val="1001"/>
               </a:spcBef>
               <a:buClr>
-                <a:srgbClr val="90c226"/>
+                <a:srgbClr val="90C226"/>
               </a:buClr>
               <a:buFont typeface="Noto Sans Symbols"/>
               <a:buChar char="⮚"/>
             </a:pPr>
             <a:r>
-              <a:rPr b="0" lang="en-US" sz="1800" spc="-1" strike="noStrike">
+              <a:rPr lang="en-US" sz="1800" b="0" strike="noStrike" spc="-1">
                 <a:solidFill>
-                  <a:srgbClr val="3f3f3f"/>
+                  <a:srgbClr val="3F3F3F"/>
                 </a:solidFill>
                 <a:latin typeface="Times New Roman"/>
                 <a:ea typeface="Times New Roman"/>
               </a:rPr>
               <a:t>Tìm kiếm và sửa những bug tồn tại trước đó do các lập trình viên cũ để lại</a:t>
             </a:r>
-            <a:endParaRPr b="0" lang="en-US" sz="1800" spc="-1" strike="noStrike">
+            <a:endParaRPr lang="en-US" sz="1800" b="0" strike="noStrike" spc="-1">
               <a:latin typeface="Arial"/>
             </a:endParaRPr>
           </a:p>
@@ -5542,22 +6675,22 @@
                 <a:spcPts val="1001"/>
               </a:spcBef>
               <a:buClr>
-                <a:srgbClr val="90c226"/>
+                <a:srgbClr val="90C226"/>
               </a:buClr>
               <a:buFont typeface="Noto Sans Symbols"/>
               <a:buChar char="⮚"/>
             </a:pPr>
             <a:r>
-              <a:rPr b="0" lang="en-US" sz="1800" spc="-1" strike="noStrike">
+              <a:rPr lang="en-US" sz="1800" b="0" strike="noStrike" spc="-1">
                 <a:solidFill>
-                  <a:srgbClr val="3f3f3f"/>
+                  <a:srgbClr val="3F3F3F"/>
                 </a:solidFill>
                 <a:latin typeface="Times New Roman"/>
                 <a:ea typeface="Times New Roman"/>
               </a:rPr>
               <a:t>Xây dựng hệ thống phân quyền và xác thực người dùng, cụ thể là sẽ sử dụng JWT cho việc xác thực người dùng, CASL (một package của nodejs) cho việc phân quyền</a:t>
             </a:r>
-            <a:endParaRPr b="0" lang="en-US" sz="1800" spc="-1" strike="noStrike">
+            <a:endParaRPr lang="en-US" sz="1800" b="0" strike="noStrike" spc="-1">
               <a:latin typeface="Arial"/>
             </a:endParaRPr>
           </a:p>
@@ -5571,7 +6704,7 @@
               </a:spcBef>
               <a:buNone/>
             </a:pPr>
-            <a:endParaRPr b="0" lang="en-US" sz="1800" spc="-1" strike="noStrike">
+            <a:endParaRPr lang="en-US" sz="1800" b="0" strike="noStrike" spc="-1">
               <a:latin typeface="Arial"/>
             </a:endParaRPr>
           </a:p>
@@ -5585,7 +6718,7 @@
               </a:spcBef>
               <a:buNone/>
             </a:pPr>
-            <a:endParaRPr b="0" lang="en-US" sz="1800" spc="-1" strike="noStrike">
+            <a:endParaRPr lang="en-US" sz="1800" b="0" strike="noStrike" spc="-1">
               <a:latin typeface="Arial"/>
             </a:endParaRPr>
           </a:p>
@@ -5593,30 +6726,7 @@
       </p:sp>
       <p:pic>
         <p:nvPicPr>
-          <p:cNvPr id="115" name="" descr=""/>
-          <p:cNvPicPr/>
-          <p:nvPr/>
-        </p:nvPicPr>
-        <p:blipFill>
-          <a:blip r:embed="rId1"/>
-          <a:stretch/>
-        </p:blipFill>
-        <p:spPr>
-          <a:xfrm>
-            <a:off x="1174680" y="4023360"/>
-            <a:ext cx="2686680" cy="1645560"/>
-          </a:xfrm>
-          <a:prstGeom prst="rect">
-            <a:avLst/>
-          </a:prstGeom>
-          <a:ln w="0">
-            <a:noFill/>
-          </a:ln>
-        </p:spPr>
-      </p:pic>
-      <p:pic>
-        <p:nvPicPr>
-          <p:cNvPr id="116" name="" descr=""/>
+          <p:cNvPr id="115" name="Picture 114"/>
           <p:cNvPicPr/>
           <p:nvPr/>
         </p:nvPicPr>
@@ -5626,8 +6736,8 @@
         </p:blipFill>
         <p:spPr>
           <a:xfrm>
-            <a:off x="4074840" y="3983400"/>
-            <a:ext cx="2142720" cy="2142720"/>
+            <a:off x="1174680" y="4023360"/>
+            <a:ext cx="2686680" cy="1645560"/>
           </a:xfrm>
           <a:prstGeom prst="rect">
             <a:avLst/>
@@ -5639,7 +6749,7 @@
       </p:pic>
       <p:pic>
         <p:nvPicPr>
-          <p:cNvPr id="117" name="" descr=""/>
+          <p:cNvPr id="116" name="Picture 115"/>
           <p:cNvPicPr/>
           <p:nvPr/>
         </p:nvPicPr>
@@ -5649,8 +6759,8 @@
         </p:blipFill>
         <p:spPr>
           <a:xfrm>
-            <a:off x="6528600" y="3968280"/>
-            <a:ext cx="2157840" cy="2157840"/>
+            <a:off x="4074840" y="3983400"/>
+            <a:ext cx="2142720" cy="2142720"/>
           </a:xfrm>
           <a:prstGeom prst="rect">
             <a:avLst/>
@@ -5662,7 +6772,7 @@
       </p:pic>
       <p:pic>
         <p:nvPicPr>
-          <p:cNvPr id="118" name="" descr=""/>
+          <p:cNvPr id="117" name="Picture 116"/>
           <p:cNvPicPr/>
           <p:nvPr/>
         </p:nvPicPr>
@@ -5672,6 +6782,29 @@
         </p:blipFill>
         <p:spPr>
           <a:xfrm>
+            <a:off x="6528600" y="3968280"/>
+            <a:ext cx="2157840" cy="2157840"/>
+          </a:xfrm>
+          <a:prstGeom prst="rect">
+            <a:avLst/>
+          </a:prstGeom>
+          <a:ln w="0">
+            <a:noFill/>
+          </a:ln>
+        </p:spPr>
+      </p:pic>
+      <p:pic>
+        <p:nvPicPr>
+          <p:cNvPr id="118" name="Picture 117"/>
+          <p:cNvPicPr/>
+          <p:nvPr/>
+        </p:nvPicPr>
+        <p:blipFill>
+          <a:blip r:embed="rId5"/>
+          <a:stretch/>
+        </p:blipFill>
+        <p:spPr>
+          <a:xfrm>
             <a:off x="9553320" y="3840480"/>
             <a:ext cx="1967760" cy="2377080"/>
           </a:xfrm>
@@ -5685,19 +6818,14 @@
       </p:pic>
     </p:spTree>
   </p:cSld>
-  <mc:AlternateContent>
-    <mc:Choice Requires="p14">
-      <p:transition spd="slow" p14:dur="2000"/>
-    </mc:Choice>
-    <mc:Fallback>
-      <p:transition spd="slow"/>
-    </mc:Fallback>
-  </mc:AlternateContent>
+  <p:clrMapOvr>
+    <a:masterClrMapping/>
+  </p:clrMapOvr>
 </p:sld>
 </file>
 
 <file path=ppt/slides/slide4.xml><?xml version="1.0" encoding="utf-8"?>
-<p:sld xmlns:a="http://schemas.openxmlformats.org/drawingml/2006/main" xmlns:p="http://schemas.openxmlformats.org/presentationml/2006/main" xmlns:r="http://schemas.openxmlformats.org/officeDocument/2006/relationships" xmlns:p14="http://schemas.microsoft.com/office/powerpoint/2010/main" xmlns:p15="http://schemas.microsoft.com/office/powerpoint/2012/main" xmlns:mc="http://schemas.openxmlformats.org/markup-compatibility/2006">
+<p:sld xmlns:a="http://schemas.openxmlformats.org/drawingml/2006/main" xmlns:r="http://schemas.openxmlformats.org/officeDocument/2006/relationships" xmlns:p="http://schemas.openxmlformats.org/presentationml/2006/main">
   <p:cSld>
     <p:spTree>
       <p:nvGrpSpPr>
@@ -5733,15 +6861,22 @@
           </a:ln>
         </p:spPr>
         <p:style>
-          <a:lnRef idx="0"/>
-          <a:fillRef idx="0"/>
-          <a:effectRef idx="0"/>
+          <a:lnRef idx="0">
+            <a:scrgbClr r="0" g="0" b="0"/>
+          </a:lnRef>
+          <a:fillRef idx="0">
+            <a:scrgbClr r="0" g="0" b="0"/>
+          </a:fillRef>
+          <a:effectRef idx="0">
+            <a:scrgbClr r="0" g="0" b="0"/>
+          </a:effectRef>
           <a:fontRef idx="minor"/>
         </p:style>
         <p:txBody>
-          <a:bodyPr lIns="90000" rIns="90000" tIns="45000" bIns="45000" anchor="t">
+          <a:bodyPr lIns="90000" tIns="45000" rIns="90000" bIns="45000" anchor="t">
             <a:normAutofit/>
           </a:bodyPr>
+          <a:lstStyle/>
           <a:p>
             <a:pPr>
               <a:lnSpc>
@@ -5750,16 +6885,16 @@
               <a:buNone/>
             </a:pPr>
             <a:r>
-              <a:rPr b="0" lang="en-US" sz="3600" spc="-1" strike="noStrike">
+              <a:rPr lang="en-US" sz="3600" b="0" strike="noStrike" spc="-1">
                 <a:solidFill>
-                  <a:srgbClr val="90c226"/>
+                  <a:srgbClr val="90C226"/>
                 </a:solidFill>
                 <a:latin typeface="Times New Roman"/>
                 <a:ea typeface="Times New Roman"/>
               </a:rPr>
               <a:t>Công việc xây dựng API</a:t>
             </a:r>
-            <a:endParaRPr b="0" lang="en-US" sz="3600" spc="-1" strike="noStrike">
+            <a:endParaRPr lang="en-US" sz="3600" b="0" strike="noStrike" spc="-1">
               <a:latin typeface="Arial"/>
             </a:endParaRPr>
           </a:p>
@@ -5785,37 +6920,44 @@
           </a:ln>
         </p:spPr>
         <p:style>
-          <a:lnRef idx="0"/>
-          <a:fillRef idx="0"/>
-          <a:effectRef idx="0"/>
+          <a:lnRef idx="0">
+            <a:scrgbClr r="0" g="0" b="0"/>
+          </a:lnRef>
+          <a:fillRef idx="0">
+            <a:scrgbClr r="0" g="0" b="0"/>
+          </a:fillRef>
+          <a:effectRef idx="0">
+            <a:scrgbClr r="0" g="0" b="0"/>
+          </a:effectRef>
           <a:fontRef idx="minor"/>
         </p:style>
         <p:txBody>
-          <a:bodyPr lIns="90000" rIns="90000" tIns="45000" bIns="45000" anchor="t">
+          <a:bodyPr lIns="90000" tIns="45000" rIns="90000" bIns="45000" anchor="t">
             <a:normAutofit/>
           </a:bodyPr>
+          <a:lstStyle/>
           <a:p>
             <a:pPr marL="343080" indent="-342000">
               <a:lnSpc>
                 <a:spcPct val="100000"/>
               </a:lnSpc>
               <a:buClr>
-                <a:srgbClr val="90c226"/>
+                <a:srgbClr val="90C226"/>
               </a:buClr>
               <a:buFont typeface="Noto Sans Symbols"/>
               <a:buChar char="⮚"/>
             </a:pPr>
             <a:r>
-              <a:rPr b="0" lang="en-US" sz="1800" spc="-1" strike="noStrike">
+              <a:rPr lang="en-US" sz="1800" b="0" strike="noStrike" spc="-1">
                 <a:solidFill>
-                  <a:srgbClr val="3f3f3f"/>
+                  <a:srgbClr val="3F3F3F"/>
                 </a:solidFill>
                 <a:latin typeface="Times New Roman"/>
                 <a:ea typeface="Times New Roman"/>
               </a:rPr>
               <a:t>Sử dụng package hygen kết hợp template CRUD mà leader đã xây dựng trước đó để tạo ra 1 API cơ bản mà không phải làm lại từ đầu</a:t>
             </a:r>
-            <a:endParaRPr b="0" lang="en-US" sz="1800" spc="-1" strike="noStrike">
+            <a:endParaRPr lang="en-US" sz="1800" b="0" strike="noStrike" spc="-1">
               <a:latin typeface="Arial"/>
             </a:endParaRPr>
           </a:p>
@@ -5828,22 +6970,22 @@
                 <a:spcPts val="1001"/>
               </a:spcBef>
               <a:buClr>
-                <a:srgbClr val="90c226"/>
+                <a:srgbClr val="90C226"/>
               </a:buClr>
               <a:buFont typeface="Noto Sans Symbols"/>
               <a:buChar char="⮚"/>
             </a:pPr>
             <a:r>
-              <a:rPr b="0" lang="en-US" sz="1800" spc="-1" strike="noStrike">
+              <a:rPr lang="en-US" sz="1800" b="0" strike="noStrike" spc="-1">
                 <a:solidFill>
-                  <a:srgbClr val="3f3f3f"/>
+                  <a:srgbClr val="3F3F3F"/>
                 </a:solidFill>
                 <a:latin typeface="Times New Roman"/>
                 <a:ea typeface="Times New Roman"/>
               </a:rPr>
               <a:t>Tiếp theo dựa vào những yêu cầu từ task mà xây dựng các field cần có cho API</a:t>
             </a:r>
-            <a:endParaRPr b="0" lang="en-US" sz="1800" spc="-1" strike="noStrike">
+            <a:endParaRPr lang="en-US" sz="1800" b="0" strike="noStrike" spc="-1">
               <a:latin typeface="Arial"/>
             </a:endParaRPr>
           </a:p>
@@ -5856,22 +6998,22 @@
                 <a:spcPts val="1001"/>
               </a:spcBef>
               <a:buClr>
-                <a:srgbClr val="90c226"/>
+                <a:srgbClr val="90C226"/>
               </a:buClr>
               <a:buFont typeface="Noto Sans Symbols"/>
               <a:buChar char="⮚"/>
             </a:pPr>
             <a:r>
-              <a:rPr b="0" lang="en-US" sz="1800" spc="-1" strike="noStrike">
+              <a:rPr lang="en-US" sz="1800" b="0" strike="noStrike" spc="-1">
                 <a:solidFill>
-                  <a:srgbClr val="3f3f3f"/>
+                  <a:srgbClr val="3F3F3F"/>
                 </a:solidFill>
                 <a:latin typeface="Times New Roman"/>
                 <a:ea typeface="Times New Roman"/>
               </a:rPr>
               <a:t>Tiếp theo sử dụng Apollo Server (1 trang web dùng call API GraphQL) để test API vừa xây dựng</a:t>
             </a:r>
-            <a:endParaRPr b="0" lang="en-US" sz="1800" spc="-1" strike="noStrike">
+            <a:endParaRPr lang="en-US" sz="1800" b="0" strike="noStrike" spc="-1">
               <a:latin typeface="Arial"/>
             </a:endParaRPr>
           </a:p>
@@ -5885,7 +7027,7 @@
               </a:spcBef>
               <a:buNone/>
             </a:pPr>
-            <a:endParaRPr b="0" lang="en-US" sz="1800" spc="-1" strike="noStrike">
+            <a:endParaRPr lang="en-US" sz="1800" b="0" strike="noStrike" spc="-1">
               <a:latin typeface="Arial"/>
             </a:endParaRPr>
           </a:p>
@@ -5899,7 +7041,7 @@
               </a:spcBef>
               <a:buNone/>
             </a:pPr>
-            <a:endParaRPr b="0" lang="en-US" sz="1800" spc="-1" strike="noStrike">
+            <a:endParaRPr lang="en-US" sz="1800" b="0" strike="noStrike" spc="-1">
               <a:latin typeface="Arial"/>
             </a:endParaRPr>
           </a:p>
@@ -5913,7 +7055,7 @@
               </a:spcBef>
               <a:buNone/>
             </a:pPr>
-            <a:endParaRPr b="0" lang="en-US" sz="1800" spc="-1" strike="noStrike">
+            <a:endParaRPr lang="en-US" sz="1800" b="0" strike="noStrike" spc="-1">
               <a:latin typeface="Arial"/>
             </a:endParaRPr>
           </a:p>
@@ -5921,30 +7063,7 @@
       </p:sp>
       <p:pic>
         <p:nvPicPr>
-          <p:cNvPr id="121" name="" descr=""/>
-          <p:cNvPicPr/>
-          <p:nvPr/>
-        </p:nvPicPr>
-        <p:blipFill>
-          <a:blip r:embed="rId1"/>
-          <a:stretch/>
-        </p:blipFill>
-        <p:spPr>
-          <a:xfrm>
-            <a:off x="640080" y="4149360"/>
-            <a:ext cx="3815280" cy="1519560"/>
-          </a:xfrm>
-          <a:prstGeom prst="rect">
-            <a:avLst/>
-          </a:prstGeom>
-          <a:ln w="0">
-            <a:noFill/>
-          </a:ln>
-        </p:spPr>
-      </p:pic>
-      <p:pic>
-        <p:nvPicPr>
-          <p:cNvPr id="122" name="" descr=""/>
+          <p:cNvPr id="121" name="Picture 120"/>
           <p:cNvPicPr/>
           <p:nvPr/>
         </p:nvPicPr>
@@ -5954,8 +7073,8 @@
         </p:blipFill>
         <p:spPr>
           <a:xfrm>
-            <a:off x="4663440" y="4389120"/>
-            <a:ext cx="3685680" cy="837360"/>
+            <a:off x="640080" y="4149360"/>
+            <a:ext cx="3815280" cy="1519560"/>
           </a:xfrm>
           <a:prstGeom prst="rect">
             <a:avLst/>
@@ -5967,7 +7086,7 @@
       </p:pic>
       <p:pic>
         <p:nvPicPr>
-          <p:cNvPr id="123" name="" descr=""/>
+          <p:cNvPr id="122" name="Picture 121"/>
           <p:cNvPicPr/>
           <p:nvPr/>
         </p:nvPicPr>
@@ -5977,6 +7096,29 @@
         </p:blipFill>
         <p:spPr>
           <a:xfrm>
+            <a:off x="4663440" y="4389120"/>
+            <a:ext cx="3685680" cy="837360"/>
+          </a:xfrm>
+          <a:prstGeom prst="rect">
+            <a:avLst/>
+          </a:prstGeom>
+          <a:ln w="0">
+            <a:noFill/>
+          </a:ln>
+        </p:spPr>
+      </p:pic>
+      <p:pic>
+        <p:nvPicPr>
+          <p:cNvPr id="123" name="Picture 122"/>
+          <p:cNvPicPr/>
+          <p:nvPr/>
+        </p:nvPicPr>
+        <p:blipFill>
+          <a:blip r:embed="rId4"/>
+          <a:stretch/>
+        </p:blipFill>
+        <p:spPr>
+          <a:xfrm>
             <a:off x="8595360" y="4114800"/>
             <a:ext cx="3314160" cy="1144440"/>
           </a:xfrm>
@@ -5990,19 +7132,14 @@
       </p:pic>
     </p:spTree>
   </p:cSld>
-  <mc:AlternateContent>
-    <mc:Choice Requires="p14">
-      <p:transition spd="slow" p14:dur="2000"/>
-    </mc:Choice>
-    <mc:Fallback>
-      <p:transition spd="slow"/>
-    </mc:Fallback>
-  </mc:AlternateContent>
+  <p:clrMapOvr>
+    <a:masterClrMapping/>
+  </p:clrMapOvr>
 </p:sld>
 </file>
 
 <file path=ppt/slides/slide5.xml><?xml version="1.0" encoding="utf-8"?>
-<p:sld xmlns:a="http://schemas.openxmlformats.org/drawingml/2006/main" xmlns:p="http://schemas.openxmlformats.org/presentationml/2006/main" xmlns:r="http://schemas.openxmlformats.org/officeDocument/2006/relationships" xmlns:p14="http://schemas.microsoft.com/office/powerpoint/2010/main" xmlns:p15="http://schemas.microsoft.com/office/powerpoint/2012/main" xmlns:mc="http://schemas.openxmlformats.org/markup-compatibility/2006">
+<p:sld xmlns:a="http://schemas.openxmlformats.org/drawingml/2006/main" xmlns:r="http://schemas.openxmlformats.org/officeDocument/2006/relationships" xmlns:p="http://schemas.openxmlformats.org/presentationml/2006/main">
   <p:cSld>
     <p:spTree>
       <p:nvGrpSpPr>
@@ -6038,15 +7175,22 @@
           </a:ln>
         </p:spPr>
         <p:style>
-          <a:lnRef idx="0"/>
-          <a:fillRef idx="0"/>
-          <a:effectRef idx="0"/>
+          <a:lnRef idx="0">
+            <a:scrgbClr r="0" g="0" b="0"/>
+          </a:lnRef>
+          <a:fillRef idx="0">
+            <a:scrgbClr r="0" g="0" b="0"/>
+          </a:fillRef>
+          <a:effectRef idx="0">
+            <a:scrgbClr r="0" g="0" b="0"/>
+          </a:effectRef>
           <a:fontRef idx="minor"/>
         </p:style>
         <p:txBody>
-          <a:bodyPr lIns="90000" rIns="90000" tIns="45000" bIns="45000" anchor="t">
+          <a:bodyPr lIns="90000" tIns="45000" rIns="90000" bIns="45000" anchor="t">
             <a:normAutofit/>
           </a:bodyPr>
+          <a:lstStyle/>
           <a:p>
             <a:pPr>
               <a:lnSpc>
@@ -6055,16 +7199,16 @@
               <a:buNone/>
             </a:pPr>
             <a:r>
-              <a:rPr b="0" lang="en-US" sz="3600" spc="-1" strike="noStrike">
+              <a:rPr lang="en-US" sz="3600" b="0" strike="noStrike" spc="-1">
                 <a:solidFill>
-                  <a:srgbClr val="90c226"/>
+                  <a:srgbClr val="90C226"/>
                 </a:solidFill>
                 <a:latin typeface="Times New Roman"/>
                 <a:ea typeface="Times New Roman"/>
               </a:rPr>
               <a:t>Thuận Lợi Khi Thực Tập</a:t>
             </a:r>
-            <a:endParaRPr b="0" lang="en-US" sz="3600" spc="-1" strike="noStrike">
+            <a:endParaRPr lang="en-US" sz="3600" b="0" strike="noStrike" spc="-1">
               <a:latin typeface="Arial"/>
             </a:endParaRPr>
           </a:p>
@@ -6090,37 +7234,44 @@
           </a:ln>
         </p:spPr>
         <p:style>
-          <a:lnRef idx="0"/>
-          <a:fillRef idx="0"/>
-          <a:effectRef idx="0"/>
+          <a:lnRef idx="0">
+            <a:scrgbClr r="0" g="0" b="0"/>
+          </a:lnRef>
+          <a:fillRef idx="0">
+            <a:scrgbClr r="0" g="0" b="0"/>
+          </a:fillRef>
+          <a:effectRef idx="0">
+            <a:scrgbClr r="0" g="0" b="0"/>
+          </a:effectRef>
           <a:fontRef idx="minor"/>
         </p:style>
         <p:txBody>
-          <a:bodyPr lIns="90000" rIns="90000" tIns="45000" bIns="45000" anchor="t">
+          <a:bodyPr lIns="90000" tIns="45000" rIns="90000" bIns="45000" anchor="t">
             <a:normAutofit/>
           </a:bodyPr>
+          <a:lstStyle/>
           <a:p>
             <a:pPr marL="343080" indent="-342000">
               <a:lnSpc>
                 <a:spcPct val="100000"/>
               </a:lnSpc>
               <a:buClr>
-                <a:srgbClr val="90c226"/>
+                <a:srgbClr val="90C226"/>
               </a:buClr>
               <a:buFont typeface="Noto Sans Symbols"/>
               <a:buChar char="⮚"/>
             </a:pPr>
             <a:r>
-              <a:rPr b="0" lang="en-US" sz="1800" spc="-1" strike="noStrike">
+              <a:rPr lang="en-US" sz="1800" b="0" strike="noStrike" spc="-1">
                 <a:solidFill>
-                  <a:srgbClr val="3f3f3f"/>
+                  <a:srgbClr val="3F3F3F"/>
                 </a:solidFill>
                 <a:latin typeface="Times New Roman"/>
                 <a:ea typeface="Times New Roman"/>
               </a:rPr>
               <a:t>Công ty start up nên nhân viên còn ít (phía Backend có 4 người ) nên được chính tay CTO của công ty hướng dẫn code</a:t>
             </a:r>
-            <a:endParaRPr b="0" lang="en-US" sz="1800" spc="-1" strike="noStrike">
+            <a:endParaRPr lang="en-US" sz="1800" b="0" strike="noStrike" spc="-1">
               <a:latin typeface="Arial"/>
             </a:endParaRPr>
           </a:p>
@@ -6133,22 +7284,22 @@
                 <a:spcPts val="1001"/>
               </a:spcBef>
               <a:buClr>
-                <a:srgbClr val="90c226"/>
+                <a:srgbClr val="90C226"/>
               </a:buClr>
               <a:buFont typeface="Noto Sans Symbols"/>
               <a:buChar char="⮚"/>
             </a:pPr>
             <a:r>
-              <a:rPr b="0" lang="en-US" sz="1800" spc="-1" strike="noStrike">
+              <a:rPr lang="en-US" sz="1800" b="0" strike="noStrike" spc="-1">
                 <a:solidFill>
-                  <a:srgbClr val="3f3f3f"/>
+                  <a:srgbClr val="3F3F3F"/>
                 </a:solidFill>
                 <a:latin typeface="Times New Roman"/>
                 <a:ea typeface="Times New Roman"/>
               </a:rPr>
               <a:t>Đa số nhân viên trong công ty đều vui tính và dễ làm quen</a:t>
             </a:r>
-            <a:endParaRPr b="0" lang="en-US" sz="1800" spc="-1" strike="noStrike">
+            <a:endParaRPr lang="en-US" sz="1800" b="0" strike="noStrike" spc="-1">
               <a:latin typeface="Arial"/>
             </a:endParaRPr>
           </a:p>
@@ -6161,22 +7312,22 @@
                 <a:spcPts val="1001"/>
               </a:spcBef>
               <a:buClr>
-                <a:srgbClr val="90c226"/>
+                <a:srgbClr val="90C226"/>
               </a:buClr>
               <a:buFont typeface="Noto Sans Symbols"/>
               <a:buChar char="⮚"/>
             </a:pPr>
             <a:r>
-              <a:rPr b="0" lang="en-US" sz="1800" spc="-1" strike="noStrike">
+              <a:rPr lang="en-US" sz="1800" b="0" strike="noStrike" spc="-1">
                 <a:solidFill>
-                  <a:srgbClr val="3f3f3f"/>
+                  <a:srgbClr val="3F3F3F"/>
                 </a:solidFill>
                 <a:latin typeface="Times New Roman"/>
                 <a:ea typeface="Times New Roman"/>
               </a:rPr>
               <a:t>Môi trường làm việc sạch sẽ, được ngủ trưa tại công ty, có máy lạnh.</a:t>
             </a:r>
-            <a:endParaRPr b="0" lang="en-US" sz="1800" spc="-1" strike="noStrike">
+            <a:endParaRPr lang="en-US" sz="1800" b="0" strike="noStrike" spc="-1">
               <a:latin typeface="Arial"/>
             </a:endParaRPr>
           </a:p>
@@ -6184,12 +7335,12 @@
       </p:sp>
       <p:pic>
         <p:nvPicPr>
-          <p:cNvPr id="126" name="" descr=""/>
+          <p:cNvPr id="126" name="Picture 125"/>
           <p:cNvPicPr/>
           <p:nvPr/>
         </p:nvPicPr>
         <p:blipFill>
-          <a:blip r:embed="rId1"/>
+          <a:blip r:embed="rId2"/>
           <a:stretch/>
         </p:blipFill>
         <p:spPr>
@@ -6207,19 +7358,14 @@
       </p:pic>
     </p:spTree>
   </p:cSld>
-  <mc:AlternateContent>
-    <mc:Choice Requires="p14">
-      <p:transition spd="slow" p14:dur="2000"/>
-    </mc:Choice>
-    <mc:Fallback>
-      <p:transition spd="slow"/>
-    </mc:Fallback>
-  </mc:AlternateContent>
+  <p:clrMapOvr>
+    <a:masterClrMapping/>
+  </p:clrMapOvr>
 </p:sld>
 </file>
 
 <file path=ppt/slides/slide6.xml><?xml version="1.0" encoding="utf-8"?>
-<p:sld xmlns:a="http://schemas.openxmlformats.org/drawingml/2006/main" xmlns:p="http://schemas.openxmlformats.org/presentationml/2006/main" xmlns:r="http://schemas.openxmlformats.org/officeDocument/2006/relationships" xmlns:p14="http://schemas.microsoft.com/office/powerpoint/2010/main" xmlns:p15="http://schemas.microsoft.com/office/powerpoint/2012/main" xmlns:mc="http://schemas.openxmlformats.org/markup-compatibility/2006">
+<p:sld xmlns:a="http://schemas.openxmlformats.org/drawingml/2006/main" xmlns:r="http://schemas.openxmlformats.org/officeDocument/2006/relationships" xmlns:p="http://schemas.openxmlformats.org/presentationml/2006/main">
   <p:cSld>
     <p:spTree>
       <p:nvGrpSpPr>
@@ -6255,15 +7401,22 @@
           </a:ln>
         </p:spPr>
         <p:style>
-          <a:lnRef idx="0"/>
-          <a:fillRef idx="0"/>
-          <a:effectRef idx="0"/>
+          <a:lnRef idx="0">
+            <a:scrgbClr r="0" g="0" b="0"/>
+          </a:lnRef>
+          <a:fillRef idx="0">
+            <a:scrgbClr r="0" g="0" b="0"/>
+          </a:fillRef>
+          <a:effectRef idx="0">
+            <a:scrgbClr r="0" g="0" b="0"/>
+          </a:effectRef>
           <a:fontRef idx="minor"/>
         </p:style>
         <p:txBody>
-          <a:bodyPr lIns="90000" rIns="90000" tIns="45000" bIns="45000" anchor="t">
+          <a:bodyPr lIns="90000" tIns="45000" rIns="90000" bIns="45000" anchor="t">
             <a:normAutofit/>
           </a:bodyPr>
+          <a:lstStyle/>
           <a:p>
             <a:pPr>
               <a:lnSpc>
@@ -6272,16 +7425,16 @@
               <a:buNone/>
             </a:pPr>
             <a:r>
-              <a:rPr b="0" lang="en-US" sz="3600" spc="-1" strike="noStrike">
+              <a:rPr lang="en-US" sz="3600" b="0" strike="noStrike" spc="-1">
                 <a:solidFill>
-                  <a:srgbClr val="90c226"/>
+                  <a:srgbClr val="90C226"/>
                 </a:solidFill>
                 <a:latin typeface="Times New Roman"/>
                 <a:ea typeface="Times New Roman"/>
               </a:rPr>
               <a:t>Khó Khăn Khi Thực Tập</a:t>
             </a:r>
-            <a:endParaRPr b="0" lang="en-US" sz="3600" spc="-1" strike="noStrike">
+            <a:endParaRPr lang="en-US" sz="3600" b="0" strike="noStrike" spc="-1">
               <a:latin typeface="Arial"/>
             </a:endParaRPr>
           </a:p>
@@ -6307,37 +7460,44 @@
           </a:ln>
         </p:spPr>
         <p:style>
-          <a:lnRef idx="0"/>
-          <a:fillRef idx="0"/>
-          <a:effectRef idx="0"/>
+          <a:lnRef idx="0">
+            <a:scrgbClr r="0" g="0" b="0"/>
+          </a:lnRef>
+          <a:fillRef idx="0">
+            <a:scrgbClr r="0" g="0" b="0"/>
+          </a:fillRef>
+          <a:effectRef idx="0">
+            <a:scrgbClr r="0" g="0" b="0"/>
+          </a:effectRef>
           <a:fontRef idx="minor"/>
         </p:style>
         <p:txBody>
-          <a:bodyPr lIns="90000" rIns="90000" tIns="45000" bIns="45000" anchor="t">
+          <a:bodyPr lIns="90000" tIns="45000" rIns="90000" bIns="45000" anchor="t">
             <a:normAutofit/>
           </a:bodyPr>
+          <a:lstStyle/>
           <a:p>
             <a:pPr marL="343080" indent="-342000">
               <a:lnSpc>
                 <a:spcPct val="100000"/>
               </a:lnSpc>
               <a:buClr>
-                <a:srgbClr val="90c226"/>
+                <a:srgbClr val="90C226"/>
               </a:buClr>
               <a:buFont typeface="Noto Sans Symbols"/>
               <a:buChar char="►"/>
             </a:pPr>
             <a:r>
-              <a:rPr b="0" lang="en-US" sz="1800" spc="-1" strike="noStrike">
+              <a:rPr lang="en-US" sz="1800" b="0" strike="noStrike" spc="-1">
                 <a:solidFill>
-                  <a:srgbClr val="3f3f3f"/>
+                  <a:srgbClr val="3F3F3F"/>
                 </a:solidFill>
                 <a:latin typeface="Times New Roman"/>
                 <a:ea typeface="Times New Roman"/>
               </a:rPr>
               <a:t>Do công ty còn mới nên quy trình làm việc, lương thưởng chưa rõ ràng.</a:t>
             </a:r>
-            <a:endParaRPr b="0" lang="en-US" sz="1800" spc="-1" strike="noStrike">
+            <a:endParaRPr lang="en-US" sz="1800" b="0" strike="noStrike" spc="-1">
               <a:latin typeface="Arial"/>
             </a:endParaRPr>
           </a:p>
@@ -6350,22 +7510,22 @@
                 <a:spcPts val="1001"/>
               </a:spcBef>
               <a:buClr>
-                <a:srgbClr val="90c226"/>
+                <a:srgbClr val="90C226"/>
               </a:buClr>
               <a:buFont typeface="Noto Sans Symbols"/>
               <a:buChar char="►"/>
             </a:pPr>
             <a:r>
-              <a:rPr b="0" lang="en-US" sz="1800" spc="-1" strike="noStrike">
+              <a:rPr lang="en-US" sz="1800" b="0" strike="noStrike" spc="-1">
                 <a:solidFill>
-                  <a:srgbClr val="3f3f3f"/>
+                  <a:srgbClr val="3F3F3F"/>
                 </a:solidFill>
                 <a:latin typeface="Times New Roman"/>
                 <a:ea typeface="Times New Roman"/>
               </a:rPr>
               <a:t>Số lượng nhân viên ít nên số task 1 người phải làm khá nhiều</a:t>
             </a:r>
-            <a:endParaRPr b="0" lang="en-US" sz="1800" spc="-1" strike="noStrike">
+            <a:endParaRPr lang="en-US" sz="1800" b="0" strike="noStrike" spc="-1">
               <a:latin typeface="Arial"/>
             </a:endParaRPr>
           </a:p>
@@ -6378,22 +7538,22 @@
                 <a:spcPts val="1001"/>
               </a:spcBef>
               <a:buClr>
-                <a:srgbClr val="90c226"/>
+                <a:srgbClr val="90C226"/>
               </a:buClr>
               <a:buFont typeface="Noto Sans Symbols"/>
               <a:buChar char="►"/>
             </a:pPr>
             <a:r>
-              <a:rPr b="0" lang="en-US" sz="1800" spc="-1" strike="noStrike">
+              <a:rPr lang="en-US" sz="1800" b="0" strike="noStrike" spc="-1">
                 <a:solidFill>
-                  <a:srgbClr val="3f3f3f"/>
+                  <a:srgbClr val="3F3F3F"/>
                 </a:solidFill>
                 <a:latin typeface="Times New Roman"/>
                 <a:ea typeface="Times New Roman"/>
               </a:rPr>
               <a:t>Công ty không cấp máy tính riêng cho nhân viên</a:t>
             </a:r>
-            <a:endParaRPr b="0" lang="en-US" sz="1800" spc="-1" strike="noStrike">
+            <a:endParaRPr lang="en-US" sz="1800" b="0" strike="noStrike" spc="-1">
               <a:latin typeface="Arial"/>
             </a:endParaRPr>
           </a:p>
@@ -6407,7 +7567,7 @@
               </a:spcBef>
               <a:buNone/>
             </a:pPr>
-            <a:endParaRPr b="0" lang="en-US" sz="1800" spc="-1" strike="noStrike">
+            <a:endParaRPr lang="en-US" sz="1800" b="0" strike="noStrike" spc="-1">
               <a:latin typeface="Arial"/>
             </a:endParaRPr>
           </a:p>
@@ -6415,12 +7575,12 @@
       </p:sp>
       <p:pic>
         <p:nvPicPr>
-          <p:cNvPr id="129" name="" descr=""/>
+          <p:cNvPr id="129" name="Picture 128"/>
           <p:cNvPicPr/>
           <p:nvPr/>
         </p:nvPicPr>
         <p:blipFill>
-          <a:blip r:embed="rId1"/>
+          <a:blip r:embed="rId2"/>
           <a:stretch/>
         </p:blipFill>
         <p:spPr>
@@ -6438,19 +7598,14 @@
       </p:pic>
     </p:spTree>
   </p:cSld>
-  <mc:AlternateContent>
-    <mc:Choice Requires="p14">
-      <p:transition spd="slow" p14:dur="2000"/>
-    </mc:Choice>
-    <mc:Fallback>
-      <p:transition spd="slow"/>
-    </mc:Fallback>
-  </mc:AlternateContent>
+  <p:clrMapOvr>
+    <a:masterClrMapping/>
+  </p:clrMapOvr>
 </p:sld>
 </file>
 
 <file path=ppt/slides/slide7.xml><?xml version="1.0" encoding="utf-8"?>
-<p:sld xmlns:a="http://schemas.openxmlformats.org/drawingml/2006/main" xmlns:p="http://schemas.openxmlformats.org/presentationml/2006/main" xmlns:r="http://schemas.openxmlformats.org/officeDocument/2006/relationships" xmlns:p14="http://schemas.microsoft.com/office/powerpoint/2010/main" xmlns:p15="http://schemas.microsoft.com/office/powerpoint/2012/main" xmlns:mc="http://schemas.openxmlformats.org/markup-compatibility/2006">
+<p:sld xmlns:a="http://schemas.openxmlformats.org/drawingml/2006/main" xmlns:r="http://schemas.openxmlformats.org/officeDocument/2006/relationships" xmlns:p="http://schemas.openxmlformats.org/presentationml/2006/main">
   <p:cSld>
     <p:spTree>
       <p:nvGrpSpPr>
@@ -6486,15 +7641,22 @@
           </a:ln>
         </p:spPr>
         <p:style>
-          <a:lnRef idx="0"/>
-          <a:fillRef idx="0"/>
-          <a:effectRef idx="0"/>
+          <a:lnRef idx="0">
+            <a:scrgbClr r="0" g="0" b="0"/>
+          </a:lnRef>
+          <a:fillRef idx="0">
+            <a:scrgbClr r="0" g="0" b="0"/>
+          </a:fillRef>
+          <a:effectRef idx="0">
+            <a:scrgbClr r="0" g="0" b="0"/>
+          </a:effectRef>
           <a:fontRef idx="minor"/>
         </p:style>
         <p:txBody>
-          <a:bodyPr lIns="90000" rIns="90000" tIns="45000" bIns="45000" anchor="t">
+          <a:bodyPr lIns="90000" tIns="45000" rIns="90000" bIns="45000" anchor="t">
             <a:normAutofit/>
           </a:bodyPr>
+          <a:lstStyle/>
           <a:p>
             <a:pPr>
               <a:lnSpc>
@@ -6503,16 +7665,16 @@
               <a:buNone/>
             </a:pPr>
             <a:r>
-              <a:rPr b="0" lang="en-US" sz="3600" spc="-1" strike="noStrike">
+              <a:rPr lang="en-US" sz="3600" b="0" strike="noStrike" spc="-1">
                 <a:solidFill>
-                  <a:srgbClr val="90c226"/>
+                  <a:srgbClr val="90C226"/>
                 </a:solidFill>
                 <a:latin typeface="Times New Roman"/>
                 <a:ea typeface="Times New Roman"/>
               </a:rPr>
               <a:t>Bài Học Rút Ra Sau Khi Thực Tập</a:t>
             </a:r>
-            <a:endParaRPr b="0" lang="en-US" sz="3600" spc="-1" strike="noStrike">
+            <a:endParaRPr lang="en-US" sz="3600" b="0" strike="noStrike" spc="-1">
               <a:latin typeface="Arial"/>
             </a:endParaRPr>
           </a:p>
@@ -6538,37 +7700,44 @@
           </a:ln>
         </p:spPr>
         <p:style>
-          <a:lnRef idx="0"/>
-          <a:fillRef idx="0"/>
-          <a:effectRef idx="0"/>
+          <a:lnRef idx="0">
+            <a:scrgbClr r="0" g="0" b="0"/>
+          </a:lnRef>
+          <a:fillRef idx="0">
+            <a:scrgbClr r="0" g="0" b="0"/>
+          </a:fillRef>
+          <a:effectRef idx="0">
+            <a:scrgbClr r="0" g="0" b="0"/>
+          </a:effectRef>
           <a:fontRef idx="minor"/>
         </p:style>
         <p:txBody>
-          <a:bodyPr lIns="90000" rIns="90000" tIns="45000" bIns="45000" anchor="t">
+          <a:bodyPr lIns="90000" tIns="45000" rIns="90000" bIns="45000" anchor="t">
             <a:normAutofit/>
           </a:bodyPr>
+          <a:lstStyle/>
           <a:p>
             <a:pPr marL="343080" indent="-342000">
               <a:lnSpc>
                 <a:spcPct val="100000"/>
               </a:lnSpc>
               <a:buClr>
-                <a:srgbClr val="90c226"/>
+                <a:srgbClr val="90C226"/>
               </a:buClr>
               <a:buFont typeface="Noto Sans Symbols"/>
               <a:buChar char="►"/>
             </a:pPr>
             <a:r>
-              <a:rPr b="0" lang="en-US" sz="1800" spc="-1" strike="noStrike">
+              <a:rPr lang="en-US" sz="1800" b="0" strike="noStrike" spc="-1">
                 <a:solidFill>
-                  <a:srgbClr val="3f3f3f"/>
+                  <a:srgbClr val="3F3F3F"/>
                 </a:solidFill>
                 <a:latin typeface="Times New Roman"/>
                 <a:ea typeface="Times New Roman"/>
               </a:rPr>
               <a:t>Nên đặt ra câu hỏi ngay từ khi nhận task. Tránh vừa làm vừa hỏi, ảnh hưởng đến người khác</a:t>
             </a:r>
-            <a:endParaRPr b="0" lang="en-US" sz="1800" spc="-1" strike="noStrike">
+            <a:endParaRPr lang="en-US" sz="1800" b="0" strike="noStrike" spc="-1">
               <a:latin typeface="Arial"/>
             </a:endParaRPr>
           </a:p>
@@ -6578,22 +7747,22 @@
                 <a:spcPct val="100000"/>
               </a:lnSpc>
               <a:buClr>
-                <a:srgbClr val="90c226"/>
+                <a:srgbClr val="90C226"/>
               </a:buClr>
               <a:buFont typeface="Noto Sans Symbols"/>
               <a:buChar char="►"/>
             </a:pPr>
             <a:r>
-              <a:rPr b="0" lang="en-US" sz="1800" spc="-1" strike="noStrike">
+              <a:rPr lang="en-US" sz="1800" b="0" strike="noStrike" spc="-1">
                 <a:solidFill>
-                  <a:srgbClr val="3f3f3f"/>
+                  <a:srgbClr val="3F3F3F"/>
                 </a:solidFill>
                 <a:latin typeface="Times New Roman"/>
                 <a:ea typeface="Times New Roman"/>
               </a:rPr>
               <a:t>Phải có 1 thái độ nghiêm túc khi làm việc, tránh sao nhãng bởi những yếu tố xung quanh như game, facebook, đồ ăn,…</a:t>
             </a:r>
-            <a:endParaRPr b="0" lang="en-US" sz="1800" spc="-1" strike="noStrike">
+            <a:endParaRPr lang="en-US" sz="1800" b="0" strike="noStrike" spc="-1">
               <a:latin typeface="Arial"/>
             </a:endParaRPr>
           </a:p>
@@ -6603,22 +7772,22 @@
                 <a:spcPct val="100000"/>
               </a:lnSpc>
               <a:buClr>
-                <a:srgbClr val="90c226"/>
+                <a:srgbClr val="90C226"/>
               </a:buClr>
               <a:buFont typeface="Noto Sans Symbols"/>
               <a:buChar char="►"/>
             </a:pPr>
             <a:r>
-              <a:rPr b="0" lang="en-US" sz="1800" spc="-1" strike="noStrike">
+              <a:rPr lang="en-US" sz="1800" b="0" strike="noStrike" spc="-1">
                 <a:solidFill>
-                  <a:srgbClr val="3f3f3f"/>
+                  <a:srgbClr val="3F3F3F"/>
                 </a:solidFill>
                 <a:latin typeface="Times New Roman"/>
                 <a:ea typeface="Times New Roman"/>
               </a:rPr>
               <a:t>Với mỗi chức năng được làm ra thì phải test kỹ, tạo unit test để tránh sai sót, làm ảnh hưởng đến công ty và bản thân</a:t>
             </a:r>
-            <a:endParaRPr b="0" lang="en-US" sz="1800" spc="-1" strike="noStrike">
+            <a:endParaRPr lang="en-US" sz="1800" b="0" strike="noStrike" spc="-1">
               <a:latin typeface="Arial"/>
             </a:endParaRPr>
           </a:p>
@@ -6644,20 +7813,26 @@
           </a:ln>
         </p:spPr>
         <p:style>
-          <a:lnRef idx="0"/>
-          <a:fillRef idx="0"/>
-          <a:effectRef idx="0"/>
+          <a:lnRef idx="0">
+            <a:scrgbClr r="0" g="0" b="0"/>
+          </a:lnRef>
+          <a:fillRef idx="0">
+            <a:scrgbClr r="0" g="0" b="0"/>
+          </a:fillRef>
+          <a:effectRef idx="0">
+            <a:scrgbClr r="0" g="0" b="0"/>
+          </a:effectRef>
           <a:fontRef idx="minor"/>
         </p:style>
       </p:sp>
       <p:pic>
         <p:nvPicPr>
-          <p:cNvPr id="133" name="" descr=""/>
+          <p:cNvPr id="133" name="Picture 132"/>
           <p:cNvPicPr/>
           <p:nvPr/>
         </p:nvPicPr>
         <p:blipFill>
-          <a:blip r:embed="rId1"/>
+          <a:blip r:embed="rId2"/>
           <a:stretch/>
         </p:blipFill>
         <p:spPr>
@@ -6675,19 +7850,14 @@
       </p:pic>
     </p:spTree>
   </p:cSld>
-  <mc:AlternateContent>
-    <mc:Choice Requires="p14">
-      <p:transition spd="slow" p14:dur="2000"/>
-    </mc:Choice>
-    <mc:Fallback>
-      <p:transition spd="slow"/>
-    </mc:Fallback>
-  </mc:AlternateContent>
+  <p:clrMapOvr>
+    <a:masterClrMapping/>
+  </p:clrMapOvr>
 </p:sld>
 </file>
 
 <file path=ppt/slides/slide8.xml><?xml version="1.0" encoding="utf-8"?>
-<p:sld xmlns:a="http://schemas.openxmlformats.org/drawingml/2006/main" xmlns:p="http://schemas.openxmlformats.org/presentationml/2006/main" xmlns:r="http://schemas.openxmlformats.org/officeDocument/2006/relationships" xmlns:p14="http://schemas.microsoft.com/office/powerpoint/2010/main" xmlns:p15="http://schemas.microsoft.com/office/powerpoint/2012/main" xmlns:mc="http://schemas.openxmlformats.org/markup-compatibility/2006">
+<p:sld xmlns:a="http://schemas.openxmlformats.org/drawingml/2006/main" xmlns:r="http://schemas.openxmlformats.org/officeDocument/2006/relationships" xmlns:p="http://schemas.openxmlformats.org/presentationml/2006/main">
   <p:cSld>
     <p:spTree>
       <p:nvGrpSpPr>
@@ -6705,12 +7875,12 @@
       </p:grpSpPr>
       <p:pic>
         <p:nvPicPr>
-          <p:cNvPr id="134" name="" descr=""/>
+          <p:cNvPr id="134" name="Picture 133"/>
           <p:cNvPicPr/>
           <p:nvPr/>
         </p:nvPicPr>
         <p:blipFill>
-          <a:blip r:embed="rId1"/>
+          <a:blip r:embed="rId2"/>
           <a:stretch/>
         </p:blipFill>
         <p:spPr>
@@ -6728,14 +7898,9 @@
       </p:pic>
     </p:spTree>
   </p:cSld>
-  <mc:AlternateContent>
-    <mc:Choice Requires="p14">
-      <p:transition spd="slow" p14:dur="2000"/>
-    </mc:Choice>
-    <mc:Fallback>
-      <p:transition spd="slow"/>
-    </mc:Fallback>
-  </mc:AlternateContent>
+  <p:clrMapOvr>
+    <a:masterClrMapping/>
+  </p:clrMapOvr>
 </p:sld>
 </file>
 
@@ -6750,34 +7915,34 @@
         <a:sysClr val="window" lastClr="FFFFFF"/>
       </a:lt1>
       <a:dk2>
-        <a:srgbClr val="2c3c43"/>
+        <a:srgbClr val="2C3C43"/>
       </a:dk2>
       <a:lt2>
-        <a:srgbClr val="ebebeb"/>
+        <a:srgbClr val="EBEBEB"/>
       </a:lt2>
       <a:accent1>
-        <a:srgbClr val="90c226"/>
+        <a:srgbClr val="90C226"/>
       </a:accent1>
       <a:accent2>
-        <a:srgbClr val="54a021"/>
+        <a:srgbClr val="54A021"/>
       </a:accent2>
       <a:accent3>
-        <a:srgbClr val="e6b91e"/>
+        <a:srgbClr val="E6B91E"/>
       </a:accent3>
       <a:accent4>
-        <a:srgbClr val="e76618"/>
+        <a:srgbClr val="E76618"/>
       </a:accent4>
       <a:accent5>
-        <a:srgbClr val="c42f1a"/>
+        <a:srgbClr val="C42F1A"/>
       </a:accent5>
       <a:accent6>
         <a:srgbClr val="918655"/>
       </a:accent6>
       <a:hlink>
-        <a:srgbClr val="99ca3c"/>
+        <a:srgbClr val="99CA3C"/>
       </a:hlink>
       <a:folHlink>
-        <a:srgbClr val="b9d181"/>
+        <a:srgbClr val="B9D181"/>
       </a:folHlink>
     </a:clrScheme>
     <a:fontScheme name="Office">
@@ -6962,6 +8127,8 @@
       </a:bgFillStyleLst>
     </a:fmtScheme>
   </a:themeElements>
+  <a:objectDefaults/>
+  <a:extraClrSchemeLst/>
 </a:theme>
 </file>
 
@@ -6976,34 +8143,34 @@
         <a:sysClr val="window" lastClr="FFFFFF"/>
       </a:lt1>
       <a:dk2>
-        <a:srgbClr val="2c3c43"/>
+        <a:srgbClr val="2C3C43"/>
       </a:dk2>
       <a:lt2>
-        <a:srgbClr val="ebebeb"/>
+        <a:srgbClr val="EBEBEB"/>
       </a:lt2>
       <a:accent1>
-        <a:srgbClr val="90c226"/>
+        <a:srgbClr val="90C226"/>
       </a:accent1>
       <a:accent2>
-        <a:srgbClr val="54a021"/>
+        <a:srgbClr val="54A021"/>
       </a:accent2>
       <a:accent3>
-        <a:srgbClr val="e6b91e"/>
+        <a:srgbClr val="E6B91E"/>
       </a:accent3>
       <a:accent4>
-        <a:srgbClr val="e76618"/>
+        <a:srgbClr val="E76618"/>
       </a:accent4>
       <a:accent5>
-        <a:srgbClr val="c42f1a"/>
+        <a:srgbClr val="C42F1A"/>
       </a:accent5>
       <a:accent6>
         <a:srgbClr val="918655"/>
       </a:accent6>
       <a:hlink>
-        <a:srgbClr val="99ca3c"/>
+        <a:srgbClr val="99CA3C"/>
       </a:hlink>
       <a:folHlink>
-        <a:srgbClr val="b9d181"/>
+        <a:srgbClr val="B9D181"/>
       </a:folHlink>
     </a:clrScheme>
     <a:fontScheme name="Office">
@@ -7188,5 +8355,7 @@
       </a:bgFillStyleLst>
     </a:fmtScheme>
   </a:themeElements>
+  <a:objectDefaults/>
+  <a:extraClrSchemeLst/>
 </a:theme>
 </file>